--- a/개발 7팀 최종 팀프로젝트 산출물 제출/5) 개발5팀_최종_팀프로젝트_포트폴리오.pptx
+++ b/개발 7팀 최종 팀프로젝트 산출물 제출/5) 개발5팀_최종_팀프로젝트_포트폴리오.pptx
@@ -1,29 +1,29 @@
 
 <file path=ppt/presentation.xml><?xml version="1.0" encoding="utf-8"?>
-<p:presentation xmlns:r="http://schemas.openxmlformats.org/officeDocument/2006/relationships" xmlns:c="http://schemas.openxmlformats.org/drawingml/2006/chart" xmlns:a="http://schemas.openxmlformats.org/drawingml/2006/main" xmlns:dgm="http://schemas.openxmlformats.org/drawingml/2006/diagram" xmlns:dsp="http://schemas.microsoft.com/office/drawing/2008/diagram" xmlns:p="http://schemas.openxmlformats.org/presentationml/2006/main" saveSubsetFonts="1" autoCompressPictures="0">
+<p:presentation xmlns:a="http://schemas.openxmlformats.org/drawingml/2006/main" xmlns:r="http://schemas.openxmlformats.org/officeDocument/2006/relationships" xmlns:p="http://schemas.openxmlformats.org/presentationml/2006/main" saveSubsetFonts="1" autoCompressPictures="0">
   <p:sldMasterIdLst>
     <p:sldMasterId id="2147483675" r:id="rId1"/>
   </p:sldMasterIdLst>
   <p:notesMasterIdLst>
-    <p:notesMasterId r:id="rId2"/>
+    <p:notesMasterId r:id="rId15"/>
   </p:notesMasterIdLst>
   <p:handoutMasterIdLst>
-    <p:handoutMasterId r:id="rId3"/>
+    <p:handoutMasterId r:id="rId16"/>
   </p:handoutMasterIdLst>
   <p:sldIdLst>
-    <p:sldId id="256" r:id="rId4"/>
-    <p:sldId id="257" r:id="rId5"/>
-    <p:sldId id="258" r:id="rId6"/>
-    <p:sldId id="259" r:id="rId7"/>
-    <p:sldId id="260" r:id="rId8"/>
-    <p:sldId id="261" r:id="rId9"/>
-    <p:sldId id="262" r:id="rId10"/>
-    <p:sldId id="263" r:id="rId11"/>
-    <p:sldId id="264" r:id="rId12"/>
-    <p:sldId id="265" r:id="rId13"/>
-    <p:sldId id="266" r:id="rId14"/>
-    <p:sldId id="267" r:id="rId15"/>
-    <p:sldId id="268" r:id="rId16"/>
+    <p:sldId id="256" r:id="rId2"/>
+    <p:sldId id="257" r:id="rId3"/>
+    <p:sldId id="258" r:id="rId4"/>
+    <p:sldId id="259" r:id="rId5"/>
+    <p:sldId id="260" r:id="rId6"/>
+    <p:sldId id="261" r:id="rId7"/>
+    <p:sldId id="262" r:id="rId8"/>
+    <p:sldId id="263" r:id="rId9"/>
+    <p:sldId id="264" r:id="rId10"/>
+    <p:sldId id="265" r:id="rId11"/>
+    <p:sldId id="266" r:id="rId12"/>
+    <p:sldId id="267" r:id="rId13"/>
+    <p:sldId id="268" r:id="rId14"/>
   </p:sldIdLst>
   <p:sldSz cx="12192000" cy="6858000"/>
   <p:notesSz cx="6858000" cy="9144000"/>
@@ -122,11 +122,19 @@
       </a:defRPr>
     </a:lvl9pPr>
   </p:defaultTextStyle>
+  <p:extLst>
+    <p:ext uri="{EFAFB233-063F-42B5-8137-9DF3F51BA10A}">
+      <p15:sldGuideLst xmlns:p15="http://schemas.microsoft.com/office/powerpoint/2012/main"/>
+    </p:ext>
+    <p:ext uri="{2D200454-40CA-4A62-9FC3-DE9A4176ACB9}">
+      <p15:notesGuideLst xmlns:p15="http://schemas.microsoft.com/office/powerpoint/2012/main"/>
+    </p:ext>
+  </p:extLst>
 </p:presentation>
 </file>
 
 <file path=ppt/handoutMasters/handoutMaster1.xml><?xml version="1.0" encoding="utf-8"?>
-<p:handoutMaster xmlns:r="http://schemas.openxmlformats.org/officeDocument/2006/relationships" xmlns:c="http://schemas.openxmlformats.org/drawingml/2006/chart" xmlns:a="http://schemas.openxmlformats.org/drawingml/2006/main" xmlns:dgm="http://schemas.openxmlformats.org/drawingml/2006/diagram" xmlns:dsp="http://schemas.microsoft.com/office/drawing/2008/diagram" xmlns:p="http://schemas.openxmlformats.org/presentationml/2006/main">
+<p:handoutMaster xmlns:a="http://schemas.openxmlformats.org/drawingml/2006/main" xmlns:r="http://schemas.openxmlformats.org/officeDocument/2006/relationships" xmlns:p="http://schemas.openxmlformats.org/presentationml/2006/main">
   <p:cSld>
     <p:bg>
       <p:bgRef idx="1001">
@@ -154,7 +162,7 @@
             <a:spLocks noGrp="1"/>
           </p:cNvSpPr>
           <p:nvPr>
-            <p:ph type="hdr" sz="quarter" idx="0"/>
+            <p:ph type="hdr" sz="quarter"/>
           </p:nvPr>
         </p:nvSpPr>
         <p:spPr>
@@ -177,10 +185,6 @@
             <a:pPr lvl="0">
               <a:defRPr/>
             </a:pPr>
-            <a:r>
-              <a:rPr lang="ko-KR" altLang="en-US"/>
-              <a:t/>
-            </a:r>
             <a:endParaRPr lang="ko-KR" altLang="en-US"/>
           </a:p>
         </p:txBody>
@@ -256,10 +260,6 @@
             <a:pPr lvl="0">
               <a:defRPr/>
             </a:pPr>
-            <a:r>
-              <a:rPr lang="ko-KR" altLang="en-US"/>
-              <a:t/>
-            </a:r>
             <a:endParaRPr lang="ko-KR" altLang="en-US"/>
           </a:p>
         </p:txBody>
@@ -306,13 +306,18 @@
         </p:txBody>
       </p:sp>
     </p:spTree>
+    <p:extLst>
+      <p:ext uri="{BB962C8B-B14F-4D97-AF65-F5344CB8AC3E}">
+        <p14:creationId xmlns:p14="http://schemas.microsoft.com/office/powerpoint/2010/main" val="1"/>
+      </p:ext>
+    </p:extLst>
   </p:cSld>
   <p:clrMap bg1="lt1" tx1="dk1" bg2="lt2" tx2="dk2" accent1="accent1" accent2="accent2" accent3="accent3" accent4="accent4" accent5="accent5" accent6="accent6" hlink="hlink" folHlink="folHlink"/>
 </p:handoutMaster>
 </file>
 
 <file path=ppt/notesMasters/notesMaster1.xml><?xml version="1.0" encoding="utf-8"?>
-<p:notesMaster xmlns:r="http://schemas.openxmlformats.org/officeDocument/2006/relationships" xmlns:c="http://schemas.openxmlformats.org/drawingml/2006/chart" xmlns:a="http://schemas.openxmlformats.org/drawingml/2006/main" xmlns:dgm="http://schemas.openxmlformats.org/drawingml/2006/diagram" xmlns:dsp="http://schemas.microsoft.com/office/drawing/2008/diagram" xmlns:p="http://schemas.openxmlformats.org/presentationml/2006/main">
+<p:notesMaster xmlns:a="http://schemas.openxmlformats.org/drawingml/2006/main" xmlns:r="http://schemas.openxmlformats.org/officeDocument/2006/relationships" xmlns:p="http://schemas.openxmlformats.org/presentationml/2006/main">
   <p:cSld>
     <p:bg>
       <p:bgRef idx="1001">
@@ -340,7 +345,7 @@
             <a:spLocks noGrp="1"/>
           </p:cNvSpPr>
           <p:nvPr>
-            <p:ph type="hdr" sz="quarter" idx="0"/>
+            <p:ph type="hdr" sz="quarter"/>
           </p:nvPr>
         </p:nvSpPr>
         <p:spPr>
@@ -363,10 +368,6 @@
             <a:pPr lvl="0">
               <a:defRPr/>
             </a:pPr>
-            <a:r>
-              <a:rPr lang="ko-KR" altLang="en-US"/>
-              <a:t/>
-            </a:r>
             <a:endParaRPr lang="ko-KR" altLang="en-US"/>
           </a:p>
         </p:txBody>
@@ -478,7 +479,6 @@
               <a:rPr lang="en-US"/>
               <a:t>Edit Master text styles</a:t>
             </a:r>
-            <a:endParaRPr lang="en-US"/>
           </a:p>
           <a:p>
             <a:pPr lvl="1">
@@ -488,7 +488,6 @@
               <a:rPr lang="en-US"/>
               <a:t>Second level</a:t>
             </a:r>
-            <a:endParaRPr lang="en-US"/>
           </a:p>
           <a:p>
             <a:pPr lvl="2">
@@ -498,7 +497,6 @@
               <a:rPr lang="en-US"/>
               <a:t>Third level</a:t>
             </a:r>
-            <a:endParaRPr lang="en-US"/>
           </a:p>
           <a:p>
             <a:pPr lvl="3">
@@ -508,7 +506,6 @@
               <a:rPr lang="en-US"/>
               <a:t>Fourth level</a:t>
             </a:r>
-            <a:endParaRPr lang="en-US"/>
           </a:p>
           <a:p>
             <a:pPr lvl="4">
@@ -518,7 +515,6 @@
               <a:rPr lang="en-US"/>
               <a:t>Fifth level</a:t>
             </a:r>
-            <a:endParaRPr lang="en-US"/>
           </a:p>
         </p:txBody>
       </p:sp>
@@ -552,10 +548,6 @@
             <a:pPr lvl="0">
               <a:defRPr/>
             </a:pPr>
-            <a:r>
-              <a:rPr lang="ko-KR" altLang="en-US"/>
-              <a:t/>
-            </a:r>
             <a:endParaRPr lang="ko-KR" altLang="en-US"/>
           </a:p>
         </p:txBody>
@@ -701,7 +693,7 @@
 </file>
 
 <file path=ppt/notesSlides/notesSlide1.xml><?xml version="1.0" encoding="utf-8"?>
-<p:notes xmlns:r="http://schemas.openxmlformats.org/officeDocument/2006/relationships" xmlns:c="http://schemas.openxmlformats.org/drawingml/2006/chart" xmlns:a="http://schemas.openxmlformats.org/drawingml/2006/main" xmlns:dgm="http://schemas.openxmlformats.org/drawingml/2006/diagram" xmlns:dsp="http://schemas.microsoft.com/office/drawing/2008/diagram" xmlns:p="http://schemas.openxmlformats.org/presentationml/2006/main">
+<p:notes xmlns:a="http://schemas.openxmlformats.org/drawingml/2006/main" xmlns:r="http://schemas.openxmlformats.org/officeDocument/2006/relationships" xmlns:p="http://schemas.openxmlformats.org/presentationml/2006/main">
   <p:cSld>
     <p:spTree>
       <p:nvGrpSpPr>
@@ -724,7 +716,7 @@
             <a:spLocks noGrp="1" noRot="1" noChangeAspect="1" noTextEdit="1"/>
           </p:cNvSpPr>
           <p:nvPr>
-            <p:ph type="sldImg" idx="0"/>
+            <p:ph type="sldImg"/>
           </p:nvPr>
         </p:nvSpPr>
         <p:spPr/>
@@ -747,10 +739,6 @@
             <a:pPr lvl="0">
               <a:defRPr/>
             </a:pPr>
-            <a:r>
-              <a:rPr lang="ko-KR" altLang="en-US"/>
-              <a:t/>
-            </a:r>
             <a:endParaRPr lang="ko-KR" altLang="en-US"/>
           </a:p>
         </p:txBody>
@@ -793,7 +781,7 @@
 </file>
 
 <file path=ppt/notesSlides/notesSlide10.xml><?xml version="1.0" encoding="utf-8"?>
-<p:notes xmlns:r="http://schemas.openxmlformats.org/officeDocument/2006/relationships" xmlns:c="http://schemas.openxmlformats.org/drawingml/2006/chart" xmlns:a="http://schemas.openxmlformats.org/drawingml/2006/main" xmlns:dgm="http://schemas.openxmlformats.org/drawingml/2006/diagram" xmlns:dsp="http://schemas.microsoft.com/office/drawing/2008/diagram" xmlns:p="http://schemas.openxmlformats.org/presentationml/2006/main">
+<p:notes xmlns:a="http://schemas.openxmlformats.org/drawingml/2006/main" xmlns:r="http://schemas.openxmlformats.org/officeDocument/2006/relationships" xmlns:p="http://schemas.openxmlformats.org/presentationml/2006/main">
   <p:cSld>
     <p:spTree>
       <p:nvGrpSpPr>
@@ -816,7 +804,7 @@
             <a:spLocks noGrp="1" noRot="1" noChangeAspect="1" noTextEdit="1"/>
           </p:cNvSpPr>
           <p:nvPr>
-            <p:ph type="sldImg" idx="0"/>
+            <p:ph type="sldImg"/>
           </p:nvPr>
         </p:nvSpPr>
         <p:spPr/>
@@ -839,10 +827,6 @@
             <a:pPr lvl="0">
               <a:defRPr/>
             </a:pPr>
-            <a:r>
-              <a:rPr lang="ko-KR" altLang="en-US"/>
-              <a:t/>
-            </a:r>
             <a:endParaRPr lang="ko-KR" altLang="en-US"/>
           </a:p>
         </p:txBody>
@@ -885,7 +869,7 @@
 </file>
 
 <file path=ppt/notesSlides/notesSlide11.xml><?xml version="1.0" encoding="utf-8"?>
-<p:notes xmlns:r="http://schemas.openxmlformats.org/officeDocument/2006/relationships" xmlns:c="http://schemas.openxmlformats.org/drawingml/2006/chart" xmlns:a="http://schemas.openxmlformats.org/drawingml/2006/main" xmlns:dgm="http://schemas.openxmlformats.org/drawingml/2006/diagram" xmlns:dsp="http://schemas.microsoft.com/office/drawing/2008/diagram" xmlns:p="http://schemas.openxmlformats.org/presentationml/2006/main">
+<p:notes xmlns:a="http://schemas.openxmlformats.org/drawingml/2006/main" xmlns:r="http://schemas.openxmlformats.org/officeDocument/2006/relationships" xmlns:p="http://schemas.openxmlformats.org/presentationml/2006/main">
   <p:cSld>
     <p:spTree>
       <p:nvGrpSpPr>
@@ -908,7 +892,7 @@
             <a:spLocks noGrp="1" noRot="1" noChangeAspect="1" noTextEdit="1"/>
           </p:cNvSpPr>
           <p:nvPr>
-            <p:ph type="sldImg" idx="0"/>
+            <p:ph type="sldImg"/>
           </p:nvPr>
         </p:nvSpPr>
         <p:spPr/>
@@ -931,10 +915,6 @@
             <a:pPr lvl="0">
               <a:defRPr/>
             </a:pPr>
-            <a:r>
-              <a:rPr lang="ko-KR" altLang="en-US"/>
-              <a:t/>
-            </a:r>
             <a:endParaRPr lang="ko-KR" altLang="en-US"/>
           </a:p>
         </p:txBody>
@@ -977,7 +957,7 @@
 </file>
 
 <file path=ppt/notesSlides/notesSlide12.xml><?xml version="1.0" encoding="utf-8"?>
-<p:notes xmlns:r="http://schemas.openxmlformats.org/officeDocument/2006/relationships" xmlns:c="http://schemas.openxmlformats.org/drawingml/2006/chart" xmlns:a="http://schemas.openxmlformats.org/drawingml/2006/main" xmlns:dgm="http://schemas.openxmlformats.org/drawingml/2006/diagram" xmlns:dsp="http://schemas.microsoft.com/office/drawing/2008/diagram" xmlns:p="http://schemas.openxmlformats.org/presentationml/2006/main">
+<p:notes xmlns:a="http://schemas.openxmlformats.org/drawingml/2006/main" xmlns:r="http://schemas.openxmlformats.org/officeDocument/2006/relationships" xmlns:p="http://schemas.openxmlformats.org/presentationml/2006/main">
   <p:cSld>
     <p:spTree>
       <p:nvGrpSpPr>
@@ -1000,7 +980,7 @@
             <a:spLocks noGrp="1" noRot="1" noChangeAspect="1" noTextEdit="1"/>
           </p:cNvSpPr>
           <p:nvPr>
-            <p:ph type="sldImg" idx="0"/>
+            <p:ph type="sldImg"/>
           </p:nvPr>
         </p:nvSpPr>
         <p:spPr/>
@@ -1023,10 +1003,6 @@
             <a:pPr lvl="0">
               <a:defRPr/>
             </a:pPr>
-            <a:r>
-              <a:rPr lang="ko-KR" altLang="en-US"/>
-              <a:t/>
-            </a:r>
             <a:endParaRPr lang="ko-KR" altLang="en-US"/>
           </a:p>
         </p:txBody>
@@ -1069,7 +1045,7 @@
 </file>
 
 <file path=ppt/notesSlides/notesSlide2.xml><?xml version="1.0" encoding="utf-8"?>
-<p:notes xmlns:r="http://schemas.openxmlformats.org/officeDocument/2006/relationships" xmlns:c="http://schemas.openxmlformats.org/drawingml/2006/chart" xmlns:a="http://schemas.openxmlformats.org/drawingml/2006/main" xmlns:dgm="http://schemas.openxmlformats.org/drawingml/2006/diagram" xmlns:dsp="http://schemas.microsoft.com/office/drawing/2008/diagram" xmlns:p="http://schemas.openxmlformats.org/presentationml/2006/main">
+<p:notes xmlns:a="http://schemas.openxmlformats.org/drawingml/2006/main" xmlns:r="http://schemas.openxmlformats.org/officeDocument/2006/relationships" xmlns:p="http://schemas.openxmlformats.org/presentationml/2006/main">
   <p:cSld>
     <p:spTree>
       <p:nvGrpSpPr>
@@ -1092,7 +1068,7 @@
             <a:spLocks noGrp="1" noRot="1" noChangeAspect="1" noTextEdit="1"/>
           </p:cNvSpPr>
           <p:nvPr>
-            <p:ph type="sldImg" idx="0"/>
+            <p:ph type="sldImg"/>
           </p:nvPr>
         </p:nvSpPr>
         <p:spPr/>
@@ -1115,10 +1091,6 @@
             <a:pPr lvl="0">
               <a:defRPr/>
             </a:pPr>
-            <a:r>
-              <a:rPr lang="ko-KR" altLang="en-US"/>
-              <a:t/>
-            </a:r>
             <a:endParaRPr lang="ko-KR" altLang="en-US"/>
           </a:p>
         </p:txBody>
@@ -1161,7 +1133,7 @@
 </file>
 
 <file path=ppt/notesSlides/notesSlide3.xml><?xml version="1.0" encoding="utf-8"?>
-<p:notes xmlns:r="http://schemas.openxmlformats.org/officeDocument/2006/relationships" xmlns:c="http://schemas.openxmlformats.org/drawingml/2006/chart" xmlns:a="http://schemas.openxmlformats.org/drawingml/2006/main" xmlns:dgm="http://schemas.openxmlformats.org/drawingml/2006/diagram" xmlns:dsp="http://schemas.microsoft.com/office/drawing/2008/diagram" xmlns:p="http://schemas.openxmlformats.org/presentationml/2006/main">
+<p:notes xmlns:a="http://schemas.openxmlformats.org/drawingml/2006/main" xmlns:r="http://schemas.openxmlformats.org/officeDocument/2006/relationships" xmlns:p="http://schemas.openxmlformats.org/presentationml/2006/main">
   <p:cSld>
     <p:spTree>
       <p:nvGrpSpPr>
@@ -1184,7 +1156,7 @@
             <a:spLocks noGrp="1" noRot="1" noChangeAspect="1" noTextEdit="1"/>
           </p:cNvSpPr>
           <p:nvPr>
-            <p:ph type="sldImg" idx="0"/>
+            <p:ph type="sldImg"/>
           </p:nvPr>
         </p:nvSpPr>
         <p:spPr/>
@@ -1207,10 +1179,6 @@
             <a:pPr lvl="0">
               <a:defRPr/>
             </a:pPr>
-            <a:r>
-              <a:rPr lang="ko-KR" altLang="en-US"/>
-              <a:t/>
-            </a:r>
             <a:endParaRPr lang="ko-KR" altLang="en-US"/>
           </a:p>
         </p:txBody>
@@ -1253,7 +1221,7 @@
 </file>
 
 <file path=ppt/notesSlides/notesSlide4.xml><?xml version="1.0" encoding="utf-8"?>
-<p:notes xmlns:r="http://schemas.openxmlformats.org/officeDocument/2006/relationships" xmlns:c="http://schemas.openxmlformats.org/drawingml/2006/chart" xmlns:a="http://schemas.openxmlformats.org/drawingml/2006/main" xmlns:dgm="http://schemas.openxmlformats.org/drawingml/2006/diagram" xmlns:dsp="http://schemas.microsoft.com/office/drawing/2008/diagram" xmlns:p="http://schemas.openxmlformats.org/presentationml/2006/main">
+<p:notes xmlns:a="http://schemas.openxmlformats.org/drawingml/2006/main" xmlns:r="http://schemas.openxmlformats.org/officeDocument/2006/relationships" xmlns:p="http://schemas.openxmlformats.org/presentationml/2006/main">
   <p:cSld>
     <p:spTree>
       <p:nvGrpSpPr>
@@ -1276,7 +1244,7 @@
             <a:spLocks noGrp="1" noRot="1" noChangeAspect="1" noTextEdit="1"/>
           </p:cNvSpPr>
           <p:nvPr>
-            <p:ph type="sldImg" idx="0"/>
+            <p:ph type="sldImg"/>
           </p:nvPr>
         </p:nvSpPr>
         <p:spPr/>
@@ -1299,10 +1267,6 @@
             <a:pPr lvl="0">
               <a:defRPr/>
             </a:pPr>
-            <a:r>
-              <a:rPr lang="ko-KR" altLang="en-US"/>
-              <a:t/>
-            </a:r>
             <a:endParaRPr lang="ko-KR" altLang="en-US"/>
           </a:p>
         </p:txBody>
@@ -1345,7 +1309,7 @@
 </file>
 
 <file path=ppt/notesSlides/notesSlide5.xml><?xml version="1.0" encoding="utf-8"?>
-<p:notes xmlns:r="http://schemas.openxmlformats.org/officeDocument/2006/relationships" xmlns:c="http://schemas.openxmlformats.org/drawingml/2006/chart" xmlns:a="http://schemas.openxmlformats.org/drawingml/2006/main" xmlns:dgm="http://schemas.openxmlformats.org/drawingml/2006/diagram" xmlns:dsp="http://schemas.microsoft.com/office/drawing/2008/diagram" xmlns:p="http://schemas.openxmlformats.org/presentationml/2006/main">
+<p:notes xmlns:a="http://schemas.openxmlformats.org/drawingml/2006/main" xmlns:r="http://schemas.openxmlformats.org/officeDocument/2006/relationships" xmlns:p="http://schemas.openxmlformats.org/presentationml/2006/main">
   <p:cSld>
     <p:spTree>
       <p:nvGrpSpPr>
@@ -1368,7 +1332,7 @@
             <a:spLocks noGrp="1" noRot="1" noChangeAspect="1" noTextEdit="1"/>
           </p:cNvSpPr>
           <p:nvPr>
-            <p:ph type="sldImg" idx="0"/>
+            <p:ph type="sldImg"/>
           </p:nvPr>
         </p:nvSpPr>
         <p:spPr/>
@@ -1391,10 +1355,6 @@
             <a:pPr lvl="0">
               <a:defRPr/>
             </a:pPr>
-            <a:r>
-              <a:rPr lang="ko-KR" altLang="en-US"/>
-              <a:t/>
-            </a:r>
             <a:endParaRPr lang="ko-KR" altLang="en-US"/>
           </a:p>
         </p:txBody>
@@ -1437,7 +1397,7 @@
 </file>
 
 <file path=ppt/notesSlides/notesSlide6.xml><?xml version="1.0" encoding="utf-8"?>
-<p:notes xmlns:r="http://schemas.openxmlformats.org/officeDocument/2006/relationships" xmlns:c="http://schemas.openxmlformats.org/drawingml/2006/chart" xmlns:a="http://schemas.openxmlformats.org/drawingml/2006/main" xmlns:dgm="http://schemas.openxmlformats.org/drawingml/2006/diagram" xmlns:dsp="http://schemas.microsoft.com/office/drawing/2008/diagram" xmlns:p="http://schemas.openxmlformats.org/presentationml/2006/main">
+<p:notes xmlns:a="http://schemas.openxmlformats.org/drawingml/2006/main" xmlns:r="http://schemas.openxmlformats.org/officeDocument/2006/relationships" xmlns:p="http://schemas.openxmlformats.org/presentationml/2006/main">
   <p:cSld>
     <p:spTree>
       <p:nvGrpSpPr>
@@ -1460,7 +1420,7 @@
             <a:spLocks noGrp="1" noRot="1" noChangeAspect="1" noTextEdit="1"/>
           </p:cNvSpPr>
           <p:nvPr>
-            <p:ph type="sldImg" idx="0"/>
+            <p:ph type="sldImg"/>
           </p:nvPr>
         </p:nvSpPr>
         <p:spPr/>
@@ -1483,10 +1443,6 @@
             <a:pPr lvl="0">
               <a:defRPr/>
             </a:pPr>
-            <a:r>
-              <a:rPr lang="ko-KR" altLang="en-US"/>
-              <a:t/>
-            </a:r>
             <a:endParaRPr lang="ko-KR" altLang="en-US"/>
           </a:p>
         </p:txBody>
@@ -1529,7 +1485,7 @@
 </file>
 
 <file path=ppt/notesSlides/notesSlide7.xml><?xml version="1.0" encoding="utf-8"?>
-<p:notes xmlns:r="http://schemas.openxmlformats.org/officeDocument/2006/relationships" xmlns:c="http://schemas.openxmlformats.org/drawingml/2006/chart" xmlns:a="http://schemas.openxmlformats.org/drawingml/2006/main" xmlns:dgm="http://schemas.openxmlformats.org/drawingml/2006/diagram" xmlns:dsp="http://schemas.microsoft.com/office/drawing/2008/diagram" xmlns:p="http://schemas.openxmlformats.org/presentationml/2006/main">
+<p:notes xmlns:a="http://schemas.openxmlformats.org/drawingml/2006/main" xmlns:r="http://schemas.openxmlformats.org/officeDocument/2006/relationships" xmlns:p="http://schemas.openxmlformats.org/presentationml/2006/main">
   <p:cSld>
     <p:spTree>
       <p:nvGrpSpPr>
@@ -1552,7 +1508,7 @@
             <a:spLocks noGrp="1" noRot="1" noChangeAspect="1" noTextEdit="1"/>
           </p:cNvSpPr>
           <p:nvPr>
-            <p:ph type="sldImg" idx="0"/>
+            <p:ph type="sldImg"/>
           </p:nvPr>
         </p:nvSpPr>
         <p:spPr/>
@@ -1575,10 +1531,6 @@
             <a:pPr lvl="0">
               <a:defRPr/>
             </a:pPr>
-            <a:r>
-              <a:rPr lang="ko-KR" altLang="en-US"/>
-              <a:t/>
-            </a:r>
             <a:endParaRPr lang="ko-KR" altLang="en-US"/>
           </a:p>
         </p:txBody>
@@ -1621,7 +1573,7 @@
 </file>
 
 <file path=ppt/notesSlides/notesSlide8.xml><?xml version="1.0" encoding="utf-8"?>
-<p:notes xmlns:r="http://schemas.openxmlformats.org/officeDocument/2006/relationships" xmlns:c="http://schemas.openxmlformats.org/drawingml/2006/chart" xmlns:a="http://schemas.openxmlformats.org/drawingml/2006/main" xmlns:dgm="http://schemas.openxmlformats.org/drawingml/2006/diagram" xmlns:dsp="http://schemas.microsoft.com/office/drawing/2008/diagram" xmlns:p="http://schemas.openxmlformats.org/presentationml/2006/main">
+<p:notes xmlns:a="http://schemas.openxmlformats.org/drawingml/2006/main" xmlns:r="http://schemas.openxmlformats.org/officeDocument/2006/relationships" xmlns:p="http://schemas.openxmlformats.org/presentationml/2006/main">
   <p:cSld>
     <p:spTree>
       <p:nvGrpSpPr>
@@ -1644,7 +1596,7 @@
             <a:spLocks noGrp="1" noRot="1" noChangeAspect="1" noTextEdit="1"/>
           </p:cNvSpPr>
           <p:nvPr>
-            <p:ph type="sldImg" idx="0"/>
+            <p:ph type="sldImg"/>
           </p:nvPr>
         </p:nvSpPr>
         <p:spPr/>
@@ -1667,10 +1619,6 @@
             <a:pPr lvl="0">
               <a:defRPr/>
             </a:pPr>
-            <a:r>
-              <a:rPr lang="ko-KR" altLang="en-US"/>
-              <a:t/>
-            </a:r>
             <a:endParaRPr lang="ko-KR" altLang="en-US"/>
           </a:p>
         </p:txBody>
@@ -1713,7 +1661,7 @@
 </file>
 
 <file path=ppt/notesSlides/notesSlide9.xml><?xml version="1.0" encoding="utf-8"?>
-<p:notes xmlns:r="http://schemas.openxmlformats.org/officeDocument/2006/relationships" xmlns:c="http://schemas.openxmlformats.org/drawingml/2006/chart" xmlns:a="http://schemas.openxmlformats.org/drawingml/2006/main" xmlns:dgm="http://schemas.openxmlformats.org/drawingml/2006/diagram" xmlns:dsp="http://schemas.microsoft.com/office/drawing/2008/diagram" xmlns:p="http://schemas.openxmlformats.org/presentationml/2006/main">
+<p:notes xmlns:a="http://schemas.openxmlformats.org/drawingml/2006/main" xmlns:r="http://schemas.openxmlformats.org/officeDocument/2006/relationships" xmlns:p="http://schemas.openxmlformats.org/presentationml/2006/main">
   <p:cSld>
     <p:spTree>
       <p:nvGrpSpPr>
@@ -1736,7 +1684,7 @@
             <a:spLocks noGrp="1" noRot="1" noChangeAspect="1" noTextEdit="1"/>
           </p:cNvSpPr>
           <p:nvPr>
-            <p:ph type="sldImg" idx="0"/>
+            <p:ph type="sldImg"/>
           </p:nvPr>
         </p:nvSpPr>
         <p:spPr/>
@@ -1759,10 +1707,6 @@
             <a:pPr lvl="0">
               <a:defRPr/>
             </a:pPr>
-            <a:r>
-              <a:rPr lang="ko-KR" altLang="en-US"/>
-              <a:t/>
-            </a:r>
             <a:endParaRPr lang="ko-KR" altLang="en-US"/>
           </a:p>
         </p:txBody>
@@ -10302,7 +10246,7 @@
 </file>
 
 <file path=ppt/slides/slide12.xml><?xml version="1.0" encoding="utf-8"?>
-<p:sld xmlns:r="http://schemas.openxmlformats.org/officeDocument/2006/relationships" xmlns:c="http://schemas.openxmlformats.org/drawingml/2006/chart" xmlns:a="http://schemas.openxmlformats.org/drawingml/2006/main" xmlns:dgm="http://schemas.openxmlformats.org/drawingml/2006/diagram" xmlns:dsp="http://schemas.microsoft.com/office/drawing/2008/diagram" xmlns:p="http://schemas.openxmlformats.org/presentationml/2006/main">
+<p:sld xmlns:a="http://schemas.openxmlformats.org/drawingml/2006/main" xmlns:r="http://schemas.openxmlformats.org/officeDocument/2006/relationships" xmlns:p="http://schemas.openxmlformats.org/presentationml/2006/main">
   <p:cSld>
     <p:spTree>
       <p:nvGrpSpPr>
@@ -10325,7 +10269,7 @@
             <a:spLocks noGrp="1"/>
           </p:cNvSpPr>
           <p:nvPr>
-            <p:ph type="title" idx="0"/>
+            <p:ph type="title"/>
           </p:nvPr>
         </p:nvSpPr>
         <p:spPr>
@@ -10345,7 +10289,6 @@
               <a:rPr lang="ko-KR" altLang="en-US"/>
               <a:t>프로젝트 후기</a:t>
             </a:r>
-            <a:endParaRPr lang="ko-KR" altLang="en-US"/>
           </a:p>
         </p:txBody>
       </p:sp>
@@ -10595,11 +10538,6 @@
               </a:rPr>
               <a:t>원종현</a:t>
             </a:r>
-            <a:endParaRPr lang="ko-KR" altLang="en-US" b="1">
-              <a:latin typeface="함초롬돋움"/>
-              <a:ea typeface="함초롬돋움"/>
-              <a:cs typeface="함초롬돋움"/>
-            </a:endParaRPr>
           </a:p>
         </p:txBody>
       </p:sp>
@@ -10730,86 +10668,76 @@
               </a:rPr>
               <a:t>박지선</a:t>
             </a:r>
+          </a:p>
+          <a:p>
+            <a:pPr algn="ctr">
+              <a:defRPr/>
+            </a:pPr>
+            <a:r>
+              <a:rPr lang="en-US" altLang="ko-KR" b="1">
+                <a:latin typeface="함초롬돋움"/>
+                <a:ea typeface="함초롬돋움"/>
+                <a:cs typeface="함초롬돋움"/>
+              </a:rPr>
+              <a:t>(</a:t>
+            </a:r>
+            <a:r>
+              <a:rPr lang="ko-KR" altLang="en-US" b="1">
+                <a:latin typeface="함초롬돋움"/>
+                <a:ea typeface="함초롬돋움"/>
+                <a:cs typeface="함초롬돋움"/>
+              </a:rPr>
+              <a:t>부팀장</a:t>
+            </a:r>
+            <a:r>
+              <a:rPr lang="en-US" altLang="ko-KR" b="1">
+                <a:latin typeface="함초롬돋움"/>
+                <a:ea typeface="함초롬돋움"/>
+                <a:cs typeface="함초롬돋움"/>
+              </a:rPr>
+              <a:t>)</a:t>
+            </a:r>
             <a:endParaRPr lang="ko-KR" altLang="en-US" b="1">
               <a:latin typeface="함초롬돋움"/>
               <a:ea typeface="함초롬돋움"/>
               <a:cs typeface="함초롬돋움"/>
             </a:endParaRPr>
           </a:p>
-          <a:p>
-            <a:pPr algn="ctr">
+        </p:txBody>
+      </p:sp>
+      <p:sp>
+        <p:nvSpPr>
+          <p:cNvPr id="42" name="TextBox 41"/>
+          <p:cNvSpPr txBox="1"/>
+          <p:nvPr/>
+        </p:nvSpPr>
+        <p:spPr>
+          <a:xfrm>
+            <a:off x="883762" y="3118739"/>
+            <a:ext cx="880844" cy="646331"/>
+          </a:xfrm>
+          <a:prstGeom prst="rect">
+            <a:avLst/>
+          </a:prstGeom>
+          <a:noFill/>
+        </p:spPr>
+        <p:txBody>
+          <a:bodyPr wrap="square">
+            <a:spAutoFit/>
+          </a:bodyPr>
+          <a:lstStyle/>
+          <a:p>
+            <a:pPr lvl="0">
               <a:defRPr/>
             </a:pPr>
-            <a:r>
-              <a:rPr lang="en-US" altLang="ko-KR" b="1">
-                <a:latin typeface="함초롬돋움"/>
-                <a:ea typeface="함초롬돋움"/>
-                <a:cs typeface="함초롬돋움"/>
-              </a:rPr>
-              <a:t>(</a:t>
-            </a:r>
             <a:r>
               <a:rPr lang="ko-KR" altLang="en-US" b="1">
                 <a:latin typeface="함초롬돋움"/>
                 <a:ea typeface="함초롬돋움"/>
                 <a:cs typeface="함초롬돋움"/>
               </a:rPr>
-              <a:t>부팀장</a:t>
-            </a:r>
-            <a:r>
-              <a:rPr lang="en-US" altLang="ko-KR" b="1">
-                <a:latin typeface="함초롬돋움"/>
-                <a:ea typeface="함초롬돋움"/>
-                <a:cs typeface="함초롬돋움"/>
-              </a:rPr>
-              <a:t>)</a:t>
-            </a:r>
-            <a:endParaRPr lang="ko-KR" altLang="en-US" b="1">
-              <a:latin typeface="함초롬돋움"/>
-              <a:ea typeface="함초롬돋움"/>
-              <a:cs typeface="함초롬돋움"/>
-            </a:endParaRPr>
-          </a:p>
-        </p:txBody>
-      </p:sp>
-      <p:sp>
-        <p:nvSpPr>
-          <p:cNvPr id="42" name="TextBox 41"/>
-          <p:cNvSpPr txBox="1"/>
-          <p:nvPr/>
-        </p:nvSpPr>
-        <p:spPr>
-          <a:xfrm>
-            <a:off x="883762" y="3118739"/>
-            <a:ext cx="880844" cy="646331"/>
-          </a:xfrm>
-          <a:prstGeom prst="rect">
-            <a:avLst/>
-          </a:prstGeom>
-          <a:noFill/>
-        </p:spPr>
-        <p:txBody>
-          <a:bodyPr wrap="square">
-            <a:spAutoFit/>
-          </a:bodyPr>
-          <a:lstStyle/>
-          <a:p>
-            <a:pPr lvl="0">
-              <a:defRPr/>
-            </a:pPr>
-            <a:r>
-              <a:rPr lang="ko-KR" altLang="en-US" b="1">
-                <a:latin typeface="함초롬돋움"/>
-                <a:ea typeface="함초롬돋움"/>
-                <a:cs typeface="함초롬돋움"/>
-              </a:rPr>
               <a:t>정윤정</a:t>
             </a:r>
-            <a:endParaRPr lang="ko-KR" altLang="en-US" b="1">
-              <a:latin typeface="함초롬돋움"/>
-              <a:ea typeface="함초롬돋움"/>
-              <a:cs typeface="함초롬돋움"/>
-            </a:endParaRPr>
           </a:p>
           <a:p>
             <a:pPr lvl="0">
@@ -10927,11 +10855,6 @@
               </a:rPr>
               <a:t>최재우</a:t>
             </a:r>
-            <a:endParaRPr lang="ko-KR" altLang="en-US" b="1">
-              <a:latin typeface="함초롬돋움"/>
-              <a:ea typeface="함초롬돋움"/>
-              <a:cs typeface="함초롬돋움"/>
-            </a:endParaRPr>
           </a:p>
         </p:txBody>
       </p:sp>
@@ -10980,18 +10903,6 @@
               </a:rPr>
               <a:t>-</a:t>
             </a:r>
-            <a:endParaRPr lang="en-US" altLang="ko-KR" sz="1200">
-              <a:ln w="9525">
-                <a:solidFill>
-                  <a:schemeClr val="tx1">
-                    <a:alpha val="30000"/>
-                  </a:schemeClr>
-                </a:solidFill>
-              </a:ln>
-              <a:latin typeface="함초롬돋움"/>
-              <a:ea typeface="함초롬돋움"/>
-              <a:cs typeface="함초롬돋움"/>
-            </a:endParaRPr>
           </a:p>
           <a:p>
             <a:pPr lvl="0">
@@ -11050,18 +10961,6 @@
               </a:rPr>
               <a:t>-</a:t>
             </a:r>
-            <a:endParaRPr lang="en-US" altLang="ko-KR" sz="1200">
-              <a:ln w="9525">
-                <a:solidFill>
-                  <a:schemeClr val="tx1">
-                    <a:alpha val="30000"/>
-                  </a:schemeClr>
-                </a:solidFill>
-              </a:ln>
-              <a:latin typeface="함초롬돋움"/>
-              <a:ea typeface="함초롬돋움"/>
-              <a:cs typeface="함초롬돋움"/>
-            </a:endParaRPr>
           </a:p>
         </p:txBody>
       </p:sp>
@@ -11073,8 +10972,8 @@
         </p:nvSpPr>
         <p:spPr>
           <a:xfrm>
-            <a:off x="7063874" y="4019024"/>
-            <a:ext cx="2748666" cy="265321"/>
+            <a:off x="7043466" y="4161466"/>
+            <a:ext cx="2748666" cy="1754326"/>
           </a:xfrm>
           <a:prstGeom prst="rect">
             <a:avLst/>
@@ -11091,7 +10990,7 @@
               <a:defRPr/>
             </a:pPr>
             <a:r>
-              <a:rPr lang="en-US" altLang="ko-KR" sz="1200">
+              <a:rPr lang="ko-KR" altLang="en-US" sz="1200" dirty="0">
                 <a:ln w="9525">
                   <a:solidFill>
                     <a:schemeClr val="tx1">
@@ -11103,50 +11002,10 @@
                 <a:ea typeface="함초롬돋움"/>
                 <a:cs typeface="함초롬돋움"/>
               </a:rPr>
-              <a:t>-</a:t>
-            </a:r>
-            <a:endParaRPr lang="en-US" altLang="ko-KR" sz="1200">
-              <a:ln w="9525">
-                <a:solidFill>
-                  <a:schemeClr val="tx1">
-                    <a:alpha val="30000"/>
-                  </a:schemeClr>
-                </a:solidFill>
-              </a:ln>
-              <a:latin typeface="함초롬돋움"/>
-              <a:ea typeface="함초롬돋움"/>
-              <a:cs typeface="함초롬돋움"/>
-            </a:endParaRPr>
-          </a:p>
-        </p:txBody>
-      </p:sp>
-      <p:sp>
-        <p:nvSpPr>
-          <p:cNvPr id="52" name="TextBox 51"/>
-          <p:cNvSpPr txBox="1"/>
-          <p:nvPr/>
-        </p:nvSpPr>
-        <p:spPr>
-          <a:xfrm>
-            <a:off x="2142823" y="4329940"/>
-            <a:ext cx="2748665" cy="1554605"/>
-          </a:xfrm>
-          <a:prstGeom prst="rect">
-            <a:avLst/>
-          </a:prstGeom>
-          <a:noFill/>
-        </p:spPr>
-        <p:txBody>
-          <a:bodyPr wrap="square">
-            <a:spAutoFit/>
-          </a:bodyPr>
-          <a:lstStyle/>
-          <a:p>
-            <a:pPr lvl="0">
-              <a:defRPr/>
-            </a:pPr>
-            <a:r>
-              <a:rPr lang="en-US" altLang="ko-KR" sz="1200">
+              <a:t>최종프로젝트를 진행하면서 많은 것을 느꼈습니다</a:t>
+            </a:r>
+            <a:r>
+              <a:rPr lang="en-US" altLang="ko-KR" sz="1200" dirty="0">
                 <a:ln w="9525">
                   <a:solidFill>
                     <a:schemeClr val="tx1">
@@ -11154,37 +11013,14 @@
                     </a:schemeClr>
                   </a:solidFill>
                 </a:ln>
-                <a:solidFill>
-                  <a:srgbClr val="000000"/>
-                </a:solidFill>
                 <a:latin typeface="함초롬돋움"/>
-                <a:ea typeface="맑은 고딕"/>
+                <a:ea typeface="함초롬돋움"/>
                 <a:cs typeface="함초롬돋움"/>
               </a:rPr>
-              <a:t>개인이 아닌 팀으로 프로젝트를 진행하며 팀원들과의 의사소통이 중요하다는 것을 알게 되었습니다.</a:t>
-            </a:r>
-            <a:endParaRPr lang="en-US" altLang="ko-KR" sz="1200">
-              <a:ln w="9525">
-                <a:solidFill>
-                  <a:schemeClr val="tx1">
-                    <a:alpha val="30000"/>
-                  </a:schemeClr>
-                </a:solidFill>
-              </a:ln>
-              <a:solidFill>
-                <a:srgbClr val="000000"/>
-              </a:solidFill>
-              <a:latin typeface="함초롬돋움"/>
-              <a:ea typeface="맑은 고딕"/>
-              <a:cs typeface="함초롬돋움"/>
-            </a:endParaRPr>
-          </a:p>
-          <a:p>
-            <a:pPr lvl="0">
-              <a:defRPr/>
-            </a:pPr>
-            <a:r>
-              <a:rPr lang="en-US" altLang="ko-KR" sz="1200">
+              <a:t>. </a:t>
+            </a:r>
+            <a:r>
+              <a:rPr lang="ko-KR" altLang="en-US" sz="1200" dirty="0">
                 <a:ln w="9525">
                   <a:solidFill>
                     <a:schemeClr val="tx1">
@@ -11192,6 +11028,585 @@
                     </a:schemeClr>
                   </a:solidFill>
                 </a:ln>
+                <a:latin typeface="함초롬돋움"/>
+                <a:ea typeface="함초롬돋움"/>
+                <a:cs typeface="함초롬돋움"/>
+              </a:rPr>
+              <a:t>팀원들과 충분한 의사소통을 하고 있다고 느꼈지만 부족한 부분이 많았고 회의 같은 의사소통 수단은 필수적이라고 생각했습니다</a:t>
+            </a:r>
+            <a:r>
+              <a:rPr lang="en-US" altLang="ko-KR" sz="1200" dirty="0">
+                <a:ln w="9525">
+                  <a:solidFill>
+                    <a:schemeClr val="tx1">
+                      <a:alpha val="30000"/>
+                    </a:schemeClr>
+                  </a:solidFill>
+                </a:ln>
+                <a:latin typeface="함초롬돋움"/>
+                <a:ea typeface="함초롬돋움"/>
+                <a:cs typeface="함초롬돋움"/>
+              </a:rPr>
+              <a:t>. </a:t>
+            </a:r>
+            <a:r>
+              <a:rPr lang="ko-KR" altLang="en-US" sz="1200" dirty="0">
+                <a:ln w="9525">
+                  <a:solidFill>
+                    <a:schemeClr val="tx1">
+                      <a:alpha val="30000"/>
+                    </a:schemeClr>
+                  </a:solidFill>
+                </a:ln>
+                <a:latin typeface="함초롬돋움"/>
+                <a:ea typeface="함초롬돋움"/>
+                <a:cs typeface="함초롬돋움"/>
+              </a:rPr>
+              <a:t>또한 </a:t>
+            </a:r>
+            <a:r>
+              <a:rPr lang="en-US" altLang="ko-KR" sz="1200" dirty="0">
+                <a:ln w="9525">
+                  <a:solidFill>
+                    <a:schemeClr val="tx1">
+                      <a:alpha val="30000"/>
+                    </a:schemeClr>
+                  </a:solidFill>
+                </a:ln>
+                <a:latin typeface="함초롬돋움"/>
+                <a:ea typeface="함초롬돋움"/>
+                <a:cs typeface="함초롬돋움"/>
+              </a:rPr>
+              <a:t>Spring</a:t>
+            </a:r>
+            <a:r>
+              <a:rPr lang="ko-KR" altLang="en-US" sz="1200" dirty="0">
+                <a:ln w="9525">
+                  <a:solidFill>
+                    <a:schemeClr val="tx1">
+                      <a:alpha val="30000"/>
+                    </a:schemeClr>
+                  </a:solidFill>
+                </a:ln>
+                <a:latin typeface="함초롬돋움"/>
+                <a:ea typeface="함초롬돋움"/>
+                <a:cs typeface="함초롬돋움"/>
+              </a:rPr>
+              <a:t>으로 구축하고 로직을 설계하면서 </a:t>
+            </a:r>
+            <a:r>
+              <a:rPr lang="en-US" altLang="ko-KR" sz="1200" dirty="0">
+                <a:ln w="9525">
+                  <a:solidFill>
+                    <a:schemeClr val="tx1">
+                      <a:alpha val="30000"/>
+                    </a:schemeClr>
+                  </a:solidFill>
+                </a:ln>
+                <a:latin typeface="함초롬돋움"/>
+                <a:ea typeface="함초롬돋움"/>
+                <a:cs typeface="함초롬돋움"/>
+              </a:rPr>
+              <a:t>DB </a:t>
+            </a:r>
+            <a:r>
+              <a:rPr lang="ko-KR" altLang="en-US" sz="1200" dirty="0">
+                <a:ln w="9525">
+                  <a:solidFill>
+                    <a:schemeClr val="tx1">
+                      <a:alpha val="30000"/>
+                    </a:schemeClr>
+                  </a:solidFill>
+                </a:ln>
+                <a:latin typeface="함초롬돋움"/>
+                <a:ea typeface="함초롬돋움"/>
+                <a:cs typeface="함초롬돋움"/>
+              </a:rPr>
+              <a:t>쿼리를 잘 짤수록 로직이 간단해지면서 </a:t>
+            </a:r>
+            <a:r>
+              <a:rPr lang="en-US" altLang="ko-KR" sz="1200" dirty="0">
+                <a:ln w="9525">
+                  <a:solidFill>
+                    <a:schemeClr val="tx1">
+                      <a:alpha val="30000"/>
+                    </a:schemeClr>
+                  </a:solidFill>
+                </a:ln>
+                <a:latin typeface="함초롬돋움"/>
+                <a:ea typeface="함초롬돋움"/>
+                <a:cs typeface="함초롬돋움"/>
+              </a:rPr>
+              <a:t>DB</a:t>
+            </a:r>
+            <a:r>
+              <a:rPr lang="ko-KR" altLang="en-US" sz="1200" dirty="0">
+                <a:ln w="9525">
+                  <a:solidFill>
+                    <a:schemeClr val="tx1">
+                      <a:alpha val="30000"/>
+                    </a:schemeClr>
+                  </a:solidFill>
+                </a:ln>
+                <a:latin typeface="함초롬돋움"/>
+                <a:ea typeface="함초롬돋움"/>
+                <a:cs typeface="함초롬돋움"/>
+              </a:rPr>
+              <a:t>쿼리의 중요성을 알게 되었습니다</a:t>
+            </a:r>
+            <a:r>
+              <a:rPr lang="en-US" altLang="ko-KR" sz="1200" dirty="0">
+                <a:ln w="9525">
+                  <a:solidFill>
+                    <a:schemeClr val="tx1">
+                      <a:alpha val="30000"/>
+                    </a:schemeClr>
+                  </a:solidFill>
+                </a:ln>
+                <a:latin typeface="함초롬돋움"/>
+                <a:ea typeface="함초롬돋움"/>
+                <a:cs typeface="함초롬돋움"/>
+              </a:rPr>
+              <a:t>.</a:t>
+            </a:r>
+          </a:p>
+        </p:txBody>
+      </p:sp>
+      <p:sp>
+        <p:nvSpPr>
+          <p:cNvPr id="52" name="TextBox 51"/>
+          <p:cNvSpPr txBox="1"/>
+          <p:nvPr/>
+        </p:nvSpPr>
+        <p:spPr>
+          <a:xfrm>
+            <a:off x="2145002" y="4306689"/>
+            <a:ext cx="2748665" cy="1554605"/>
+          </a:xfrm>
+          <a:prstGeom prst="rect">
+            <a:avLst/>
+          </a:prstGeom>
+          <a:noFill/>
+        </p:spPr>
+        <p:txBody>
+          <a:bodyPr wrap="square">
+            <a:spAutoFit/>
+          </a:bodyPr>
+          <a:lstStyle/>
+          <a:p>
+            <a:pPr lvl="0">
+              <a:defRPr/>
+            </a:pPr>
+            <a:r>
+              <a:rPr lang="en-US" altLang="ko-KR" sz="1200" dirty="0" err="1">
+                <a:ln w="9525">
+                  <a:solidFill>
+                    <a:schemeClr val="tx1">
+                      <a:alpha val="30000"/>
+                    </a:schemeClr>
+                  </a:solidFill>
+                </a:ln>
+                <a:solidFill>
+                  <a:srgbClr val="000000"/>
+                </a:solidFill>
+                <a:latin typeface="함초롬돋움"/>
+                <a:ea typeface="맑은 고딕"/>
+                <a:cs typeface="함초롬돋움"/>
+              </a:rPr>
+              <a:t>개인이</a:t>
+            </a:r>
+            <a:r>
+              <a:rPr lang="en-US" altLang="ko-KR" sz="1200" dirty="0">
+                <a:ln w="9525">
+                  <a:solidFill>
+                    <a:schemeClr val="tx1">
+                      <a:alpha val="30000"/>
+                    </a:schemeClr>
+                  </a:solidFill>
+                </a:ln>
+                <a:solidFill>
+                  <a:srgbClr val="000000"/>
+                </a:solidFill>
+                <a:latin typeface="함초롬돋움"/>
+                <a:ea typeface="맑은 고딕"/>
+                <a:cs typeface="함초롬돋움"/>
+              </a:rPr>
+              <a:t> </a:t>
+            </a:r>
+            <a:r>
+              <a:rPr lang="en-US" altLang="ko-KR" sz="1200" dirty="0" err="1">
+                <a:ln w="9525">
+                  <a:solidFill>
+                    <a:schemeClr val="tx1">
+                      <a:alpha val="30000"/>
+                    </a:schemeClr>
+                  </a:solidFill>
+                </a:ln>
+                <a:solidFill>
+                  <a:srgbClr val="000000"/>
+                </a:solidFill>
+                <a:latin typeface="함초롬돋움"/>
+                <a:ea typeface="맑은 고딕"/>
+                <a:cs typeface="함초롬돋움"/>
+              </a:rPr>
+              <a:t>아닌</a:t>
+            </a:r>
+            <a:r>
+              <a:rPr lang="en-US" altLang="ko-KR" sz="1200" dirty="0">
+                <a:ln w="9525">
+                  <a:solidFill>
+                    <a:schemeClr val="tx1">
+                      <a:alpha val="30000"/>
+                    </a:schemeClr>
+                  </a:solidFill>
+                </a:ln>
+                <a:solidFill>
+                  <a:srgbClr val="000000"/>
+                </a:solidFill>
+                <a:latin typeface="함초롬돋움"/>
+                <a:ea typeface="맑은 고딕"/>
+                <a:cs typeface="함초롬돋움"/>
+              </a:rPr>
+              <a:t> </a:t>
+            </a:r>
+            <a:r>
+              <a:rPr lang="en-US" altLang="ko-KR" sz="1200" dirty="0" err="1">
+                <a:ln w="9525">
+                  <a:solidFill>
+                    <a:schemeClr val="tx1">
+                      <a:alpha val="30000"/>
+                    </a:schemeClr>
+                  </a:solidFill>
+                </a:ln>
+                <a:solidFill>
+                  <a:srgbClr val="000000"/>
+                </a:solidFill>
+                <a:latin typeface="함초롬돋움"/>
+                <a:ea typeface="맑은 고딕"/>
+                <a:cs typeface="함초롬돋움"/>
+              </a:rPr>
+              <a:t>팀으로</a:t>
+            </a:r>
+            <a:r>
+              <a:rPr lang="en-US" altLang="ko-KR" sz="1200" dirty="0">
+                <a:ln w="9525">
+                  <a:solidFill>
+                    <a:schemeClr val="tx1">
+                      <a:alpha val="30000"/>
+                    </a:schemeClr>
+                  </a:solidFill>
+                </a:ln>
+                <a:solidFill>
+                  <a:srgbClr val="000000"/>
+                </a:solidFill>
+                <a:latin typeface="함초롬돋움"/>
+                <a:ea typeface="맑은 고딕"/>
+                <a:cs typeface="함초롬돋움"/>
+              </a:rPr>
+              <a:t> </a:t>
+            </a:r>
+            <a:r>
+              <a:rPr lang="en-US" altLang="ko-KR" sz="1200" dirty="0" err="1">
+                <a:ln w="9525">
+                  <a:solidFill>
+                    <a:schemeClr val="tx1">
+                      <a:alpha val="30000"/>
+                    </a:schemeClr>
+                  </a:solidFill>
+                </a:ln>
+                <a:solidFill>
+                  <a:srgbClr val="000000"/>
+                </a:solidFill>
+                <a:latin typeface="함초롬돋움"/>
+                <a:ea typeface="맑은 고딕"/>
+                <a:cs typeface="함초롬돋움"/>
+              </a:rPr>
+              <a:t>프로젝트를</a:t>
+            </a:r>
+            <a:r>
+              <a:rPr lang="en-US" altLang="ko-KR" sz="1200" dirty="0">
+                <a:ln w="9525">
+                  <a:solidFill>
+                    <a:schemeClr val="tx1">
+                      <a:alpha val="30000"/>
+                    </a:schemeClr>
+                  </a:solidFill>
+                </a:ln>
+                <a:solidFill>
+                  <a:srgbClr val="000000"/>
+                </a:solidFill>
+                <a:latin typeface="함초롬돋움"/>
+                <a:ea typeface="맑은 고딕"/>
+                <a:cs typeface="함초롬돋움"/>
+              </a:rPr>
+              <a:t> </a:t>
+            </a:r>
+            <a:r>
+              <a:rPr lang="en-US" altLang="ko-KR" sz="1200" dirty="0" err="1">
+                <a:ln w="9525">
+                  <a:solidFill>
+                    <a:schemeClr val="tx1">
+                      <a:alpha val="30000"/>
+                    </a:schemeClr>
+                  </a:solidFill>
+                </a:ln>
+                <a:solidFill>
+                  <a:srgbClr val="000000"/>
+                </a:solidFill>
+                <a:latin typeface="함초롬돋움"/>
+                <a:ea typeface="맑은 고딕"/>
+                <a:cs typeface="함초롬돋움"/>
+              </a:rPr>
+              <a:t>진행하며</a:t>
+            </a:r>
+            <a:r>
+              <a:rPr lang="en-US" altLang="ko-KR" sz="1200" dirty="0">
+                <a:ln w="9525">
+                  <a:solidFill>
+                    <a:schemeClr val="tx1">
+                      <a:alpha val="30000"/>
+                    </a:schemeClr>
+                  </a:solidFill>
+                </a:ln>
+                <a:solidFill>
+                  <a:srgbClr val="000000"/>
+                </a:solidFill>
+                <a:latin typeface="함초롬돋움"/>
+                <a:ea typeface="맑은 고딕"/>
+                <a:cs typeface="함초롬돋움"/>
+              </a:rPr>
+              <a:t> </a:t>
+            </a:r>
+            <a:r>
+              <a:rPr lang="en-US" altLang="ko-KR" sz="1200" dirty="0" err="1">
+                <a:ln w="9525">
+                  <a:solidFill>
+                    <a:schemeClr val="tx1">
+                      <a:alpha val="30000"/>
+                    </a:schemeClr>
+                  </a:solidFill>
+                </a:ln>
+                <a:solidFill>
+                  <a:srgbClr val="000000"/>
+                </a:solidFill>
+                <a:latin typeface="함초롬돋움"/>
+                <a:ea typeface="맑은 고딕"/>
+                <a:cs typeface="함초롬돋움"/>
+              </a:rPr>
+              <a:t>팀원들과의</a:t>
+            </a:r>
+            <a:r>
+              <a:rPr lang="en-US" altLang="ko-KR" sz="1200" dirty="0">
+                <a:ln w="9525">
+                  <a:solidFill>
+                    <a:schemeClr val="tx1">
+                      <a:alpha val="30000"/>
+                    </a:schemeClr>
+                  </a:solidFill>
+                </a:ln>
+                <a:solidFill>
+                  <a:srgbClr val="000000"/>
+                </a:solidFill>
+                <a:latin typeface="함초롬돋움"/>
+                <a:ea typeface="맑은 고딕"/>
+                <a:cs typeface="함초롬돋움"/>
+              </a:rPr>
+              <a:t> </a:t>
+            </a:r>
+            <a:r>
+              <a:rPr lang="en-US" altLang="ko-KR" sz="1200" dirty="0" err="1">
+                <a:ln w="9525">
+                  <a:solidFill>
+                    <a:schemeClr val="tx1">
+                      <a:alpha val="30000"/>
+                    </a:schemeClr>
+                  </a:solidFill>
+                </a:ln>
+                <a:solidFill>
+                  <a:srgbClr val="000000"/>
+                </a:solidFill>
+                <a:latin typeface="함초롬돋움"/>
+                <a:ea typeface="맑은 고딕"/>
+                <a:cs typeface="함초롬돋움"/>
+              </a:rPr>
+              <a:t>의사소통이</a:t>
+            </a:r>
+            <a:r>
+              <a:rPr lang="en-US" altLang="ko-KR" sz="1200" dirty="0">
+                <a:ln w="9525">
+                  <a:solidFill>
+                    <a:schemeClr val="tx1">
+                      <a:alpha val="30000"/>
+                    </a:schemeClr>
+                  </a:solidFill>
+                </a:ln>
+                <a:solidFill>
+                  <a:srgbClr val="000000"/>
+                </a:solidFill>
+                <a:latin typeface="함초롬돋움"/>
+                <a:ea typeface="맑은 고딕"/>
+                <a:cs typeface="함초롬돋움"/>
+              </a:rPr>
+              <a:t> </a:t>
+            </a:r>
+            <a:r>
+              <a:rPr lang="en-US" altLang="ko-KR" sz="1200" dirty="0" err="1">
+                <a:ln w="9525">
+                  <a:solidFill>
+                    <a:schemeClr val="tx1">
+                      <a:alpha val="30000"/>
+                    </a:schemeClr>
+                  </a:solidFill>
+                </a:ln>
+                <a:solidFill>
+                  <a:srgbClr val="000000"/>
+                </a:solidFill>
+                <a:latin typeface="함초롬돋움"/>
+                <a:ea typeface="맑은 고딕"/>
+                <a:cs typeface="함초롬돋움"/>
+              </a:rPr>
+              <a:t>중요하다는</a:t>
+            </a:r>
+            <a:r>
+              <a:rPr lang="en-US" altLang="ko-KR" sz="1200" dirty="0">
+                <a:ln w="9525">
+                  <a:solidFill>
+                    <a:schemeClr val="tx1">
+                      <a:alpha val="30000"/>
+                    </a:schemeClr>
+                  </a:solidFill>
+                </a:ln>
+                <a:solidFill>
+                  <a:srgbClr val="000000"/>
+                </a:solidFill>
+                <a:latin typeface="함초롬돋움"/>
+                <a:ea typeface="맑은 고딕"/>
+                <a:cs typeface="함초롬돋움"/>
+              </a:rPr>
+              <a:t> </a:t>
+            </a:r>
+            <a:r>
+              <a:rPr lang="en-US" altLang="ko-KR" sz="1200" dirty="0" err="1">
+                <a:ln w="9525">
+                  <a:solidFill>
+                    <a:schemeClr val="tx1">
+                      <a:alpha val="30000"/>
+                    </a:schemeClr>
+                  </a:solidFill>
+                </a:ln>
+                <a:solidFill>
+                  <a:srgbClr val="000000"/>
+                </a:solidFill>
+                <a:latin typeface="함초롬돋움"/>
+                <a:ea typeface="맑은 고딕"/>
+                <a:cs typeface="함초롬돋움"/>
+              </a:rPr>
+              <a:t>것을</a:t>
+            </a:r>
+            <a:r>
+              <a:rPr lang="en-US" altLang="ko-KR" sz="1200" dirty="0">
+                <a:ln w="9525">
+                  <a:solidFill>
+                    <a:schemeClr val="tx1">
+                      <a:alpha val="30000"/>
+                    </a:schemeClr>
+                  </a:solidFill>
+                </a:ln>
+                <a:solidFill>
+                  <a:srgbClr val="000000"/>
+                </a:solidFill>
+                <a:latin typeface="함초롬돋움"/>
+                <a:ea typeface="맑은 고딕"/>
+                <a:cs typeface="함초롬돋움"/>
+              </a:rPr>
+              <a:t> </a:t>
+            </a:r>
+            <a:r>
+              <a:rPr lang="en-US" altLang="ko-KR" sz="1200" dirty="0" err="1">
+                <a:ln w="9525">
+                  <a:solidFill>
+                    <a:schemeClr val="tx1">
+                      <a:alpha val="30000"/>
+                    </a:schemeClr>
+                  </a:solidFill>
+                </a:ln>
+                <a:solidFill>
+                  <a:srgbClr val="000000"/>
+                </a:solidFill>
+                <a:latin typeface="함초롬돋움"/>
+                <a:ea typeface="맑은 고딕"/>
+                <a:cs typeface="함초롬돋움"/>
+              </a:rPr>
+              <a:t>알게</a:t>
+            </a:r>
+            <a:r>
+              <a:rPr lang="en-US" altLang="ko-KR" sz="1200" dirty="0">
+                <a:ln w="9525">
+                  <a:solidFill>
+                    <a:schemeClr val="tx1">
+                      <a:alpha val="30000"/>
+                    </a:schemeClr>
+                  </a:solidFill>
+                </a:ln>
+                <a:solidFill>
+                  <a:srgbClr val="000000"/>
+                </a:solidFill>
+                <a:latin typeface="함초롬돋움"/>
+                <a:ea typeface="맑은 고딕"/>
+                <a:cs typeface="함초롬돋움"/>
+              </a:rPr>
+              <a:t> </a:t>
+            </a:r>
+            <a:r>
+              <a:rPr lang="en-US" altLang="ko-KR" sz="1200" dirty="0" err="1">
+                <a:ln w="9525">
+                  <a:solidFill>
+                    <a:schemeClr val="tx1">
+                      <a:alpha val="30000"/>
+                    </a:schemeClr>
+                  </a:solidFill>
+                </a:ln>
+                <a:solidFill>
+                  <a:srgbClr val="000000"/>
+                </a:solidFill>
+                <a:latin typeface="함초롬돋움"/>
+                <a:ea typeface="맑은 고딕"/>
+                <a:cs typeface="함초롬돋움"/>
+              </a:rPr>
+              <a:t>되었습니다</a:t>
+            </a:r>
+            <a:r>
+              <a:rPr lang="en-US" altLang="ko-KR" sz="1200" dirty="0">
+                <a:ln w="9525">
+                  <a:solidFill>
+                    <a:schemeClr val="tx1">
+                      <a:alpha val="30000"/>
+                    </a:schemeClr>
+                  </a:solidFill>
+                </a:ln>
+                <a:solidFill>
+                  <a:srgbClr val="000000"/>
+                </a:solidFill>
+                <a:latin typeface="함초롬돋움"/>
+                <a:ea typeface="맑은 고딕"/>
+                <a:cs typeface="함초롬돋움"/>
+              </a:rPr>
+              <a:t>.</a:t>
+            </a:r>
+          </a:p>
+          <a:p>
+            <a:pPr lvl="0">
+              <a:defRPr/>
+            </a:pPr>
+            <a:r>
+              <a:rPr lang="en-US" altLang="ko-KR" sz="1200" dirty="0" err="1">
+                <a:ln w="9525">
+                  <a:solidFill>
+                    <a:schemeClr val="tx1">
+                      <a:alpha val="30000"/>
+                    </a:schemeClr>
+                  </a:solidFill>
+                </a:ln>
                 <a:solidFill>
                   <a:srgbClr val="000000"/>
                 </a:solidFill>
@@ -11199,9 +11614,621 @@
                 <a:ea typeface="맑은 고딕"/>
                 <a:cs typeface="함초롬돋움"/>
               </a:rPr>
-              <a:t>또한, 설계에 가장 많은 시간을 할애했음에도 수정할 부분이 많아 아쉬웠으며 설계 못지않게 화면 구성도 중요하다는 것을 알게 되었습니다</a:t>
-            </a:r>
-            <a:endParaRPr lang="en-US" altLang="ko-KR" sz="1200">
+              <a:t>또한</a:t>
+            </a:r>
+            <a:r>
+              <a:rPr lang="en-US" altLang="ko-KR" sz="1200" dirty="0">
+                <a:ln w="9525">
+                  <a:solidFill>
+                    <a:schemeClr val="tx1">
+                      <a:alpha val="30000"/>
+                    </a:schemeClr>
+                  </a:solidFill>
+                </a:ln>
+                <a:solidFill>
+                  <a:srgbClr val="000000"/>
+                </a:solidFill>
+                <a:latin typeface="맑은 고딕"/>
+                <a:ea typeface="맑은 고딕"/>
+                <a:cs typeface="함초롬돋움"/>
+              </a:rPr>
+              <a:t>, </a:t>
+            </a:r>
+            <a:r>
+              <a:rPr lang="en-US" altLang="ko-KR" sz="1200" dirty="0" err="1">
+                <a:ln w="9525">
+                  <a:solidFill>
+                    <a:schemeClr val="tx1">
+                      <a:alpha val="30000"/>
+                    </a:schemeClr>
+                  </a:solidFill>
+                </a:ln>
+                <a:solidFill>
+                  <a:srgbClr val="000000"/>
+                </a:solidFill>
+                <a:latin typeface="맑은 고딕"/>
+                <a:ea typeface="맑은 고딕"/>
+                <a:cs typeface="함초롬돋움"/>
+              </a:rPr>
+              <a:t>설계에</a:t>
+            </a:r>
+            <a:r>
+              <a:rPr lang="en-US" altLang="ko-KR" sz="1200" dirty="0">
+                <a:ln w="9525">
+                  <a:solidFill>
+                    <a:schemeClr val="tx1">
+                      <a:alpha val="30000"/>
+                    </a:schemeClr>
+                  </a:solidFill>
+                </a:ln>
+                <a:solidFill>
+                  <a:srgbClr val="000000"/>
+                </a:solidFill>
+                <a:latin typeface="맑은 고딕"/>
+                <a:ea typeface="맑은 고딕"/>
+                <a:cs typeface="함초롬돋움"/>
+              </a:rPr>
+              <a:t> </a:t>
+            </a:r>
+            <a:r>
+              <a:rPr lang="en-US" altLang="ko-KR" sz="1200" dirty="0" err="1">
+                <a:ln w="9525">
+                  <a:solidFill>
+                    <a:schemeClr val="tx1">
+                      <a:alpha val="30000"/>
+                    </a:schemeClr>
+                  </a:solidFill>
+                </a:ln>
+                <a:solidFill>
+                  <a:srgbClr val="000000"/>
+                </a:solidFill>
+                <a:latin typeface="맑은 고딕"/>
+                <a:ea typeface="맑은 고딕"/>
+                <a:cs typeface="함초롬돋움"/>
+              </a:rPr>
+              <a:t>가장</a:t>
+            </a:r>
+            <a:r>
+              <a:rPr lang="en-US" altLang="ko-KR" sz="1200" dirty="0">
+                <a:ln w="9525">
+                  <a:solidFill>
+                    <a:schemeClr val="tx1">
+                      <a:alpha val="30000"/>
+                    </a:schemeClr>
+                  </a:solidFill>
+                </a:ln>
+                <a:solidFill>
+                  <a:srgbClr val="000000"/>
+                </a:solidFill>
+                <a:latin typeface="맑은 고딕"/>
+                <a:ea typeface="맑은 고딕"/>
+                <a:cs typeface="함초롬돋움"/>
+              </a:rPr>
+              <a:t> </a:t>
+            </a:r>
+            <a:r>
+              <a:rPr lang="en-US" altLang="ko-KR" sz="1200" dirty="0" err="1">
+                <a:ln w="9525">
+                  <a:solidFill>
+                    <a:schemeClr val="tx1">
+                      <a:alpha val="30000"/>
+                    </a:schemeClr>
+                  </a:solidFill>
+                </a:ln>
+                <a:solidFill>
+                  <a:srgbClr val="000000"/>
+                </a:solidFill>
+                <a:latin typeface="맑은 고딕"/>
+                <a:ea typeface="맑은 고딕"/>
+                <a:cs typeface="함초롬돋움"/>
+              </a:rPr>
+              <a:t>많은</a:t>
+            </a:r>
+            <a:r>
+              <a:rPr lang="en-US" altLang="ko-KR" sz="1200" dirty="0">
+                <a:ln w="9525">
+                  <a:solidFill>
+                    <a:schemeClr val="tx1">
+                      <a:alpha val="30000"/>
+                    </a:schemeClr>
+                  </a:solidFill>
+                </a:ln>
+                <a:solidFill>
+                  <a:srgbClr val="000000"/>
+                </a:solidFill>
+                <a:latin typeface="맑은 고딕"/>
+                <a:ea typeface="맑은 고딕"/>
+                <a:cs typeface="함초롬돋움"/>
+              </a:rPr>
+              <a:t> </a:t>
+            </a:r>
+            <a:r>
+              <a:rPr lang="en-US" altLang="ko-KR" sz="1200" dirty="0" err="1">
+                <a:ln w="9525">
+                  <a:solidFill>
+                    <a:schemeClr val="tx1">
+                      <a:alpha val="30000"/>
+                    </a:schemeClr>
+                  </a:solidFill>
+                </a:ln>
+                <a:solidFill>
+                  <a:srgbClr val="000000"/>
+                </a:solidFill>
+                <a:latin typeface="맑은 고딕"/>
+                <a:ea typeface="맑은 고딕"/>
+                <a:cs typeface="함초롬돋움"/>
+              </a:rPr>
+              <a:t>시간을</a:t>
+            </a:r>
+            <a:r>
+              <a:rPr lang="en-US" altLang="ko-KR" sz="1200" dirty="0">
+                <a:ln w="9525">
+                  <a:solidFill>
+                    <a:schemeClr val="tx1">
+                      <a:alpha val="30000"/>
+                    </a:schemeClr>
+                  </a:solidFill>
+                </a:ln>
+                <a:solidFill>
+                  <a:srgbClr val="000000"/>
+                </a:solidFill>
+                <a:latin typeface="맑은 고딕"/>
+                <a:ea typeface="맑은 고딕"/>
+                <a:cs typeface="함초롬돋움"/>
+              </a:rPr>
+              <a:t> </a:t>
+            </a:r>
+            <a:r>
+              <a:rPr lang="en-US" altLang="ko-KR" sz="1200" dirty="0" err="1">
+                <a:ln w="9525">
+                  <a:solidFill>
+                    <a:schemeClr val="tx1">
+                      <a:alpha val="30000"/>
+                    </a:schemeClr>
+                  </a:solidFill>
+                </a:ln>
+                <a:solidFill>
+                  <a:srgbClr val="000000"/>
+                </a:solidFill>
+                <a:latin typeface="맑은 고딕"/>
+                <a:ea typeface="맑은 고딕"/>
+                <a:cs typeface="함초롬돋움"/>
+              </a:rPr>
+              <a:t>할애했음에도</a:t>
+            </a:r>
+            <a:r>
+              <a:rPr lang="en-US" altLang="ko-KR" sz="1200" dirty="0">
+                <a:ln w="9525">
+                  <a:solidFill>
+                    <a:schemeClr val="tx1">
+                      <a:alpha val="30000"/>
+                    </a:schemeClr>
+                  </a:solidFill>
+                </a:ln>
+                <a:solidFill>
+                  <a:srgbClr val="000000"/>
+                </a:solidFill>
+                <a:latin typeface="맑은 고딕"/>
+                <a:ea typeface="맑은 고딕"/>
+                <a:cs typeface="함초롬돋움"/>
+              </a:rPr>
+              <a:t> </a:t>
+            </a:r>
+            <a:r>
+              <a:rPr lang="en-US" altLang="ko-KR" sz="1200" dirty="0" err="1">
+                <a:ln w="9525">
+                  <a:solidFill>
+                    <a:schemeClr val="tx1">
+                      <a:alpha val="30000"/>
+                    </a:schemeClr>
+                  </a:solidFill>
+                </a:ln>
+                <a:solidFill>
+                  <a:srgbClr val="000000"/>
+                </a:solidFill>
+                <a:latin typeface="맑은 고딕"/>
+                <a:ea typeface="맑은 고딕"/>
+                <a:cs typeface="함초롬돋움"/>
+              </a:rPr>
+              <a:t>수정할</a:t>
+            </a:r>
+            <a:r>
+              <a:rPr lang="en-US" altLang="ko-KR" sz="1200" dirty="0">
+                <a:ln w="9525">
+                  <a:solidFill>
+                    <a:schemeClr val="tx1">
+                      <a:alpha val="30000"/>
+                    </a:schemeClr>
+                  </a:solidFill>
+                </a:ln>
+                <a:solidFill>
+                  <a:srgbClr val="000000"/>
+                </a:solidFill>
+                <a:latin typeface="맑은 고딕"/>
+                <a:ea typeface="맑은 고딕"/>
+                <a:cs typeface="함초롬돋움"/>
+              </a:rPr>
+              <a:t> </a:t>
+            </a:r>
+            <a:r>
+              <a:rPr lang="en-US" altLang="ko-KR" sz="1200" dirty="0" err="1">
+                <a:ln w="9525">
+                  <a:solidFill>
+                    <a:schemeClr val="tx1">
+                      <a:alpha val="30000"/>
+                    </a:schemeClr>
+                  </a:solidFill>
+                </a:ln>
+                <a:solidFill>
+                  <a:srgbClr val="000000"/>
+                </a:solidFill>
+                <a:latin typeface="맑은 고딕"/>
+                <a:ea typeface="맑은 고딕"/>
+                <a:cs typeface="함초롬돋움"/>
+              </a:rPr>
+              <a:t>부분이</a:t>
+            </a:r>
+            <a:r>
+              <a:rPr lang="en-US" altLang="ko-KR" sz="1200" dirty="0">
+                <a:ln w="9525">
+                  <a:solidFill>
+                    <a:schemeClr val="tx1">
+                      <a:alpha val="30000"/>
+                    </a:schemeClr>
+                  </a:solidFill>
+                </a:ln>
+                <a:solidFill>
+                  <a:srgbClr val="000000"/>
+                </a:solidFill>
+                <a:latin typeface="맑은 고딕"/>
+                <a:ea typeface="맑은 고딕"/>
+                <a:cs typeface="함초롬돋움"/>
+              </a:rPr>
+              <a:t> </a:t>
+            </a:r>
+            <a:r>
+              <a:rPr lang="en-US" altLang="ko-KR" sz="1200" dirty="0" err="1">
+                <a:ln w="9525">
+                  <a:solidFill>
+                    <a:schemeClr val="tx1">
+                      <a:alpha val="30000"/>
+                    </a:schemeClr>
+                  </a:solidFill>
+                </a:ln>
+                <a:solidFill>
+                  <a:srgbClr val="000000"/>
+                </a:solidFill>
+                <a:latin typeface="맑은 고딕"/>
+                <a:ea typeface="맑은 고딕"/>
+                <a:cs typeface="함초롬돋움"/>
+              </a:rPr>
+              <a:t>많아</a:t>
+            </a:r>
+            <a:r>
+              <a:rPr lang="en-US" altLang="ko-KR" sz="1200" dirty="0">
+                <a:ln w="9525">
+                  <a:solidFill>
+                    <a:schemeClr val="tx1">
+                      <a:alpha val="30000"/>
+                    </a:schemeClr>
+                  </a:solidFill>
+                </a:ln>
+                <a:solidFill>
+                  <a:srgbClr val="000000"/>
+                </a:solidFill>
+                <a:latin typeface="맑은 고딕"/>
+                <a:ea typeface="맑은 고딕"/>
+                <a:cs typeface="함초롬돋움"/>
+              </a:rPr>
+              <a:t> </a:t>
+            </a:r>
+            <a:r>
+              <a:rPr lang="en-US" altLang="ko-KR" sz="1200" dirty="0" err="1">
+                <a:ln w="9525">
+                  <a:solidFill>
+                    <a:schemeClr val="tx1">
+                      <a:alpha val="30000"/>
+                    </a:schemeClr>
+                  </a:solidFill>
+                </a:ln>
+                <a:solidFill>
+                  <a:srgbClr val="000000"/>
+                </a:solidFill>
+                <a:latin typeface="맑은 고딕"/>
+                <a:ea typeface="맑은 고딕"/>
+                <a:cs typeface="함초롬돋움"/>
+              </a:rPr>
+              <a:t>아쉬웠으며</a:t>
+            </a:r>
+            <a:r>
+              <a:rPr lang="en-US" altLang="ko-KR" sz="1200" dirty="0">
+                <a:ln w="9525">
+                  <a:solidFill>
+                    <a:schemeClr val="tx1">
+                      <a:alpha val="30000"/>
+                    </a:schemeClr>
+                  </a:solidFill>
+                </a:ln>
+                <a:solidFill>
+                  <a:srgbClr val="000000"/>
+                </a:solidFill>
+                <a:latin typeface="맑은 고딕"/>
+                <a:ea typeface="맑은 고딕"/>
+                <a:cs typeface="함초롬돋움"/>
+              </a:rPr>
+              <a:t> </a:t>
+            </a:r>
+            <a:r>
+              <a:rPr lang="en-US" altLang="ko-KR" sz="1200" dirty="0" err="1">
+                <a:ln w="9525">
+                  <a:solidFill>
+                    <a:schemeClr val="tx1">
+                      <a:alpha val="30000"/>
+                    </a:schemeClr>
+                  </a:solidFill>
+                </a:ln>
+                <a:solidFill>
+                  <a:srgbClr val="000000"/>
+                </a:solidFill>
+                <a:latin typeface="맑은 고딕"/>
+                <a:ea typeface="맑은 고딕"/>
+                <a:cs typeface="함초롬돋움"/>
+              </a:rPr>
+              <a:t>설계</a:t>
+            </a:r>
+            <a:r>
+              <a:rPr lang="en-US" altLang="ko-KR" sz="1200" dirty="0">
+                <a:ln w="9525">
+                  <a:solidFill>
+                    <a:schemeClr val="tx1">
+                      <a:alpha val="30000"/>
+                    </a:schemeClr>
+                  </a:solidFill>
+                </a:ln>
+                <a:solidFill>
+                  <a:srgbClr val="000000"/>
+                </a:solidFill>
+                <a:latin typeface="맑은 고딕"/>
+                <a:ea typeface="맑은 고딕"/>
+                <a:cs typeface="함초롬돋움"/>
+              </a:rPr>
+              <a:t> </a:t>
+            </a:r>
+            <a:r>
+              <a:rPr lang="en-US" altLang="ko-KR" sz="1200" dirty="0" err="1">
+                <a:ln w="9525">
+                  <a:solidFill>
+                    <a:schemeClr val="tx1">
+                      <a:alpha val="30000"/>
+                    </a:schemeClr>
+                  </a:solidFill>
+                </a:ln>
+                <a:solidFill>
+                  <a:srgbClr val="000000"/>
+                </a:solidFill>
+                <a:latin typeface="맑은 고딕"/>
+                <a:ea typeface="맑은 고딕"/>
+                <a:cs typeface="함초롬돋움"/>
+              </a:rPr>
+              <a:t>못지않게</a:t>
+            </a:r>
+            <a:r>
+              <a:rPr lang="en-US" altLang="ko-KR" sz="1200" dirty="0">
+                <a:ln w="9525">
+                  <a:solidFill>
+                    <a:schemeClr val="tx1">
+                      <a:alpha val="30000"/>
+                    </a:schemeClr>
+                  </a:solidFill>
+                </a:ln>
+                <a:solidFill>
+                  <a:srgbClr val="000000"/>
+                </a:solidFill>
+                <a:latin typeface="맑은 고딕"/>
+                <a:ea typeface="맑은 고딕"/>
+                <a:cs typeface="함초롬돋움"/>
+              </a:rPr>
+              <a:t> </a:t>
+            </a:r>
+            <a:r>
+              <a:rPr lang="en-US" altLang="ko-KR" sz="1200" dirty="0" err="1">
+                <a:ln w="9525">
+                  <a:solidFill>
+                    <a:schemeClr val="tx1">
+                      <a:alpha val="30000"/>
+                    </a:schemeClr>
+                  </a:solidFill>
+                </a:ln>
+                <a:solidFill>
+                  <a:srgbClr val="000000"/>
+                </a:solidFill>
+                <a:latin typeface="맑은 고딕"/>
+                <a:ea typeface="맑은 고딕"/>
+                <a:cs typeface="함초롬돋움"/>
+              </a:rPr>
+              <a:t>화면</a:t>
+            </a:r>
+            <a:r>
+              <a:rPr lang="en-US" altLang="ko-KR" sz="1200" dirty="0">
+                <a:ln w="9525">
+                  <a:solidFill>
+                    <a:schemeClr val="tx1">
+                      <a:alpha val="30000"/>
+                    </a:schemeClr>
+                  </a:solidFill>
+                </a:ln>
+                <a:solidFill>
+                  <a:srgbClr val="000000"/>
+                </a:solidFill>
+                <a:latin typeface="맑은 고딕"/>
+                <a:ea typeface="맑은 고딕"/>
+                <a:cs typeface="함초롬돋움"/>
+              </a:rPr>
+              <a:t> </a:t>
+            </a:r>
+            <a:r>
+              <a:rPr lang="en-US" altLang="ko-KR" sz="1200" dirty="0" err="1">
+                <a:ln w="9525">
+                  <a:solidFill>
+                    <a:schemeClr val="tx1">
+                      <a:alpha val="30000"/>
+                    </a:schemeClr>
+                  </a:solidFill>
+                </a:ln>
+                <a:solidFill>
+                  <a:srgbClr val="000000"/>
+                </a:solidFill>
+                <a:latin typeface="맑은 고딕"/>
+                <a:ea typeface="맑은 고딕"/>
+                <a:cs typeface="함초롬돋움"/>
+              </a:rPr>
+              <a:t>구성도</a:t>
+            </a:r>
+            <a:r>
+              <a:rPr lang="en-US" altLang="ko-KR" sz="1200" dirty="0">
+                <a:ln w="9525">
+                  <a:solidFill>
+                    <a:schemeClr val="tx1">
+                      <a:alpha val="30000"/>
+                    </a:schemeClr>
+                  </a:solidFill>
+                </a:ln>
+                <a:solidFill>
+                  <a:srgbClr val="000000"/>
+                </a:solidFill>
+                <a:latin typeface="맑은 고딕"/>
+                <a:ea typeface="맑은 고딕"/>
+                <a:cs typeface="함초롬돋움"/>
+              </a:rPr>
+              <a:t> </a:t>
+            </a:r>
+            <a:r>
+              <a:rPr lang="en-US" altLang="ko-KR" sz="1200" dirty="0" err="1">
+                <a:ln w="9525">
+                  <a:solidFill>
+                    <a:schemeClr val="tx1">
+                      <a:alpha val="30000"/>
+                    </a:schemeClr>
+                  </a:solidFill>
+                </a:ln>
+                <a:solidFill>
+                  <a:srgbClr val="000000"/>
+                </a:solidFill>
+                <a:latin typeface="맑은 고딕"/>
+                <a:ea typeface="맑은 고딕"/>
+                <a:cs typeface="함초롬돋움"/>
+              </a:rPr>
+              <a:t>중요하다는</a:t>
+            </a:r>
+            <a:r>
+              <a:rPr lang="en-US" altLang="ko-KR" sz="1200" dirty="0">
+                <a:ln w="9525">
+                  <a:solidFill>
+                    <a:schemeClr val="tx1">
+                      <a:alpha val="30000"/>
+                    </a:schemeClr>
+                  </a:solidFill>
+                </a:ln>
+                <a:solidFill>
+                  <a:srgbClr val="000000"/>
+                </a:solidFill>
+                <a:latin typeface="맑은 고딕"/>
+                <a:ea typeface="맑은 고딕"/>
+                <a:cs typeface="함초롬돋움"/>
+              </a:rPr>
+              <a:t> </a:t>
+            </a:r>
+            <a:r>
+              <a:rPr lang="en-US" altLang="ko-KR" sz="1200" dirty="0" err="1">
+                <a:ln w="9525">
+                  <a:solidFill>
+                    <a:schemeClr val="tx1">
+                      <a:alpha val="30000"/>
+                    </a:schemeClr>
+                  </a:solidFill>
+                </a:ln>
+                <a:solidFill>
+                  <a:srgbClr val="000000"/>
+                </a:solidFill>
+                <a:latin typeface="맑은 고딕"/>
+                <a:ea typeface="맑은 고딕"/>
+                <a:cs typeface="함초롬돋움"/>
+              </a:rPr>
+              <a:t>것을</a:t>
+            </a:r>
+            <a:r>
+              <a:rPr lang="en-US" altLang="ko-KR" sz="1200" dirty="0">
+                <a:ln w="9525">
+                  <a:solidFill>
+                    <a:schemeClr val="tx1">
+                      <a:alpha val="30000"/>
+                    </a:schemeClr>
+                  </a:solidFill>
+                </a:ln>
+                <a:solidFill>
+                  <a:srgbClr val="000000"/>
+                </a:solidFill>
+                <a:latin typeface="맑은 고딕"/>
+                <a:ea typeface="맑은 고딕"/>
+                <a:cs typeface="함초롬돋움"/>
+              </a:rPr>
+              <a:t> </a:t>
+            </a:r>
+            <a:r>
+              <a:rPr lang="en-US" altLang="ko-KR" sz="1200" dirty="0" err="1">
+                <a:ln w="9525">
+                  <a:solidFill>
+                    <a:schemeClr val="tx1">
+                      <a:alpha val="30000"/>
+                    </a:schemeClr>
+                  </a:solidFill>
+                </a:ln>
+                <a:solidFill>
+                  <a:srgbClr val="000000"/>
+                </a:solidFill>
+                <a:latin typeface="맑은 고딕"/>
+                <a:ea typeface="맑은 고딕"/>
+                <a:cs typeface="함초롬돋움"/>
+              </a:rPr>
+              <a:t>알게</a:t>
+            </a:r>
+            <a:r>
+              <a:rPr lang="en-US" altLang="ko-KR" sz="1200" dirty="0">
+                <a:ln w="9525">
+                  <a:solidFill>
+                    <a:schemeClr val="tx1">
+                      <a:alpha val="30000"/>
+                    </a:schemeClr>
+                  </a:solidFill>
+                </a:ln>
+                <a:solidFill>
+                  <a:srgbClr val="000000"/>
+                </a:solidFill>
+                <a:latin typeface="맑은 고딕"/>
+                <a:ea typeface="맑은 고딕"/>
+                <a:cs typeface="함초롬돋움"/>
+              </a:rPr>
+              <a:t> </a:t>
+            </a:r>
+            <a:r>
+              <a:rPr lang="en-US" altLang="ko-KR" sz="1200" dirty="0" err="1">
+                <a:ln w="9525">
+                  <a:solidFill>
+                    <a:schemeClr val="tx1">
+                      <a:alpha val="30000"/>
+                    </a:schemeClr>
+                  </a:solidFill>
+                </a:ln>
+                <a:solidFill>
+                  <a:srgbClr val="000000"/>
+                </a:solidFill>
+                <a:latin typeface="맑은 고딕"/>
+                <a:ea typeface="맑은 고딕"/>
+                <a:cs typeface="함초롬돋움"/>
+              </a:rPr>
+              <a:t>되었습니다</a:t>
+            </a:r>
+            <a:endParaRPr lang="en-US" altLang="ko-KR" sz="1200" dirty="0">
               <a:ln w="9525">
                 <a:solidFill>
                   <a:schemeClr val="tx1">
@@ -11268,9 +12295,6 @@
               </a:rPr>
               <a:t> </a:t>
             </a:r>
-            <a:endParaRPr lang="ko-KR" altLang="en-US" sz="1600" b="1" spc="-100">
-              <a:latin typeface="Corbel"/>
-            </a:endParaRPr>
           </a:p>
           <a:p>
             <a:pPr algn="r">
@@ -11311,11 +12335,11 @@
   <p:clrMapOvr>
     <a:masterClrMapping/>
   </p:clrMapOvr>
-  <mc:AlternateContent xmlns:mc="http://schemas.openxmlformats.org/markup-compatibility/2006">
-    <mc:Choice xmlns:p14="http://schemas.microsoft.com/office/powerpoint/2010/main" Requires="p14">
-      <p:transition xmlns:mc="http://schemas.openxmlformats.org/markup-compatibility/2006" xmlns:p14="http://schemas.microsoft.com/office/powerpoint/2010/main" mc:Ignorable="p14" p14:dur="500"/>
+  <mc:AlternateContent xmlns:mc="http://schemas.openxmlformats.org/markup-compatibility/2006" xmlns:p14="http://schemas.microsoft.com/office/powerpoint/2010/main">
+    <mc:Choice Requires="p14">
+      <p:transition/>
     </mc:Choice>
-    <mc:Fallback>
+    <mc:Fallback xmlns:dsp="http://schemas.microsoft.com/office/drawing/2008/diagram" xmlns:dgm="http://schemas.openxmlformats.org/drawingml/2006/diagram" xmlns:c="http://schemas.openxmlformats.org/drawingml/2006/chart" xmlns="">
       <p:transition/>
     </mc:Fallback>
   </mc:AlternateContent>
@@ -14365,7 +15389,7 @@
     <mc:Choice Requires="p14">
       <p:transition/>
     </mc:Choice>
-    <mc:Fallback xmlns="" xmlns:c="http://schemas.openxmlformats.org/drawingml/2006/chart" xmlns:dgm="http://schemas.openxmlformats.org/drawingml/2006/diagram" xmlns:dsp="http://schemas.microsoft.com/office/drawing/2008/diagram">
+    <mc:Fallback xmlns:dsp="http://schemas.microsoft.com/office/drawing/2008/diagram" xmlns:dgm="http://schemas.openxmlformats.org/drawingml/2006/diagram" xmlns:c="http://schemas.openxmlformats.org/drawingml/2006/chart" xmlns="">
       <p:transition/>
     </mc:Fallback>
   </mc:AlternateContent>
@@ -19374,44 +20398,44 @@
 </file>
 
 <file path=ppt/theme/theme1.xml><?xml version="1.0" encoding="utf-8"?>
-<a:theme xmlns:r="http://schemas.openxmlformats.org/officeDocument/2006/relationships" xmlns:c="http://schemas.openxmlformats.org/drawingml/2006/chart" xmlns:dgm="http://schemas.openxmlformats.org/drawingml/2006/diagram" xmlns:dsp="http://schemas.microsoft.com/office/drawing/2008/diagram" xmlns:a="http://schemas.openxmlformats.org/drawingml/2006/main" xmlns:pic="http://schemas.openxmlformats.org/drawingml/2006/picture" xmlns:wp="http://schemas.openxmlformats.org/drawingml/2006/wordprocessingDrawing" xmlns:xdr="http://schemas.openxmlformats.org/drawingml/2006/spreadsheetDrawing" xmlns:p="http://schemas.openxmlformats.org/presentationml/2006/main" name="Office 테마">
+<a:theme xmlns:a="http://schemas.openxmlformats.org/drawingml/2006/main" name="Office 테마">
   <a:themeElements>
     <a:clrScheme name="Custom 134">
       <a:dk1>
         <a:srgbClr val="000000"/>
       </a:dk1>
       <a:lt1>
-        <a:srgbClr val="ffffff"/>
+        <a:srgbClr val="FFFFFF"/>
       </a:lt1>
       <a:dk2>
         <a:srgbClr val="000000"/>
       </a:dk2>
       <a:lt2>
-        <a:srgbClr val="ffffff"/>
+        <a:srgbClr val="FFFFFF"/>
       </a:lt2>
       <a:accent1>
-        <a:srgbClr val="5cb8b3"/>
+        <a:srgbClr val="5CB8B3"/>
       </a:accent1>
       <a:accent2>
-        <a:srgbClr val="f5d66e"/>
+        <a:srgbClr val="F5D66E"/>
       </a:accent2>
       <a:accent3>
-        <a:srgbClr val="d78189"/>
+        <a:srgbClr val="D78189"/>
       </a:accent3>
       <a:accent4>
-        <a:srgbClr val="7030a0"/>
+        <a:srgbClr val="7030A0"/>
       </a:accent4>
       <a:accent5>
-        <a:srgbClr val="0070c0"/>
+        <a:srgbClr val="0070C0"/>
       </a:accent5>
       <a:accent6>
-        <a:srgbClr val="c4d36d"/>
+        <a:srgbClr val="C4D36D"/>
       </a:accent6>
       <a:hlink>
-        <a:srgbClr val="54c3bd"/>
+        <a:srgbClr val="54C3BD"/>
       </a:hlink>
       <a:folHlink>
-        <a:srgbClr val="54c3bd"/>
+        <a:srgbClr val="54C3BD"/>
       </a:folHlink>
     </a:clrScheme>
     <a:fontScheme name="Custom 154">
@@ -19622,53 +20646,54 @@
       <a:lstStyle/>
     </a:txDef>
   </a:objectDefaults>
+  <a:extraClrSchemeLst/>
 </a:theme>
 </file>
 
 <file path=ppt/theme/theme2.xml><?xml version="1.0" encoding="utf-8"?>
-<a:theme xmlns:r="http://schemas.openxmlformats.org/officeDocument/2006/relationships" xmlns:c="http://schemas.openxmlformats.org/drawingml/2006/chart" xmlns:dgm="http://schemas.openxmlformats.org/drawingml/2006/diagram" xmlns:dsp="http://schemas.microsoft.com/office/drawing/2008/diagram" xmlns:a="http://schemas.openxmlformats.org/drawingml/2006/main" xmlns:pic="http://schemas.openxmlformats.org/drawingml/2006/picture" xmlns:wp="http://schemas.openxmlformats.org/drawingml/2006/wordprocessingDrawing" xmlns:xdr="http://schemas.openxmlformats.org/drawingml/2006/spreadsheetDrawing" xmlns:p="http://schemas.openxmlformats.org/presentationml/2006/main" name="Office Theme">
+<a:theme xmlns:a="http://schemas.openxmlformats.org/drawingml/2006/main" name="Office Theme">
   <a:themeElements>
     <a:clrScheme name="Office">
       <a:dk1>
         <a:sysClr val="windowText" lastClr="000000"/>
       </a:dk1>
       <a:lt1>
-        <a:sysClr val="window" lastClr="ffffff"/>
+        <a:sysClr val="window" lastClr="FFFFFF"/>
       </a:lt1>
       <a:dk2>
-        <a:srgbClr val="44546a"/>
+        <a:srgbClr val="44546A"/>
       </a:dk2>
       <a:lt2>
-        <a:srgbClr val="e7e6e6"/>
+        <a:srgbClr val="E7E6E6"/>
       </a:lt2>
       <a:accent1>
-        <a:srgbClr val="4472c4"/>
+        <a:srgbClr val="4472C4"/>
       </a:accent1>
       <a:accent2>
-        <a:srgbClr val="ed7d31"/>
+        <a:srgbClr val="ED7D31"/>
       </a:accent2>
       <a:accent3>
-        <a:srgbClr val="a5a5a5"/>
+        <a:srgbClr val="A5A5A5"/>
       </a:accent3>
       <a:accent4>
-        <a:srgbClr val="ffc000"/>
+        <a:srgbClr val="FFC000"/>
       </a:accent4>
       <a:accent5>
-        <a:srgbClr val="5b9bd5"/>
+        <a:srgbClr val="5B9BD5"/>
       </a:accent5>
       <a:accent6>
-        <a:srgbClr val="70ad47"/>
+        <a:srgbClr val="70AD47"/>
       </a:accent6>
       <a:hlink>
-        <a:srgbClr val="0563c1"/>
+        <a:srgbClr val="0563C1"/>
       </a:hlink>
       <a:folHlink>
-        <a:srgbClr val="954f72"/>
+        <a:srgbClr val="954F72"/>
       </a:folHlink>
     </a:clrScheme>
     <a:fontScheme name="Office">
       <a:majorFont>
-        <a:latin typeface="Calibri Light" panose="20"/>
+        <a:latin typeface="Calibri Light" panose="20000000000000000000"/>
         <a:ea typeface=""/>
         <a:cs typeface=""/>
         <a:font script="Jpan" typeface="Yu Gothic Light"/>
@@ -19720,7 +20745,7 @@
         <a:font script="Tfng" typeface="Ebrima"/>
       </a:majorFont>
       <a:minorFont>
-        <a:latin typeface="Calibri" panose="20"/>
+        <a:latin typeface="Calibri" panose="20000000000000000000"/>
         <a:ea typeface=""/>
         <a:cs typeface=""/>
         <a:font script="Jpan" typeface="Yu Gothic"/>
@@ -19910,53 +20935,55 @@
       </a:bgFillStyleLst>
     </a:fmtScheme>
   </a:themeElements>
+  <a:objectDefaults/>
+  <a:extraClrSchemeLst/>
 </a:theme>
 </file>
 
 <file path=ppt/theme/theme3.xml><?xml version="1.0" encoding="utf-8"?>
-<a:theme xmlns:r="http://schemas.openxmlformats.org/officeDocument/2006/relationships" xmlns:c="http://schemas.openxmlformats.org/drawingml/2006/chart" xmlns:dgm="http://schemas.openxmlformats.org/drawingml/2006/diagram" xmlns:dsp="http://schemas.microsoft.com/office/drawing/2008/diagram" xmlns:a="http://schemas.openxmlformats.org/drawingml/2006/main" xmlns:pic="http://schemas.openxmlformats.org/drawingml/2006/picture" xmlns:wp="http://schemas.openxmlformats.org/drawingml/2006/wordprocessingDrawing" xmlns:xdr="http://schemas.openxmlformats.org/drawingml/2006/spreadsheetDrawing" xmlns:p="http://schemas.openxmlformats.org/presentationml/2006/main" name="Office Theme">
+<a:theme xmlns:a="http://schemas.openxmlformats.org/drawingml/2006/main" name="Office Theme">
   <a:themeElements>
     <a:clrScheme name="Office">
       <a:dk1>
         <a:sysClr val="windowText" lastClr="000000"/>
       </a:dk1>
       <a:lt1>
-        <a:sysClr val="window" lastClr="ffffff"/>
+        <a:sysClr val="window" lastClr="FFFFFF"/>
       </a:lt1>
       <a:dk2>
-        <a:srgbClr val="44546a"/>
+        <a:srgbClr val="44546A"/>
       </a:dk2>
       <a:lt2>
-        <a:srgbClr val="e7e6e6"/>
+        <a:srgbClr val="E7E6E6"/>
       </a:lt2>
       <a:accent1>
-        <a:srgbClr val="4472c4"/>
+        <a:srgbClr val="4472C4"/>
       </a:accent1>
       <a:accent2>
-        <a:srgbClr val="ed7d31"/>
+        <a:srgbClr val="ED7D31"/>
       </a:accent2>
       <a:accent3>
-        <a:srgbClr val="a5a5a5"/>
+        <a:srgbClr val="A5A5A5"/>
       </a:accent3>
       <a:accent4>
-        <a:srgbClr val="ffc000"/>
+        <a:srgbClr val="FFC000"/>
       </a:accent4>
       <a:accent5>
-        <a:srgbClr val="5b9bd5"/>
+        <a:srgbClr val="5B9BD5"/>
       </a:accent5>
       <a:accent6>
-        <a:srgbClr val="70ad47"/>
+        <a:srgbClr val="70AD47"/>
       </a:accent6>
       <a:hlink>
-        <a:srgbClr val="0563c1"/>
+        <a:srgbClr val="0563C1"/>
       </a:hlink>
       <a:folHlink>
-        <a:srgbClr val="954f72"/>
+        <a:srgbClr val="954F72"/>
       </a:folHlink>
     </a:clrScheme>
     <a:fontScheme name="Office">
       <a:majorFont>
-        <a:latin typeface="Calibri Light" panose="20"/>
+        <a:latin typeface="Calibri Light" panose="20000000000000000000"/>
         <a:ea typeface=""/>
         <a:cs typeface=""/>
         <a:font script="Jpan" typeface="Yu Gothic Light"/>
@@ -20008,7 +21035,7 @@
         <a:font script="Tfng" typeface="Ebrima"/>
       </a:majorFont>
       <a:minorFont>
-        <a:latin typeface="Calibri" panose="20"/>
+        <a:latin typeface="Calibri" panose="20000000000000000000"/>
         <a:ea typeface=""/>
         <a:cs typeface=""/>
         <a:font script="Jpan" typeface="Yu Gothic"/>
@@ -20198,5 +21225,7 @@
       </a:bgFillStyleLst>
     </a:fmtScheme>
   </a:themeElements>
+  <a:objectDefaults/>
+  <a:extraClrSchemeLst/>
 </a:theme>
 </file>
--- a/개발 7팀 최종 팀프로젝트 산출물 제출/5) 개발5팀_최종_팀프로젝트_포트폴리오.pptx
+++ b/개발 7팀 최종 팀프로젝트 산출물 제출/5) 개발5팀_최종_팀프로젝트_포트폴리오.pptx
@@ -1,29 +1,32 @@
 
 <file path=ppt/presentation.xml><?xml version="1.0" encoding="utf-8"?>
-<p:presentation xmlns:a="http://schemas.openxmlformats.org/drawingml/2006/main" xmlns:r="http://schemas.openxmlformats.org/officeDocument/2006/relationships" xmlns:p="http://schemas.openxmlformats.org/presentationml/2006/main" saveSubsetFonts="1" autoCompressPictures="0">
+<p:presentation xmlns:r="http://schemas.openxmlformats.org/officeDocument/2006/relationships" xmlns:c="http://schemas.openxmlformats.org/drawingml/2006/chart" xmlns:a="http://schemas.openxmlformats.org/drawingml/2006/main" xmlns:dgm="http://schemas.openxmlformats.org/drawingml/2006/diagram" xmlns:dsp="http://schemas.microsoft.com/office/drawing/2008/diagram" xmlns:p="http://schemas.openxmlformats.org/presentationml/2006/main" saveSubsetFonts="1" autoCompressPictures="0">
   <p:sldMasterIdLst>
-    <p:sldMasterId id="2147483675" r:id="rId1"/>
+    <p:sldMasterId id="2147483673" r:id="rId1"/>
   </p:sldMasterIdLst>
   <p:notesMasterIdLst>
-    <p:notesMasterId r:id="rId15"/>
+    <p:notesMasterId r:id="rId2"/>
   </p:notesMasterIdLst>
   <p:handoutMasterIdLst>
-    <p:handoutMasterId r:id="rId16"/>
+    <p:handoutMasterId r:id="rId3"/>
   </p:handoutMasterIdLst>
   <p:sldIdLst>
-    <p:sldId id="256" r:id="rId2"/>
-    <p:sldId id="257" r:id="rId3"/>
-    <p:sldId id="258" r:id="rId4"/>
-    <p:sldId id="259" r:id="rId5"/>
-    <p:sldId id="260" r:id="rId6"/>
-    <p:sldId id="261" r:id="rId7"/>
-    <p:sldId id="262" r:id="rId8"/>
-    <p:sldId id="263" r:id="rId9"/>
-    <p:sldId id="264" r:id="rId10"/>
-    <p:sldId id="265" r:id="rId11"/>
-    <p:sldId id="266" r:id="rId12"/>
-    <p:sldId id="267" r:id="rId13"/>
-    <p:sldId id="268" r:id="rId14"/>
+    <p:sldId id="256" r:id="rId4"/>
+    <p:sldId id="257" r:id="rId5"/>
+    <p:sldId id="258" r:id="rId6"/>
+    <p:sldId id="259" r:id="rId7"/>
+    <p:sldId id="260" r:id="rId8"/>
+    <p:sldId id="261" r:id="rId9"/>
+    <p:sldId id="262" r:id="rId10"/>
+    <p:sldId id="263" r:id="rId11"/>
+    <p:sldId id="264" r:id="rId12"/>
+    <p:sldId id="265" r:id="rId13"/>
+    <p:sldId id="266" r:id="rId14"/>
+    <p:sldId id="267" r:id="rId15"/>
+    <p:sldId id="268" r:id="rId16"/>
+    <p:sldId id="269" r:id="rId17"/>
+    <p:sldId id="270" r:id="rId18"/>
+    <p:sldId id="271" r:id="rId19"/>
   </p:sldIdLst>
   <p:sldSz cx="12192000" cy="6858000"/>
   <p:notesSz cx="6858000" cy="9144000"/>
@@ -122,19 +125,11 @@
       </a:defRPr>
     </a:lvl9pPr>
   </p:defaultTextStyle>
-  <p:extLst>
-    <p:ext uri="{EFAFB233-063F-42B5-8137-9DF3F51BA10A}">
-      <p15:sldGuideLst xmlns:p15="http://schemas.microsoft.com/office/powerpoint/2012/main"/>
-    </p:ext>
-    <p:ext uri="{2D200454-40CA-4A62-9FC3-DE9A4176ACB9}">
-      <p15:notesGuideLst xmlns:p15="http://schemas.microsoft.com/office/powerpoint/2012/main"/>
-    </p:ext>
-  </p:extLst>
 </p:presentation>
 </file>
 
 <file path=ppt/handoutMasters/handoutMaster1.xml><?xml version="1.0" encoding="utf-8"?>
-<p:handoutMaster xmlns:a="http://schemas.openxmlformats.org/drawingml/2006/main" xmlns:r="http://schemas.openxmlformats.org/officeDocument/2006/relationships" xmlns:p="http://schemas.openxmlformats.org/presentationml/2006/main">
+<p:handoutMaster xmlns:r="http://schemas.openxmlformats.org/officeDocument/2006/relationships" xmlns:c="http://schemas.openxmlformats.org/drawingml/2006/chart" xmlns:a="http://schemas.openxmlformats.org/drawingml/2006/main" xmlns:dgm="http://schemas.openxmlformats.org/drawingml/2006/diagram" xmlns:dsp="http://schemas.microsoft.com/office/drawing/2008/diagram" xmlns:p="http://schemas.openxmlformats.org/presentationml/2006/main">
   <p:cSld>
     <p:bg>
       <p:bgRef idx="1001">
@@ -162,7 +157,7 @@
             <a:spLocks noGrp="1"/>
           </p:cNvSpPr>
           <p:nvPr>
-            <p:ph type="hdr" sz="quarter"/>
+            <p:ph type="hdr" sz="quarter" idx="0"/>
           </p:nvPr>
         </p:nvSpPr>
         <p:spPr>
@@ -185,6 +180,10 @@
             <a:pPr lvl="0">
               <a:defRPr/>
             </a:pPr>
+            <a:r>
+              <a:rPr lang="ko-KR" altLang="en-US"/>
+              <a:t/>
+            </a:r>
             <a:endParaRPr lang="ko-KR" altLang="en-US"/>
           </a:p>
         </p:txBody>
@@ -260,6 +259,10 @@
             <a:pPr lvl="0">
               <a:defRPr/>
             </a:pPr>
+            <a:r>
+              <a:rPr lang="ko-KR" altLang="en-US"/>
+              <a:t/>
+            </a:r>
             <a:endParaRPr lang="ko-KR" altLang="en-US"/>
           </a:p>
         </p:txBody>
@@ -306,18 +309,13 @@
         </p:txBody>
       </p:sp>
     </p:spTree>
-    <p:extLst>
-      <p:ext uri="{BB962C8B-B14F-4D97-AF65-F5344CB8AC3E}">
-        <p14:creationId xmlns:p14="http://schemas.microsoft.com/office/powerpoint/2010/main" val="1"/>
-      </p:ext>
-    </p:extLst>
   </p:cSld>
   <p:clrMap bg1="lt1" tx1="dk1" bg2="lt2" tx2="dk2" accent1="accent1" accent2="accent2" accent3="accent3" accent4="accent4" accent5="accent5" accent6="accent6" hlink="hlink" folHlink="folHlink"/>
 </p:handoutMaster>
 </file>
 
 <file path=ppt/notesMasters/notesMaster1.xml><?xml version="1.0" encoding="utf-8"?>
-<p:notesMaster xmlns:a="http://schemas.openxmlformats.org/drawingml/2006/main" xmlns:r="http://schemas.openxmlformats.org/officeDocument/2006/relationships" xmlns:p="http://schemas.openxmlformats.org/presentationml/2006/main">
+<p:notesMaster xmlns:r="http://schemas.openxmlformats.org/officeDocument/2006/relationships" xmlns:c="http://schemas.openxmlformats.org/drawingml/2006/chart" xmlns:a="http://schemas.openxmlformats.org/drawingml/2006/main" xmlns:dgm="http://schemas.openxmlformats.org/drawingml/2006/diagram" xmlns:dsp="http://schemas.microsoft.com/office/drawing/2008/diagram" xmlns:p="http://schemas.openxmlformats.org/presentationml/2006/main">
   <p:cSld>
     <p:bg>
       <p:bgRef idx="1001">
@@ -345,7 +343,7 @@
             <a:spLocks noGrp="1"/>
           </p:cNvSpPr>
           <p:nvPr>
-            <p:ph type="hdr" sz="quarter"/>
+            <p:ph type="hdr" sz="quarter" idx="0"/>
           </p:nvPr>
         </p:nvSpPr>
         <p:spPr>
@@ -368,6 +366,10 @@
             <a:pPr lvl="0">
               <a:defRPr/>
             </a:pPr>
+            <a:r>
+              <a:rPr lang="ko-KR" altLang="en-US"/>
+              <a:t/>
+            </a:r>
             <a:endParaRPr lang="ko-KR" altLang="en-US"/>
           </a:p>
         </p:txBody>
@@ -479,6 +481,7 @@
               <a:rPr lang="en-US"/>
               <a:t>Edit Master text styles</a:t>
             </a:r>
+            <a:endParaRPr lang="en-US"/>
           </a:p>
           <a:p>
             <a:pPr lvl="1">
@@ -488,6 +491,7 @@
               <a:rPr lang="en-US"/>
               <a:t>Second level</a:t>
             </a:r>
+            <a:endParaRPr lang="en-US"/>
           </a:p>
           <a:p>
             <a:pPr lvl="2">
@@ -497,6 +501,7 @@
               <a:rPr lang="en-US"/>
               <a:t>Third level</a:t>
             </a:r>
+            <a:endParaRPr lang="en-US"/>
           </a:p>
           <a:p>
             <a:pPr lvl="3">
@@ -506,6 +511,7 @@
               <a:rPr lang="en-US"/>
               <a:t>Fourth level</a:t>
             </a:r>
+            <a:endParaRPr lang="en-US"/>
           </a:p>
           <a:p>
             <a:pPr lvl="4">
@@ -515,6 +521,7 @@
               <a:rPr lang="en-US"/>
               <a:t>Fifth level</a:t>
             </a:r>
+            <a:endParaRPr lang="en-US"/>
           </a:p>
         </p:txBody>
       </p:sp>
@@ -548,6 +555,10 @@
             <a:pPr lvl="0">
               <a:defRPr/>
             </a:pPr>
+            <a:r>
+              <a:rPr lang="ko-KR" altLang="en-US"/>
+              <a:t/>
+            </a:r>
             <a:endParaRPr lang="ko-KR" altLang="en-US"/>
           </a:p>
         </p:txBody>
@@ -693,7 +704,7 @@
 </file>
 
 <file path=ppt/notesSlides/notesSlide1.xml><?xml version="1.0" encoding="utf-8"?>
-<p:notes xmlns:a="http://schemas.openxmlformats.org/drawingml/2006/main" xmlns:r="http://schemas.openxmlformats.org/officeDocument/2006/relationships" xmlns:p="http://schemas.openxmlformats.org/presentationml/2006/main">
+<p:notes xmlns:r="http://schemas.openxmlformats.org/officeDocument/2006/relationships" xmlns:c="http://schemas.openxmlformats.org/drawingml/2006/chart" xmlns:a="http://schemas.openxmlformats.org/drawingml/2006/main" xmlns:dgm="http://schemas.openxmlformats.org/drawingml/2006/diagram" xmlns:dsp="http://schemas.microsoft.com/office/drawing/2008/diagram" xmlns:p="http://schemas.openxmlformats.org/presentationml/2006/main">
   <p:cSld>
     <p:spTree>
       <p:nvGrpSpPr>
@@ -716,7 +727,7 @@
             <a:spLocks noGrp="1" noRot="1" noChangeAspect="1" noTextEdit="1"/>
           </p:cNvSpPr>
           <p:nvPr>
-            <p:ph type="sldImg"/>
+            <p:ph type="sldImg" idx="0"/>
           </p:nvPr>
         </p:nvSpPr>
         <p:spPr/>
@@ -739,6 +750,10 @@
             <a:pPr lvl="0">
               <a:defRPr/>
             </a:pPr>
+            <a:r>
+              <a:rPr lang="ko-KR" altLang="en-US"/>
+              <a:t/>
+            </a:r>
             <a:endParaRPr lang="ko-KR" altLang="en-US"/>
           </a:p>
         </p:txBody>
@@ -781,7 +796,7 @@
 </file>
 
 <file path=ppt/notesSlides/notesSlide10.xml><?xml version="1.0" encoding="utf-8"?>
-<p:notes xmlns:a="http://schemas.openxmlformats.org/drawingml/2006/main" xmlns:r="http://schemas.openxmlformats.org/officeDocument/2006/relationships" xmlns:p="http://schemas.openxmlformats.org/presentationml/2006/main">
+<p:notes xmlns:r="http://schemas.openxmlformats.org/officeDocument/2006/relationships" xmlns:c="http://schemas.openxmlformats.org/drawingml/2006/chart" xmlns:a="http://schemas.openxmlformats.org/drawingml/2006/main" xmlns:dgm="http://schemas.openxmlformats.org/drawingml/2006/diagram" xmlns:dsp="http://schemas.microsoft.com/office/drawing/2008/diagram" xmlns:p="http://schemas.openxmlformats.org/presentationml/2006/main">
   <p:cSld>
     <p:spTree>
       <p:nvGrpSpPr>
@@ -804,7 +819,7 @@
             <a:spLocks noGrp="1" noRot="1" noChangeAspect="1" noTextEdit="1"/>
           </p:cNvSpPr>
           <p:nvPr>
-            <p:ph type="sldImg"/>
+            <p:ph type="sldImg" idx="0"/>
           </p:nvPr>
         </p:nvSpPr>
         <p:spPr/>
@@ -827,6 +842,10 @@
             <a:pPr lvl="0">
               <a:defRPr/>
             </a:pPr>
+            <a:r>
+              <a:rPr lang="ko-KR" altLang="en-US"/>
+              <a:t/>
+            </a:r>
             <a:endParaRPr lang="ko-KR" altLang="en-US"/>
           </a:p>
         </p:txBody>
@@ -869,7 +888,7 @@
 </file>
 
 <file path=ppt/notesSlides/notesSlide11.xml><?xml version="1.0" encoding="utf-8"?>
-<p:notes xmlns:a="http://schemas.openxmlformats.org/drawingml/2006/main" xmlns:r="http://schemas.openxmlformats.org/officeDocument/2006/relationships" xmlns:p="http://schemas.openxmlformats.org/presentationml/2006/main">
+<p:notes xmlns:r="http://schemas.openxmlformats.org/officeDocument/2006/relationships" xmlns:c="http://schemas.openxmlformats.org/drawingml/2006/chart" xmlns:a="http://schemas.openxmlformats.org/drawingml/2006/main" xmlns:dgm="http://schemas.openxmlformats.org/drawingml/2006/diagram" xmlns:dsp="http://schemas.microsoft.com/office/drawing/2008/diagram" xmlns:p="http://schemas.openxmlformats.org/presentationml/2006/main">
   <p:cSld>
     <p:spTree>
       <p:nvGrpSpPr>
@@ -892,7 +911,7 @@
             <a:spLocks noGrp="1" noRot="1" noChangeAspect="1" noTextEdit="1"/>
           </p:cNvSpPr>
           <p:nvPr>
-            <p:ph type="sldImg"/>
+            <p:ph type="sldImg" idx="0"/>
           </p:nvPr>
         </p:nvSpPr>
         <p:spPr/>
@@ -915,6 +934,10 @@
             <a:pPr lvl="0">
               <a:defRPr/>
             </a:pPr>
+            <a:r>
+              <a:rPr lang="ko-KR" altLang="en-US"/>
+              <a:t/>
+            </a:r>
             <a:endParaRPr lang="ko-KR" altLang="en-US"/>
           </a:p>
         </p:txBody>
@@ -957,7 +980,7 @@
 </file>
 
 <file path=ppt/notesSlides/notesSlide12.xml><?xml version="1.0" encoding="utf-8"?>
-<p:notes xmlns:a="http://schemas.openxmlformats.org/drawingml/2006/main" xmlns:r="http://schemas.openxmlformats.org/officeDocument/2006/relationships" xmlns:p="http://schemas.openxmlformats.org/presentationml/2006/main">
+<p:notes xmlns:r="http://schemas.openxmlformats.org/officeDocument/2006/relationships" xmlns:c="http://schemas.openxmlformats.org/drawingml/2006/chart" xmlns:a="http://schemas.openxmlformats.org/drawingml/2006/main" xmlns:dgm="http://schemas.openxmlformats.org/drawingml/2006/diagram" xmlns:dsp="http://schemas.microsoft.com/office/drawing/2008/diagram" xmlns:p="http://schemas.openxmlformats.org/presentationml/2006/main">
   <p:cSld>
     <p:spTree>
       <p:nvGrpSpPr>
@@ -980,7 +1003,7 @@
             <a:spLocks noGrp="1" noRot="1" noChangeAspect="1" noTextEdit="1"/>
           </p:cNvSpPr>
           <p:nvPr>
-            <p:ph type="sldImg"/>
+            <p:ph type="sldImg" idx="0"/>
           </p:nvPr>
         </p:nvSpPr>
         <p:spPr/>
@@ -1003,6 +1026,10 @@
             <a:pPr lvl="0">
               <a:defRPr/>
             </a:pPr>
+            <a:r>
+              <a:rPr lang="ko-KR" altLang="en-US"/>
+              <a:t/>
+            </a:r>
             <a:endParaRPr lang="ko-KR" altLang="en-US"/>
           </a:p>
         </p:txBody>
@@ -1044,8 +1071,8 @@
 </p:notes>
 </file>
 
-<file path=ppt/notesSlides/notesSlide2.xml><?xml version="1.0" encoding="utf-8"?>
-<p:notes xmlns:a="http://schemas.openxmlformats.org/drawingml/2006/main" xmlns:r="http://schemas.openxmlformats.org/officeDocument/2006/relationships" xmlns:p="http://schemas.openxmlformats.org/presentationml/2006/main">
+<file path=ppt/notesSlides/notesSlide13.xml><?xml version="1.0" encoding="utf-8"?>
+<p:notes xmlns:r="http://schemas.openxmlformats.org/officeDocument/2006/relationships" xmlns:c="http://schemas.openxmlformats.org/drawingml/2006/chart" xmlns:a="http://schemas.openxmlformats.org/drawingml/2006/main" xmlns:dgm="http://schemas.openxmlformats.org/drawingml/2006/diagram" xmlns:dsp="http://schemas.microsoft.com/office/drawing/2008/diagram" xmlns:p="http://schemas.openxmlformats.org/presentationml/2006/main">
   <p:cSld>
     <p:spTree>
       <p:nvGrpSpPr>
@@ -1068,7 +1095,7 @@
             <a:spLocks noGrp="1" noRot="1" noChangeAspect="1" noTextEdit="1"/>
           </p:cNvSpPr>
           <p:nvPr>
-            <p:ph type="sldImg"/>
+            <p:ph type="sldImg" idx="0"/>
           </p:nvPr>
         </p:nvSpPr>
         <p:spPr/>
@@ -1091,6 +1118,10 @@
             <a:pPr lvl="0">
               <a:defRPr/>
             </a:pPr>
+            <a:r>
+              <a:rPr lang="ko-KR" altLang="en-US"/>
+              <a:t/>
+            </a:r>
             <a:endParaRPr lang="ko-KR" altLang="en-US"/>
           </a:p>
         </p:txBody>
@@ -1118,7 +1149,7 @@
               <a:pPr lvl="0">
                 <a:defRPr/>
               </a:pPr>
-              <a:t>2</a:t>
+              <a:t>14</a:t>
             </a:fld>
             <a:endParaRPr lang="en-US"/>
           </a:p>
@@ -1132,8 +1163,8 @@
 </p:notes>
 </file>
 
-<file path=ppt/notesSlides/notesSlide3.xml><?xml version="1.0" encoding="utf-8"?>
-<p:notes xmlns:a="http://schemas.openxmlformats.org/drawingml/2006/main" xmlns:r="http://schemas.openxmlformats.org/officeDocument/2006/relationships" xmlns:p="http://schemas.openxmlformats.org/presentationml/2006/main">
+<file path=ppt/notesSlides/notesSlide14.xml><?xml version="1.0" encoding="utf-8"?>
+<p:notes xmlns:r="http://schemas.openxmlformats.org/officeDocument/2006/relationships" xmlns:c="http://schemas.openxmlformats.org/drawingml/2006/chart" xmlns:a="http://schemas.openxmlformats.org/drawingml/2006/main" xmlns:dgm="http://schemas.openxmlformats.org/drawingml/2006/diagram" xmlns:dsp="http://schemas.microsoft.com/office/drawing/2008/diagram" xmlns:p="http://schemas.openxmlformats.org/presentationml/2006/main">
   <p:cSld>
     <p:spTree>
       <p:nvGrpSpPr>
@@ -1156,7 +1187,7 @@
             <a:spLocks noGrp="1" noRot="1" noChangeAspect="1" noTextEdit="1"/>
           </p:cNvSpPr>
           <p:nvPr>
-            <p:ph type="sldImg"/>
+            <p:ph type="sldImg" idx="0"/>
           </p:nvPr>
         </p:nvSpPr>
         <p:spPr/>
@@ -1179,6 +1210,10 @@
             <a:pPr lvl="0">
               <a:defRPr/>
             </a:pPr>
+            <a:r>
+              <a:rPr lang="ko-KR" altLang="en-US"/>
+              <a:t/>
+            </a:r>
             <a:endParaRPr lang="ko-KR" altLang="en-US"/>
           </a:p>
         </p:txBody>
@@ -1206,7 +1241,7 @@
               <a:pPr lvl="0">
                 <a:defRPr/>
               </a:pPr>
-              <a:t>3</a:t>
+              <a:t>15</a:t>
             </a:fld>
             <a:endParaRPr lang="en-US"/>
           </a:p>
@@ -1220,8 +1255,8 @@
 </p:notes>
 </file>
 
-<file path=ppt/notesSlides/notesSlide4.xml><?xml version="1.0" encoding="utf-8"?>
-<p:notes xmlns:a="http://schemas.openxmlformats.org/drawingml/2006/main" xmlns:r="http://schemas.openxmlformats.org/officeDocument/2006/relationships" xmlns:p="http://schemas.openxmlformats.org/presentationml/2006/main">
+<file path=ppt/notesSlides/notesSlide15.xml><?xml version="1.0" encoding="utf-8"?>
+<p:notes xmlns:r="http://schemas.openxmlformats.org/officeDocument/2006/relationships" xmlns:c="http://schemas.openxmlformats.org/drawingml/2006/chart" xmlns:a="http://schemas.openxmlformats.org/drawingml/2006/main" xmlns:dgm="http://schemas.openxmlformats.org/drawingml/2006/diagram" xmlns:dsp="http://schemas.microsoft.com/office/drawing/2008/diagram" xmlns:p="http://schemas.openxmlformats.org/presentationml/2006/main">
   <p:cSld>
     <p:spTree>
       <p:nvGrpSpPr>
@@ -1244,7 +1279,7 @@
             <a:spLocks noGrp="1" noRot="1" noChangeAspect="1" noTextEdit="1"/>
           </p:cNvSpPr>
           <p:nvPr>
-            <p:ph type="sldImg"/>
+            <p:ph type="sldImg" idx="0"/>
           </p:nvPr>
         </p:nvSpPr>
         <p:spPr/>
@@ -1267,6 +1302,10 @@
             <a:pPr lvl="0">
               <a:defRPr/>
             </a:pPr>
+            <a:r>
+              <a:rPr lang="ko-KR" altLang="en-US"/>
+              <a:t/>
+            </a:r>
             <a:endParaRPr lang="ko-KR" altLang="en-US"/>
           </a:p>
         </p:txBody>
@@ -1294,7 +1333,7 @@
               <a:pPr lvl="0">
                 <a:defRPr/>
               </a:pPr>
-              <a:t>5</a:t>
+              <a:t>16</a:t>
             </a:fld>
             <a:endParaRPr lang="en-US"/>
           </a:p>
@@ -1308,8 +1347,8 @@
 </p:notes>
 </file>
 
-<file path=ppt/notesSlides/notesSlide5.xml><?xml version="1.0" encoding="utf-8"?>
-<p:notes xmlns:a="http://schemas.openxmlformats.org/drawingml/2006/main" xmlns:r="http://schemas.openxmlformats.org/officeDocument/2006/relationships" xmlns:p="http://schemas.openxmlformats.org/presentationml/2006/main">
+<file path=ppt/notesSlides/notesSlide2.xml><?xml version="1.0" encoding="utf-8"?>
+<p:notes xmlns:r="http://schemas.openxmlformats.org/officeDocument/2006/relationships" xmlns:c="http://schemas.openxmlformats.org/drawingml/2006/chart" xmlns:a="http://schemas.openxmlformats.org/drawingml/2006/main" xmlns:dgm="http://schemas.openxmlformats.org/drawingml/2006/diagram" xmlns:dsp="http://schemas.microsoft.com/office/drawing/2008/diagram" xmlns:p="http://schemas.openxmlformats.org/presentationml/2006/main">
   <p:cSld>
     <p:spTree>
       <p:nvGrpSpPr>
@@ -1332,7 +1371,7 @@
             <a:spLocks noGrp="1" noRot="1" noChangeAspect="1" noTextEdit="1"/>
           </p:cNvSpPr>
           <p:nvPr>
-            <p:ph type="sldImg"/>
+            <p:ph type="sldImg" idx="0"/>
           </p:nvPr>
         </p:nvSpPr>
         <p:spPr/>
@@ -1355,6 +1394,10 @@
             <a:pPr lvl="0">
               <a:defRPr/>
             </a:pPr>
+            <a:r>
+              <a:rPr lang="ko-KR" altLang="en-US"/>
+              <a:t/>
+            </a:r>
             <a:endParaRPr lang="ko-KR" altLang="en-US"/>
           </a:p>
         </p:txBody>
@@ -1382,7 +1425,7 @@
               <a:pPr lvl="0">
                 <a:defRPr/>
               </a:pPr>
-              <a:t>6</a:t>
+              <a:t>2</a:t>
             </a:fld>
             <a:endParaRPr lang="en-US"/>
           </a:p>
@@ -1396,8 +1439,8 @@
 </p:notes>
 </file>
 
-<file path=ppt/notesSlides/notesSlide6.xml><?xml version="1.0" encoding="utf-8"?>
-<p:notes xmlns:a="http://schemas.openxmlformats.org/drawingml/2006/main" xmlns:r="http://schemas.openxmlformats.org/officeDocument/2006/relationships" xmlns:p="http://schemas.openxmlformats.org/presentationml/2006/main">
+<file path=ppt/notesSlides/notesSlide3.xml><?xml version="1.0" encoding="utf-8"?>
+<p:notes xmlns:r="http://schemas.openxmlformats.org/officeDocument/2006/relationships" xmlns:c="http://schemas.openxmlformats.org/drawingml/2006/chart" xmlns:a="http://schemas.openxmlformats.org/drawingml/2006/main" xmlns:dgm="http://schemas.openxmlformats.org/drawingml/2006/diagram" xmlns:dsp="http://schemas.microsoft.com/office/drawing/2008/diagram" xmlns:p="http://schemas.openxmlformats.org/presentationml/2006/main">
   <p:cSld>
     <p:spTree>
       <p:nvGrpSpPr>
@@ -1420,7 +1463,7 @@
             <a:spLocks noGrp="1" noRot="1" noChangeAspect="1" noTextEdit="1"/>
           </p:cNvSpPr>
           <p:nvPr>
-            <p:ph type="sldImg"/>
+            <p:ph type="sldImg" idx="0"/>
           </p:nvPr>
         </p:nvSpPr>
         <p:spPr/>
@@ -1443,6 +1486,10 @@
             <a:pPr lvl="0">
               <a:defRPr/>
             </a:pPr>
+            <a:r>
+              <a:rPr lang="ko-KR" altLang="en-US"/>
+              <a:t/>
+            </a:r>
             <a:endParaRPr lang="ko-KR" altLang="en-US"/>
           </a:p>
         </p:txBody>
@@ -1470,7 +1517,7 @@
               <a:pPr lvl="0">
                 <a:defRPr/>
               </a:pPr>
-              <a:t>7</a:t>
+              <a:t>3</a:t>
             </a:fld>
             <a:endParaRPr lang="en-US"/>
           </a:p>
@@ -1484,8 +1531,8 @@
 </p:notes>
 </file>
 
-<file path=ppt/notesSlides/notesSlide7.xml><?xml version="1.0" encoding="utf-8"?>
-<p:notes xmlns:a="http://schemas.openxmlformats.org/drawingml/2006/main" xmlns:r="http://schemas.openxmlformats.org/officeDocument/2006/relationships" xmlns:p="http://schemas.openxmlformats.org/presentationml/2006/main">
+<file path=ppt/notesSlides/notesSlide4.xml><?xml version="1.0" encoding="utf-8"?>
+<p:notes xmlns:r="http://schemas.openxmlformats.org/officeDocument/2006/relationships" xmlns:c="http://schemas.openxmlformats.org/drawingml/2006/chart" xmlns:a="http://schemas.openxmlformats.org/drawingml/2006/main" xmlns:dgm="http://schemas.openxmlformats.org/drawingml/2006/diagram" xmlns:dsp="http://schemas.microsoft.com/office/drawing/2008/diagram" xmlns:p="http://schemas.openxmlformats.org/presentationml/2006/main">
   <p:cSld>
     <p:spTree>
       <p:nvGrpSpPr>
@@ -1508,7 +1555,7 @@
             <a:spLocks noGrp="1" noRot="1" noChangeAspect="1" noTextEdit="1"/>
           </p:cNvSpPr>
           <p:nvPr>
-            <p:ph type="sldImg"/>
+            <p:ph type="sldImg" idx="0"/>
           </p:nvPr>
         </p:nvSpPr>
         <p:spPr/>
@@ -1531,6 +1578,10 @@
             <a:pPr lvl="0">
               <a:defRPr/>
             </a:pPr>
+            <a:r>
+              <a:rPr lang="ko-KR" altLang="en-US"/>
+              <a:t/>
+            </a:r>
             <a:endParaRPr lang="ko-KR" altLang="en-US"/>
           </a:p>
         </p:txBody>
@@ -1558,7 +1609,7 @@
               <a:pPr lvl="0">
                 <a:defRPr/>
               </a:pPr>
-              <a:t>8</a:t>
+              <a:t>5</a:t>
             </a:fld>
             <a:endParaRPr lang="en-US"/>
           </a:p>
@@ -1572,8 +1623,8 @@
 </p:notes>
 </file>
 
-<file path=ppt/notesSlides/notesSlide8.xml><?xml version="1.0" encoding="utf-8"?>
-<p:notes xmlns:a="http://schemas.openxmlformats.org/drawingml/2006/main" xmlns:r="http://schemas.openxmlformats.org/officeDocument/2006/relationships" xmlns:p="http://schemas.openxmlformats.org/presentationml/2006/main">
+<file path=ppt/notesSlides/notesSlide5.xml><?xml version="1.0" encoding="utf-8"?>
+<p:notes xmlns:r="http://schemas.openxmlformats.org/officeDocument/2006/relationships" xmlns:c="http://schemas.openxmlformats.org/drawingml/2006/chart" xmlns:a="http://schemas.openxmlformats.org/drawingml/2006/main" xmlns:dgm="http://schemas.openxmlformats.org/drawingml/2006/diagram" xmlns:dsp="http://schemas.microsoft.com/office/drawing/2008/diagram" xmlns:p="http://schemas.openxmlformats.org/presentationml/2006/main">
   <p:cSld>
     <p:spTree>
       <p:nvGrpSpPr>
@@ -1596,7 +1647,7 @@
             <a:spLocks noGrp="1" noRot="1" noChangeAspect="1" noTextEdit="1"/>
           </p:cNvSpPr>
           <p:nvPr>
-            <p:ph type="sldImg"/>
+            <p:ph type="sldImg" idx="0"/>
           </p:nvPr>
         </p:nvSpPr>
         <p:spPr/>
@@ -1619,6 +1670,10 @@
             <a:pPr lvl="0">
               <a:defRPr/>
             </a:pPr>
+            <a:r>
+              <a:rPr lang="ko-KR" altLang="en-US"/>
+              <a:t/>
+            </a:r>
             <a:endParaRPr lang="ko-KR" altLang="en-US"/>
           </a:p>
         </p:txBody>
@@ -1646,7 +1701,7 @@
               <a:pPr lvl="0">
                 <a:defRPr/>
               </a:pPr>
-              <a:t>9</a:t>
+              <a:t>6</a:t>
             </a:fld>
             <a:endParaRPr lang="en-US"/>
           </a:p>
@@ -1660,8 +1715,8 @@
 </p:notes>
 </file>
 
-<file path=ppt/notesSlides/notesSlide9.xml><?xml version="1.0" encoding="utf-8"?>
-<p:notes xmlns:a="http://schemas.openxmlformats.org/drawingml/2006/main" xmlns:r="http://schemas.openxmlformats.org/officeDocument/2006/relationships" xmlns:p="http://schemas.openxmlformats.org/presentationml/2006/main">
+<file path=ppt/notesSlides/notesSlide6.xml><?xml version="1.0" encoding="utf-8"?>
+<p:notes xmlns:r="http://schemas.openxmlformats.org/officeDocument/2006/relationships" xmlns:c="http://schemas.openxmlformats.org/drawingml/2006/chart" xmlns:a="http://schemas.openxmlformats.org/drawingml/2006/main" xmlns:dgm="http://schemas.openxmlformats.org/drawingml/2006/diagram" xmlns:dsp="http://schemas.microsoft.com/office/drawing/2008/diagram" xmlns:p="http://schemas.openxmlformats.org/presentationml/2006/main">
   <p:cSld>
     <p:spTree>
       <p:nvGrpSpPr>
@@ -1684,7 +1739,7 @@
             <a:spLocks noGrp="1" noRot="1" noChangeAspect="1" noTextEdit="1"/>
           </p:cNvSpPr>
           <p:nvPr>
-            <p:ph type="sldImg"/>
+            <p:ph type="sldImg" idx="0"/>
           </p:nvPr>
         </p:nvSpPr>
         <p:spPr/>
@@ -1707,6 +1762,286 @@
             <a:pPr lvl="0">
               <a:defRPr/>
             </a:pPr>
+            <a:r>
+              <a:rPr lang="ko-KR" altLang="en-US"/>
+              <a:t/>
+            </a:r>
+            <a:endParaRPr lang="ko-KR" altLang="en-US"/>
+          </a:p>
+        </p:txBody>
+      </p:sp>
+      <p:sp>
+        <p:nvSpPr>
+          <p:cNvPr id="4" name="Slide Number Placeholder 3"/>
+          <p:cNvSpPr>
+            <a:spLocks noGrp="1"/>
+          </p:cNvSpPr>
+          <p:nvPr>
+            <p:ph type="sldNum" sz="quarter" idx="5"/>
+          </p:nvPr>
+        </p:nvSpPr>
+        <p:spPr/>
+        <p:txBody>
+          <a:bodyPr/>
+          <a:lstStyle/>
+          <a:p>
+            <a:pPr lvl="0">
+              <a:defRPr/>
+            </a:pPr>
+            <a:fld id="{8530193B-564F-4854-8A52-728F3FB19C85}" type="slidenum">
+              <a:rPr lang="en-US"/>
+              <a:pPr lvl="0">
+                <a:defRPr/>
+              </a:pPr>
+              <a:t>7</a:t>
+            </a:fld>
+            <a:endParaRPr lang="en-US"/>
+          </a:p>
+        </p:txBody>
+      </p:sp>
+    </p:spTree>
+  </p:cSld>
+  <p:clrMapOvr>
+    <a:masterClrMapping/>
+  </p:clrMapOvr>
+</p:notes>
+</file>
+
+<file path=ppt/notesSlides/notesSlide7.xml><?xml version="1.0" encoding="utf-8"?>
+<p:notes xmlns:r="http://schemas.openxmlformats.org/officeDocument/2006/relationships" xmlns:c="http://schemas.openxmlformats.org/drawingml/2006/chart" xmlns:a="http://schemas.openxmlformats.org/drawingml/2006/main" xmlns:dgm="http://schemas.openxmlformats.org/drawingml/2006/diagram" xmlns:dsp="http://schemas.microsoft.com/office/drawing/2008/diagram" xmlns:p="http://schemas.openxmlformats.org/presentationml/2006/main">
+  <p:cSld>
+    <p:spTree>
+      <p:nvGrpSpPr>
+        <p:cNvPr id="1" name=""/>
+        <p:cNvGrpSpPr/>
+        <p:nvPr/>
+      </p:nvGrpSpPr>
+      <p:grpSpPr>
+        <a:xfrm>
+          <a:off x="0" y="0"/>
+          <a:ext cx="0" cy="0"/>
+          <a:chOff x="0" y="0"/>
+          <a:chExt cx="0" cy="0"/>
+        </a:xfrm>
+      </p:grpSpPr>
+      <p:sp>
+        <p:nvSpPr>
+          <p:cNvPr id="2" name="Slide Image Placeholder 1"/>
+          <p:cNvSpPr>
+            <a:spLocks noGrp="1" noRot="1" noChangeAspect="1" noTextEdit="1"/>
+          </p:cNvSpPr>
+          <p:nvPr>
+            <p:ph type="sldImg" idx="0"/>
+          </p:nvPr>
+        </p:nvSpPr>
+        <p:spPr/>
+      </p:sp>
+      <p:sp>
+        <p:nvSpPr>
+          <p:cNvPr id="3" name="Notes Placeholder 2"/>
+          <p:cNvSpPr>
+            <a:spLocks noGrp="1"/>
+          </p:cNvSpPr>
+          <p:nvPr>
+            <p:ph type="body" idx="1"/>
+          </p:nvPr>
+        </p:nvSpPr>
+        <p:spPr/>
+        <p:txBody>
+          <a:bodyPr/>
+          <a:lstStyle/>
+          <a:p>
+            <a:pPr lvl="0">
+              <a:defRPr/>
+            </a:pPr>
+            <a:r>
+              <a:rPr lang="ko-KR" altLang="en-US"/>
+              <a:t/>
+            </a:r>
+            <a:endParaRPr lang="ko-KR" altLang="en-US"/>
+          </a:p>
+        </p:txBody>
+      </p:sp>
+      <p:sp>
+        <p:nvSpPr>
+          <p:cNvPr id="4" name="Slide Number Placeholder 3"/>
+          <p:cNvSpPr>
+            <a:spLocks noGrp="1"/>
+          </p:cNvSpPr>
+          <p:nvPr>
+            <p:ph type="sldNum" sz="quarter" idx="5"/>
+          </p:nvPr>
+        </p:nvSpPr>
+        <p:spPr/>
+        <p:txBody>
+          <a:bodyPr/>
+          <a:lstStyle/>
+          <a:p>
+            <a:pPr lvl="0">
+              <a:defRPr/>
+            </a:pPr>
+            <a:fld id="{8530193B-564F-4854-8A52-728F3FB19C85}" type="slidenum">
+              <a:rPr lang="en-US"/>
+              <a:pPr lvl="0">
+                <a:defRPr/>
+              </a:pPr>
+              <a:t>8</a:t>
+            </a:fld>
+            <a:endParaRPr lang="en-US"/>
+          </a:p>
+        </p:txBody>
+      </p:sp>
+    </p:spTree>
+  </p:cSld>
+  <p:clrMapOvr>
+    <a:masterClrMapping/>
+  </p:clrMapOvr>
+</p:notes>
+</file>
+
+<file path=ppt/notesSlides/notesSlide8.xml><?xml version="1.0" encoding="utf-8"?>
+<p:notes xmlns:r="http://schemas.openxmlformats.org/officeDocument/2006/relationships" xmlns:c="http://schemas.openxmlformats.org/drawingml/2006/chart" xmlns:a="http://schemas.openxmlformats.org/drawingml/2006/main" xmlns:dgm="http://schemas.openxmlformats.org/drawingml/2006/diagram" xmlns:dsp="http://schemas.microsoft.com/office/drawing/2008/diagram" xmlns:p="http://schemas.openxmlformats.org/presentationml/2006/main">
+  <p:cSld>
+    <p:spTree>
+      <p:nvGrpSpPr>
+        <p:cNvPr id="1" name=""/>
+        <p:cNvGrpSpPr/>
+        <p:nvPr/>
+      </p:nvGrpSpPr>
+      <p:grpSpPr>
+        <a:xfrm>
+          <a:off x="0" y="0"/>
+          <a:ext cx="0" cy="0"/>
+          <a:chOff x="0" y="0"/>
+          <a:chExt cx="0" cy="0"/>
+        </a:xfrm>
+      </p:grpSpPr>
+      <p:sp>
+        <p:nvSpPr>
+          <p:cNvPr id="2" name="Slide Image Placeholder 1"/>
+          <p:cNvSpPr>
+            <a:spLocks noGrp="1" noRot="1" noChangeAspect="1" noTextEdit="1"/>
+          </p:cNvSpPr>
+          <p:nvPr>
+            <p:ph type="sldImg" idx="0"/>
+          </p:nvPr>
+        </p:nvSpPr>
+        <p:spPr/>
+      </p:sp>
+      <p:sp>
+        <p:nvSpPr>
+          <p:cNvPr id="3" name="Notes Placeholder 2"/>
+          <p:cNvSpPr>
+            <a:spLocks noGrp="1"/>
+          </p:cNvSpPr>
+          <p:nvPr>
+            <p:ph type="body" idx="1"/>
+          </p:nvPr>
+        </p:nvSpPr>
+        <p:spPr/>
+        <p:txBody>
+          <a:bodyPr/>
+          <a:lstStyle/>
+          <a:p>
+            <a:pPr lvl="0">
+              <a:defRPr/>
+            </a:pPr>
+            <a:r>
+              <a:rPr lang="ko-KR" altLang="en-US"/>
+              <a:t/>
+            </a:r>
+            <a:endParaRPr lang="ko-KR" altLang="en-US"/>
+          </a:p>
+        </p:txBody>
+      </p:sp>
+      <p:sp>
+        <p:nvSpPr>
+          <p:cNvPr id="4" name="Slide Number Placeholder 3"/>
+          <p:cNvSpPr>
+            <a:spLocks noGrp="1"/>
+          </p:cNvSpPr>
+          <p:nvPr>
+            <p:ph type="sldNum" sz="quarter" idx="5"/>
+          </p:nvPr>
+        </p:nvSpPr>
+        <p:spPr/>
+        <p:txBody>
+          <a:bodyPr/>
+          <a:lstStyle/>
+          <a:p>
+            <a:pPr lvl="0">
+              <a:defRPr/>
+            </a:pPr>
+            <a:fld id="{8530193B-564F-4854-8A52-728F3FB19C85}" type="slidenum">
+              <a:rPr lang="en-US"/>
+              <a:pPr lvl="0">
+                <a:defRPr/>
+              </a:pPr>
+              <a:t>9</a:t>
+            </a:fld>
+            <a:endParaRPr lang="en-US"/>
+          </a:p>
+        </p:txBody>
+      </p:sp>
+    </p:spTree>
+  </p:cSld>
+  <p:clrMapOvr>
+    <a:masterClrMapping/>
+  </p:clrMapOvr>
+</p:notes>
+</file>
+
+<file path=ppt/notesSlides/notesSlide9.xml><?xml version="1.0" encoding="utf-8"?>
+<p:notes xmlns:r="http://schemas.openxmlformats.org/officeDocument/2006/relationships" xmlns:c="http://schemas.openxmlformats.org/drawingml/2006/chart" xmlns:a="http://schemas.openxmlformats.org/drawingml/2006/main" xmlns:dgm="http://schemas.openxmlformats.org/drawingml/2006/diagram" xmlns:dsp="http://schemas.microsoft.com/office/drawing/2008/diagram" xmlns:p="http://schemas.openxmlformats.org/presentationml/2006/main">
+  <p:cSld>
+    <p:spTree>
+      <p:nvGrpSpPr>
+        <p:cNvPr id="1" name=""/>
+        <p:cNvGrpSpPr/>
+        <p:nvPr/>
+      </p:nvGrpSpPr>
+      <p:grpSpPr>
+        <a:xfrm>
+          <a:off x="0" y="0"/>
+          <a:ext cx="0" cy="0"/>
+          <a:chOff x="0" y="0"/>
+          <a:chExt cx="0" cy="0"/>
+        </a:xfrm>
+      </p:grpSpPr>
+      <p:sp>
+        <p:nvSpPr>
+          <p:cNvPr id="2" name="Slide Image Placeholder 1"/>
+          <p:cNvSpPr>
+            <a:spLocks noGrp="1" noRot="1" noChangeAspect="1" noTextEdit="1"/>
+          </p:cNvSpPr>
+          <p:nvPr>
+            <p:ph type="sldImg" idx="0"/>
+          </p:nvPr>
+        </p:nvSpPr>
+        <p:spPr/>
+      </p:sp>
+      <p:sp>
+        <p:nvSpPr>
+          <p:cNvPr id="3" name="Notes Placeholder 2"/>
+          <p:cNvSpPr>
+            <a:spLocks noGrp="1"/>
+          </p:cNvSpPr>
+          <p:nvPr>
+            <p:ph type="body" idx="1"/>
+          </p:nvPr>
+        </p:nvSpPr>
+        <p:spPr/>
+        <p:txBody>
+          <a:bodyPr/>
+          <a:lstStyle/>
+          <a:p>
+            <a:pPr lvl="0">
+              <a:defRPr/>
+            </a:pPr>
+            <a:r>
+              <a:rPr lang="ko-KR" altLang="en-US"/>
+              <a:t/>
+            </a:r>
             <a:endParaRPr lang="ko-KR" altLang="en-US"/>
           </a:p>
         </p:txBody>
@@ -9270,6 +9605,2878 @@
 </file>
 
 <file path=ppt/slides/slide10.xml><?xml version="1.0" encoding="utf-8"?>
+<p:sld xmlns:r="http://schemas.openxmlformats.org/officeDocument/2006/relationships" xmlns:c="http://schemas.openxmlformats.org/drawingml/2006/chart" xmlns:a="http://schemas.openxmlformats.org/drawingml/2006/main" xmlns:dgm="http://schemas.openxmlformats.org/drawingml/2006/diagram" xmlns:dsp="http://schemas.microsoft.com/office/drawing/2008/diagram" xmlns:p="http://schemas.openxmlformats.org/presentationml/2006/main">
+  <p:cSld>
+    <p:spTree>
+      <p:nvGrpSpPr>
+        <p:cNvPr id="1" name=""/>
+        <p:cNvGrpSpPr/>
+        <p:nvPr/>
+      </p:nvGrpSpPr>
+      <p:grpSpPr>
+        <a:xfrm>
+          <a:off x="0" y="0"/>
+          <a:ext cx="0" cy="0"/>
+          <a:chOff x="0" y="0"/>
+          <a:chExt cx="0" cy="0"/>
+        </a:xfrm>
+      </p:grpSpPr>
+      <p:sp>
+        <p:nvSpPr>
+          <p:cNvPr id="2" name="Title 1"/>
+          <p:cNvSpPr>
+            <a:spLocks noGrp="1"/>
+          </p:cNvSpPr>
+          <p:nvPr>
+            <p:ph type="title" idx="0"/>
+          </p:nvPr>
+        </p:nvSpPr>
+        <p:spPr>
+          <a:xfrm>
+            <a:off x="432000" y="432000"/>
+            <a:ext cx="1623303" cy="432000"/>
+          </a:xfrm>
+        </p:spPr>
+        <p:txBody>
+          <a:bodyPr/>
+          <a:lstStyle/>
+          <a:p>
+            <a:pPr lvl="0">
+              <a:defRPr/>
+            </a:pPr>
+            <a:r>
+              <a:rPr lang="ko-KR" altLang="en-US"/>
+              <a:t>코드리뷰</a:t>
+            </a:r>
+            <a:endParaRPr lang="en-US"/>
+          </a:p>
+        </p:txBody>
+      </p:sp>
+      <p:sp>
+        <p:nvSpPr>
+          <p:cNvPr id="9" name="Slide Number Placeholder 8"/>
+          <p:cNvSpPr>
+            <a:spLocks noGrp="1"/>
+          </p:cNvSpPr>
+          <p:nvPr>
+            <p:ph type="sldNum" sz="quarter" idx="33"/>
+          </p:nvPr>
+        </p:nvSpPr>
+        <p:spPr>
+          <a:xfrm>
+            <a:off x="11447502" y="6401750"/>
+            <a:ext cx="278418" cy="274324"/>
+          </a:xfrm>
+        </p:spPr>
+        <p:txBody>
+          <a:bodyPr/>
+          <a:lstStyle/>
+          <a:p>
+            <a:pPr lvl="0">
+              <a:defRPr/>
+            </a:pPr>
+            <a:fld id="{19B51A1E-902D-48AF-9020-955120F399B6}" type="slidenum">
+              <a:rPr lang="en-US"/>
+              <a:pPr lvl="0">
+                <a:defRPr/>
+              </a:pPr>
+              <a:t>10</a:t>
+            </a:fld>
+            <a:endParaRPr lang="en-US"/>
+          </a:p>
+        </p:txBody>
+      </p:sp>
+      <p:pic>
+        <p:nvPicPr>
+          <p:cNvPr id="8" name="그림 7"/>
+          <p:cNvPicPr>
+            <a:picLocks noChangeAspect="1"/>
+          </p:cNvPicPr>
+          <p:nvPr/>
+        </p:nvPicPr>
+        <p:blipFill rotWithShape="1">
+          <a:blip r:embed="rId3"/>
+          <a:stretch>
+            <a:fillRect/>
+          </a:stretch>
+        </p:blipFill>
+        <p:spPr>
+          <a:xfrm>
+            <a:off x="9986365" y="0"/>
+            <a:ext cx="2205635" cy="6006518"/>
+          </a:xfrm>
+          <a:prstGeom prst="rect">
+            <a:avLst/>
+          </a:prstGeom>
+        </p:spPr>
+      </p:pic>
+      <p:sp>
+        <p:nvSpPr>
+          <p:cNvPr id="10" name="직사각형 9"/>
+          <p:cNvSpPr/>
+          <p:nvPr/>
+        </p:nvSpPr>
+        <p:spPr>
+          <a:xfrm>
+            <a:off x="10075178" y="6283354"/>
+            <a:ext cx="1283516" cy="478173"/>
+          </a:xfrm>
+          <a:prstGeom prst="rect">
+            <a:avLst/>
+          </a:prstGeom>
+          <a:solidFill>
+            <a:schemeClr val="bg1"/>
+          </a:solidFill>
+          <a:ln>
+            <a:solidFill>
+              <a:schemeClr val="bg1"/>
+            </a:solidFill>
+          </a:ln>
+        </p:spPr>
+        <p:style>
+          <a:lnRef idx="2">
+            <a:schemeClr val="accent1">
+              <a:shade val="50000"/>
+            </a:schemeClr>
+          </a:lnRef>
+          <a:fillRef idx="1">
+            <a:schemeClr val="accent1"/>
+          </a:fillRef>
+          <a:effectRef idx="0">
+            <a:schemeClr val="accent1"/>
+          </a:effectRef>
+          <a:fontRef idx="minor">
+            <a:schemeClr val="lt1"/>
+          </a:fontRef>
+        </p:style>
+        <p:txBody>
+          <a:bodyPr anchor="ctr"/>
+          <a:lstStyle/>
+          <a:p>
+            <a:pPr algn="ctr">
+              <a:defRPr/>
+            </a:pPr>
+            <a:endParaRPr lang="ko-KR" altLang="en-US">
+              <a:ln w="9525">
+                <a:solidFill>
+                  <a:schemeClr val="bg1"/>
+                </a:solidFill>
+              </a:ln>
+              <a:solidFill>
+                <a:schemeClr val="bg1"/>
+              </a:solidFill>
+            </a:endParaRPr>
+          </a:p>
+        </p:txBody>
+      </p:sp>
+      <p:sp>
+        <p:nvSpPr>
+          <p:cNvPr id="11" name="Title 1"/>
+          <p:cNvSpPr txBox="1"/>
+          <p:nvPr/>
+        </p:nvSpPr>
+        <p:spPr>
+          <a:xfrm>
+            <a:off x="2136363" y="429171"/>
+            <a:ext cx="4184916" cy="431999"/>
+          </a:xfrm>
+          <a:prstGeom prst="rect">
+            <a:avLst/>
+          </a:prstGeom>
+        </p:spPr>
+        <p:txBody>
+          <a:bodyPr vert="horz" lIns="0" tIns="0" rIns="0" bIns="0" anchor="ctr">
+            <a:noAutofit/>
+          </a:bodyPr>
+          <a:lstStyle>
+            <a:lvl1pPr algn="l" defTabSz="914400" rtl="0" eaLnBrk="1" latinLnBrk="1" hangingPunct="1">
+              <a:lnSpc>
+                <a:spcPct val="90000"/>
+              </a:lnSpc>
+              <a:spcBef>
+                <a:spcPct val="0"/>
+              </a:spcBef>
+              <a:buNone/>
+              <a:defRPr sz="3200" b="1" kern="1200" cap="all" spc="-150" baseline="0">
+                <a:solidFill>
+                  <a:schemeClr val="tx1"/>
+                </a:solidFill>
+                <a:latin typeface="+mj-lt"/>
+                <a:ea typeface="+mj-ea"/>
+                <a:cs typeface="+mj-cs"/>
+              </a:defRPr>
+            </a:lvl1pPr>
+          </a:lstStyle>
+          <a:p>
+            <a:pPr lvl="0">
+              <a:defRPr/>
+            </a:pPr>
+            <a:r>
+              <a:rPr lang="en-US" altLang="ko-KR">
+                <a:solidFill>
+                  <a:schemeClr val="tx1">
+                    <a:lumMod val="50000"/>
+                    <a:lumOff val="50000"/>
+                  </a:schemeClr>
+                </a:solidFill>
+              </a:rPr>
+              <a:t>(</a:t>
+            </a:r>
+            <a:r>
+              <a:rPr lang="ko-KR" altLang="en-US">
+                <a:solidFill>
+                  <a:schemeClr val="tx1">
+                    <a:lumMod val="50000"/>
+                    <a:lumOff val="50000"/>
+                  </a:schemeClr>
+                </a:solidFill>
+              </a:rPr>
+              <a:t>게시글 좋아요</a:t>
+            </a:r>
+            <a:r>
+              <a:rPr lang="en-US" altLang="ko-KR">
+                <a:solidFill>
+                  <a:schemeClr val="tx1">
+                    <a:lumMod val="50000"/>
+                    <a:lumOff val="50000"/>
+                  </a:schemeClr>
+                </a:solidFill>
+              </a:rPr>
+              <a:t>/</a:t>
+            </a:r>
+            <a:r>
+              <a:rPr lang="ko-KR" altLang="en-US">
+                <a:solidFill>
+                  <a:schemeClr val="tx1">
+                    <a:lumMod val="50000"/>
+                    <a:lumOff val="50000"/>
+                  </a:schemeClr>
+                </a:solidFill>
+              </a:rPr>
+              <a:t>싫어요</a:t>
+            </a:r>
+            <a:r>
+              <a:rPr lang="en-US" altLang="ko-KR">
+                <a:solidFill>
+                  <a:schemeClr val="tx1">
+                    <a:lumMod val="50000"/>
+                    <a:lumOff val="50000"/>
+                  </a:schemeClr>
+                </a:solidFill>
+              </a:rPr>
+              <a:t>)</a:t>
+            </a:r>
+            <a:endParaRPr lang="en-US" altLang="ko-KR">
+              <a:solidFill>
+                <a:schemeClr val="tx1">
+                  <a:lumMod val="50000"/>
+                  <a:lumOff val="50000"/>
+                </a:schemeClr>
+              </a:solidFill>
+            </a:endParaRPr>
+          </a:p>
+        </p:txBody>
+      </p:sp>
+      <p:sp>
+        <p:nvSpPr>
+          <p:cNvPr id="12" name="TextBox 11"/>
+          <p:cNvSpPr txBox="1"/>
+          <p:nvPr/>
+        </p:nvSpPr>
+        <p:spPr>
+          <a:xfrm>
+            <a:off x="10151470" y="6010406"/>
+            <a:ext cx="937712" cy="761868"/>
+          </a:xfrm>
+          <a:prstGeom prst="rect">
+            <a:avLst/>
+          </a:prstGeom>
+          <a:noFill/>
+        </p:spPr>
+        <p:txBody>
+          <a:bodyPr wrap="square" lIns="0" tIns="36000" rIns="0" bIns="0">
+            <a:spAutoFit/>
+          </a:bodyPr>
+          <a:lstStyle/>
+          <a:p>
+            <a:pPr algn="r">
+              <a:lnSpc>
+                <a:spcPct val="150000"/>
+              </a:lnSpc>
+              <a:defRPr/>
+            </a:pPr>
+            <a:r>
+              <a:rPr lang="en-US" sz="1600" b="1" spc="-100" baseline="0">
+                <a:solidFill>
+                  <a:schemeClr val="tx1"/>
+                </a:solidFill>
+                <a:latin typeface="Corbel"/>
+              </a:rPr>
+              <a:t>KOSMO </a:t>
+            </a:r>
+            <a:r>
+              <a:rPr lang="en-US" sz="1600" b="1" spc="-100">
+                <a:latin typeface="Corbel"/>
+              </a:rPr>
+              <a:t> 77</a:t>
+            </a:r>
+            <a:r>
+              <a:rPr lang="ko-KR" altLang="en-US" sz="1600" b="1" spc="-100">
+                <a:latin typeface="Corbel"/>
+              </a:rPr>
+              <a:t> </a:t>
+            </a:r>
+            <a:endParaRPr lang="ko-KR" altLang="en-US" sz="1600" b="1" spc="-100">
+              <a:latin typeface="Corbel"/>
+            </a:endParaRPr>
+          </a:p>
+          <a:p>
+            <a:pPr algn="r">
+              <a:lnSpc>
+                <a:spcPct val="150000"/>
+              </a:lnSpc>
+              <a:defRPr/>
+            </a:pPr>
+            <a:r>
+              <a:rPr lang="ko-KR" altLang="en-US" sz="1600" b="1" spc="-100">
+                <a:latin typeface="Corbel"/>
+              </a:rPr>
+              <a:t> 개발 </a:t>
+            </a:r>
+            <a:r>
+              <a:rPr lang="en-US" altLang="ko-KR" sz="1600" b="1" spc="-100">
+                <a:latin typeface="Corbel"/>
+              </a:rPr>
+              <a:t>5</a:t>
+            </a:r>
+            <a:r>
+              <a:rPr lang="ko-KR" altLang="en-US" sz="1600" b="1" spc="-100">
+                <a:latin typeface="Corbel"/>
+              </a:rPr>
+              <a:t>팀</a:t>
+            </a:r>
+            <a:endParaRPr lang="en-US" sz="1600" b="1" spc="-100" baseline="0">
+              <a:solidFill>
+                <a:schemeClr val="tx1"/>
+              </a:solidFill>
+              <a:latin typeface="Corbel"/>
+            </a:endParaRPr>
+          </a:p>
+        </p:txBody>
+      </p:sp>
+      <p:pic>
+        <p:nvPicPr>
+          <p:cNvPr id="14" name=""/>
+          <p:cNvPicPr>
+            <a:picLocks noChangeAspect="1"/>
+          </p:cNvPicPr>
+          <p:nvPr/>
+        </p:nvPicPr>
+        <p:blipFill rotWithShape="1">
+          <a:blip r:embed="rId4"/>
+          <a:stretch>
+            <a:fillRect/>
+          </a:stretch>
+        </p:blipFill>
+        <p:spPr>
+          <a:xfrm>
+            <a:off x="381812" y="1889386"/>
+            <a:ext cx="3362534" cy="2865362"/>
+          </a:xfrm>
+          <a:prstGeom prst="rect">
+            <a:avLst/>
+          </a:prstGeom>
+        </p:spPr>
+      </p:pic>
+      <p:pic>
+        <p:nvPicPr>
+          <p:cNvPr id="15" name=""/>
+          <p:cNvPicPr>
+            <a:picLocks noChangeAspect="1"/>
+          </p:cNvPicPr>
+          <p:nvPr/>
+        </p:nvPicPr>
+        <p:blipFill rotWithShape="1">
+          <a:blip r:embed="rId5"/>
+          <a:stretch>
+            <a:fillRect/>
+          </a:stretch>
+        </p:blipFill>
+        <p:spPr>
+          <a:xfrm>
+            <a:off x="4510481" y="1846519"/>
+            <a:ext cx="4591244" cy="3495065"/>
+          </a:xfrm>
+          <a:prstGeom prst="rect">
+            <a:avLst/>
+          </a:prstGeom>
+        </p:spPr>
+      </p:pic>
+      <p:sp>
+        <p:nvSpPr>
+          <p:cNvPr id="16" name=""/>
+          <p:cNvSpPr/>
+          <p:nvPr/>
+        </p:nvSpPr>
+        <p:spPr>
+          <a:xfrm>
+            <a:off x="2357605" y="2125633"/>
+            <a:ext cx="2081704" cy="610962"/>
+          </a:xfrm>
+          <a:prstGeom prst="flowChartProcess">
+            <a:avLst/>
+          </a:prstGeom>
+          <a:noFill/>
+          <a:ln>
+            <a:solidFill>
+              <a:schemeClr val="accent2"/>
+            </a:solidFill>
+          </a:ln>
+        </p:spPr>
+        <p:style>
+          <a:lnRef idx="2">
+            <a:schemeClr val="accent1">
+              <a:shade val="20000"/>
+            </a:schemeClr>
+          </a:lnRef>
+          <a:fillRef idx="1">
+            <a:schemeClr val="accent1"/>
+          </a:fillRef>
+          <a:effectRef idx="0">
+            <a:schemeClr val="accent1"/>
+          </a:effectRef>
+          <a:fontRef idx="minor">
+            <a:schemeClr val="lt1"/>
+          </a:fontRef>
+        </p:style>
+        <p:txBody>
+          <a:bodyPr anchor="ctr"/>
+          <a:lstStyle/>
+          <a:p>
+            <a:pPr algn="ctr">
+              <a:defRPr/>
+            </a:pPr>
+            <a:r>
+              <a:rPr lang="ko-KR" altLang="en-US" sz="1300">
+                <a:solidFill>
+                  <a:schemeClr val="tx1"/>
+                </a:solidFill>
+              </a:rPr>
+              <a:t>좋아요 버튼 눌렀을 때</a:t>
+            </a:r>
+            <a:r>
+              <a:rPr lang="en-US" altLang="ko-KR" sz="1300">
+                <a:solidFill>
+                  <a:schemeClr val="tx1"/>
+                </a:solidFill>
+              </a:rPr>
+              <a:t>,</a:t>
+            </a:r>
+            <a:r>
+              <a:rPr lang="ko-KR" altLang="en-US" sz="1300">
+                <a:solidFill>
+                  <a:schemeClr val="tx1"/>
+                </a:solidFill>
+              </a:rPr>
+              <a:t> </a:t>
+            </a:r>
+            <a:endParaRPr lang="ko-KR" altLang="en-US" sz="1300">
+              <a:solidFill>
+                <a:schemeClr val="tx1"/>
+              </a:solidFill>
+            </a:endParaRPr>
+          </a:p>
+          <a:p>
+            <a:pPr algn="ctr">
+              <a:defRPr/>
+            </a:pPr>
+            <a:r>
+              <a:rPr lang="ko-KR" altLang="en-US" sz="1300">
+                <a:solidFill>
+                  <a:schemeClr val="tx1"/>
+                </a:solidFill>
+              </a:rPr>
+              <a:t>변수</a:t>
+            </a:r>
+            <a:r>
+              <a:rPr lang="en-US" altLang="ko-KR" sz="1300">
+                <a:solidFill>
+                  <a:schemeClr val="tx1"/>
+                </a:solidFill>
+              </a:rPr>
+              <a:t> board</a:t>
+            </a:r>
+            <a:r>
+              <a:rPr lang="ko-KR" altLang="en-US" sz="1300">
+                <a:solidFill>
+                  <a:schemeClr val="tx1"/>
+                </a:solidFill>
+              </a:rPr>
+              <a:t>에 담긴 값으로 </a:t>
+            </a:r>
+            <a:endParaRPr lang="ko-KR" altLang="en-US" sz="1300">
+              <a:solidFill>
+                <a:schemeClr val="tx1"/>
+              </a:solidFill>
+            </a:endParaRPr>
+          </a:p>
+          <a:p>
+            <a:pPr algn="ctr">
+              <a:defRPr/>
+            </a:pPr>
+            <a:r>
+              <a:rPr lang="en-US" altLang="ko-KR" sz="1300">
+                <a:solidFill>
+                  <a:schemeClr val="tx1"/>
+                </a:solidFill>
+              </a:rPr>
+              <a:t>insertBoardCnt.do</a:t>
+            </a:r>
+            <a:r>
+              <a:rPr lang="ko-KR" altLang="en-US" sz="1300">
+                <a:solidFill>
+                  <a:schemeClr val="tx1"/>
+                </a:solidFill>
+              </a:rPr>
+              <a:t> 실행</a:t>
+            </a:r>
+            <a:endParaRPr lang="ko-KR" altLang="en-US" sz="1300">
+              <a:solidFill>
+                <a:schemeClr val="tx1"/>
+              </a:solidFill>
+            </a:endParaRPr>
+          </a:p>
+        </p:txBody>
+      </p:sp>
+      <p:sp>
+        <p:nvSpPr>
+          <p:cNvPr id="18" name=""/>
+          <p:cNvSpPr/>
+          <p:nvPr/>
+        </p:nvSpPr>
+        <p:spPr>
+          <a:xfrm>
+            <a:off x="551865" y="2007581"/>
+            <a:ext cx="1521342" cy="451345"/>
+          </a:xfrm>
+          <a:prstGeom prst="flowChartProcess">
+            <a:avLst/>
+          </a:prstGeom>
+          <a:noFill/>
+          <a:ln w="25400">
+            <a:solidFill>
+              <a:schemeClr val="accent3"/>
+            </a:solidFill>
+          </a:ln>
+        </p:spPr>
+        <p:style>
+          <a:lnRef idx="2">
+            <a:schemeClr val="accent1">
+              <a:shade val="20000"/>
+            </a:schemeClr>
+          </a:lnRef>
+          <a:fillRef idx="1">
+            <a:schemeClr val="accent1"/>
+          </a:fillRef>
+          <a:effectRef idx="0">
+            <a:schemeClr val="accent1"/>
+          </a:effectRef>
+          <a:fontRef idx="minor">
+            <a:schemeClr val="lt1"/>
+          </a:fontRef>
+        </p:style>
+        <p:txBody>
+          <a:bodyPr anchor="ctr"/>
+          <a:lstStyle/>
+          <a:p>
+            <a:pPr algn="ctr">
+              <a:defRPr/>
+            </a:pPr>
+            <a:endParaRPr lang="ko-KR" altLang="en-US">
+              <a:solidFill>
+                <a:schemeClr val="tx1"/>
+              </a:solidFill>
+            </a:endParaRPr>
+          </a:p>
+        </p:txBody>
+      </p:sp>
+      <p:sp>
+        <p:nvSpPr>
+          <p:cNvPr id="19" name=""/>
+          <p:cNvSpPr/>
+          <p:nvPr/>
+        </p:nvSpPr>
+        <p:spPr>
+          <a:xfrm>
+            <a:off x="835994" y="2717295"/>
+            <a:ext cx="994427" cy="96691"/>
+          </a:xfrm>
+          <a:prstGeom prst="flowChartProcess">
+            <a:avLst/>
+          </a:prstGeom>
+          <a:noFill/>
+          <a:ln w="25400">
+            <a:solidFill>
+              <a:schemeClr val="accent3"/>
+            </a:solidFill>
+          </a:ln>
+        </p:spPr>
+        <p:style>
+          <a:lnRef idx="2">
+            <a:schemeClr val="accent1">
+              <a:shade val="20000"/>
+            </a:schemeClr>
+          </a:lnRef>
+          <a:fillRef idx="1">
+            <a:schemeClr val="accent1"/>
+          </a:fillRef>
+          <a:effectRef idx="0">
+            <a:schemeClr val="accent1"/>
+          </a:effectRef>
+          <a:fontRef idx="minor">
+            <a:schemeClr val="lt1"/>
+          </a:fontRef>
+        </p:style>
+        <p:txBody>
+          <a:bodyPr anchor="ctr"/>
+          <a:lstStyle/>
+          <a:p>
+            <a:pPr algn="ctr">
+              <a:defRPr/>
+            </a:pPr>
+            <a:endParaRPr lang="ko-KR" altLang="en-US">
+              <a:solidFill>
+                <a:schemeClr val="tx1"/>
+              </a:solidFill>
+            </a:endParaRPr>
+          </a:p>
+        </p:txBody>
+      </p:sp>
+      <p:sp>
+        <p:nvSpPr>
+          <p:cNvPr id="22" name=""/>
+          <p:cNvSpPr/>
+          <p:nvPr/>
+        </p:nvSpPr>
+        <p:spPr>
+          <a:xfrm>
+            <a:off x="6096000" y="1336027"/>
+            <a:ext cx="3843408" cy="585674"/>
+          </a:xfrm>
+          <a:prstGeom prst="flowChartProcess">
+            <a:avLst/>
+          </a:prstGeom>
+          <a:noFill/>
+          <a:ln>
+            <a:solidFill>
+              <a:schemeClr val="accent2"/>
+            </a:solidFill>
+          </a:ln>
+        </p:spPr>
+        <p:style>
+          <a:lnRef idx="2">
+            <a:schemeClr val="accent1">
+              <a:shade val="20000"/>
+            </a:schemeClr>
+          </a:lnRef>
+          <a:fillRef idx="1">
+            <a:schemeClr val="accent1"/>
+          </a:fillRef>
+          <a:effectRef idx="0">
+            <a:schemeClr val="accent1"/>
+          </a:effectRef>
+          <a:fontRef idx="minor">
+            <a:schemeClr val="lt1"/>
+          </a:fontRef>
+        </p:style>
+        <p:txBody>
+          <a:bodyPr anchor="ctr"/>
+          <a:lstStyle/>
+          <a:p>
+            <a:pPr algn="ctr">
+              <a:defRPr/>
+            </a:pPr>
+            <a:r>
+              <a:rPr lang="en-US" altLang="ko-KR" sz="1300">
+                <a:solidFill>
+                  <a:schemeClr val="tx1"/>
+                </a:solidFill>
+              </a:rPr>
+              <a:t>BcntCount</a:t>
+            </a:r>
+            <a:r>
+              <a:rPr lang="ko-KR" altLang="en-US" sz="1300">
+                <a:solidFill>
+                  <a:schemeClr val="tx1"/>
+                </a:solidFill>
+              </a:rPr>
+              <a:t>로 싫어요 누른 기록이 있는지 확인 후 </a:t>
+            </a:r>
+            <a:endParaRPr lang="ko-KR" altLang="en-US" sz="1300">
+              <a:solidFill>
+                <a:schemeClr val="tx1"/>
+              </a:solidFill>
+            </a:endParaRPr>
+          </a:p>
+          <a:p>
+            <a:pPr algn="ctr">
+              <a:defRPr/>
+            </a:pPr>
+            <a:r>
+              <a:rPr lang="ko-KR" altLang="en-US" sz="1300">
+                <a:solidFill>
+                  <a:schemeClr val="tx1"/>
+                </a:solidFill>
+              </a:rPr>
+              <a:t>누른 기록이 있다면</a:t>
+            </a:r>
+            <a:r>
+              <a:rPr lang="en-US" altLang="ko-KR" sz="1300">
+                <a:solidFill>
+                  <a:schemeClr val="tx1"/>
+                </a:solidFill>
+              </a:rPr>
+              <a:t>(</a:t>
+            </a:r>
+            <a:r>
+              <a:rPr lang="ko-KR" altLang="en-US" sz="1300">
+                <a:solidFill>
+                  <a:schemeClr val="tx1"/>
+                </a:solidFill>
+              </a:rPr>
+              <a:t>결과값이 </a:t>
+            </a:r>
+            <a:r>
+              <a:rPr lang="en-US" altLang="ko-KR" sz="1300">
+                <a:solidFill>
+                  <a:schemeClr val="tx1"/>
+                </a:solidFill>
+              </a:rPr>
+              <a:t>1</a:t>
+            </a:r>
+            <a:r>
+              <a:rPr lang="ko-KR" altLang="en-US" sz="1300">
+                <a:solidFill>
+                  <a:schemeClr val="tx1"/>
+                </a:solidFill>
+              </a:rPr>
+              <a:t>이라면</a:t>
+            </a:r>
+            <a:r>
+              <a:rPr lang="en-US" altLang="ko-KR" sz="1300">
+                <a:solidFill>
+                  <a:schemeClr val="tx1"/>
+                </a:solidFill>
+              </a:rPr>
+              <a:t>)</a:t>
+            </a:r>
+            <a:r>
+              <a:rPr lang="ko-KR" altLang="en-US" sz="1300">
+                <a:solidFill>
+                  <a:schemeClr val="tx1"/>
+                </a:solidFill>
+              </a:rPr>
+              <a:t> </a:t>
+            </a:r>
+            <a:r>
+              <a:rPr lang="en-US" altLang="ko-KR" sz="1300">
+                <a:solidFill>
+                  <a:schemeClr val="tx1"/>
+                </a:solidFill>
+              </a:rPr>
+              <a:t>0</a:t>
+            </a:r>
+            <a:r>
+              <a:rPr lang="ko-KR" altLang="en-US" sz="1300">
+                <a:solidFill>
+                  <a:schemeClr val="tx1"/>
+                </a:solidFill>
+              </a:rPr>
+              <a:t>으로 변경</a:t>
+            </a:r>
+            <a:endParaRPr lang="ko-KR" altLang="en-US" sz="1300">
+              <a:solidFill>
+                <a:schemeClr val="tx1"/>
+              </a:solidFill>
+            </a:endParaRPr>
+          </a:p>
+        </p:txBody>
+      </p:sp>
+      <p:sp>
+        <p:nvSpPr>
+          <p:cNvPr id="25" name=""/>
+          <p:cNvSpPr/>
+          <p:nvPr/>
+        </p:nvSpPr>
+        <p:spPr>
+          <a:xfrm>
+            <a:off x="6470855" y="3916040"/>
+            <a:ext cx="3067922" cy="796404"/>
+          </a:xfrm>
+          <a:prstGeom prst="flowChartProcess">
+            <a:avLst/>
+          </a:prstGeom>
+          <a:noFill/>
+          <a:ln>
+            <a:solidFill>
+              <a:schemeClr val="accent2"/>
+            </a:solidFill>
+          </a:ln>
+        </p:spPr>
+        <p:style>
+          <a:lnRef idx="2">
+            <a:schemeClr val="accent1">
+              <a:shade val="20000"/>
+            </a:schemeClr>
+          </a:lnRef>
+          <a:fillRef idx="1">
+            <a:schemeClr val="accent1"/>
+          </a:fillRef>
+          <a:effectRef idx="0">
+            <a:schemeClr val="accent1"/>
+          </a:effectRef>
+          <a:fontRef idx="minor">
+            <a:schemeClr val="lt1"/>
+          </a:fontRef>
+        </p:style>
+        <p:txBody>
+          <a:bodyPr anchor="ctr"/>
+          <a:lstStyle/>
+          <a:p>
+            <a:pPr algn="ctr">
+              <a:defRPr/>
+            </a:pPr>
+            <a:r>
+              <a:rPr lang="en-US" altLang="ko-KR" sz="1300">
+                <a:solidFill>
+                  <a:schemeClr val="tx1"/>
+                </a:solidFill>
+              </a:rPr>
+              <a:t>Gcnt</a:t>
+            </a:r>
+            <a:r>
+              <a:rPr lang="ko-KR" altLang="en-US" sz="1300">
+                <a:solidFill>
+                  <a:schemeClr val="tx1"/>
+                </a:solidFill>
+              </a:rPr>
+              <a:t>로 좋아요 누른 기록이 있는지 확인</a:t>
+            </a:r>
+            <a:endParaRPr lang="ko-KR" altLang="en-US" sz="1300">
+              <a:solidFill>
+                <a:schemeClr val="tx1"/>
+              </a:solidFill>
+            </a:endParaRPr>
+          </a:p>
+          <a:p>
+            <a:pPr algn="ctr">
+              <a:defRPr/>
+            </a:pPr>
+            <a:r>
+              <a:rPr lang="ko-KR" altLang="en-US" sz="1300">
+                <a:solidFill>
+                  <a:schemeClr val="tx1"/>
+                </a:solidFill>
+              </a:rPr>
+              <a:t>없다면 </a:t>
+            </a:r>
+            <a:r>
+              <a:rPr lang="en-US" altLang="ko-KR" sz="1300">
+                <a:solidFill>
+                  <a:schemeClr val="tx1"/>
+                </a:solidFill>
+              </a:rPr>
+              <a:t>1</a:t>
+            </a:r>
+            <a:r>
+              <a:rPr lang="ko-KR" altLang="en-US" sz="1300">
+                <a:solidFill>
+                  <a:schemeClr val="tx1"/>
+                </a:solidFill>
+              </a:rPr>
+              <a:t>로 변경</a:t>
+            </a:r>
+            <a:endParaRPr lang="ko-KR" altLang="en-US" sz="1300">
+              <a:solidFill>
+                <a:schemeClr val="tx1"/>
+              </a:solidFill>
+            </a:endParaRPr>
+          </a:p>
+          <a:p>
+            <a:pPr algn="ctr">
+              <a:defRPr/>
+            </a:pPr>
+            <a:r>
+              <a:rPr lang="ko-KR" altLang="en-US" sz="1300">
+                <a:solidFill>
+                  <a:schemeClr val="tx1"/>
+                </a:solidFill>
+              </a:rPr>
+              <a:t>있다면 좋아요 취소하려는것이므로 </a:t>
+            </a:r>
+            <a:endParaRPr lang="ko-KR" altLang="en-US" sz="1300">
+              <a:solidFill>
+                <a:schemeClr val="tx1"/>
+              </a:solidFill>
+            </a:endParaRPr>
+          </a:p>
+          <a:p>
+            <a:pPr algn="ctr">
+              <a:defRPr/>
+            </a:pPr>
+            <a:r>
+              <a:rPr lang="ko-KR" altLang="en-US" sz="1300">
+                <a:solidFill>
+                  <a:schemeClr val="tx1"/>
+                </a:solidFill>
+              </a:rPr>
+              <a:t>해당 칼럼 삭제</a:t>
+            </a:r>
+            <a:endParaRPr lang="ko-KR" altLang="en-US" sz="1300">
+              <a:solidFill>
+                <a:schemeClr val="tx1"/>
+              </a:solidFill>
+            </a:endParaRPr>
+          </a:p>
+        </p:txBody>
+      </p:sp>
+      <p:sp>
+        <p:nvSpPr>
+          <p:cNvPr id="26" name=""/>
+          <p:cNvSpPr/>
+          <p:nvPr/>
+        </p:nvSpPr>
+        <p:spPr>
+          <a:xfrm>
+            <a:off x="4674420" y="2530866"/>
+            <a:ext cx="1858511" cy="451345"/>
+          </a:xfrm>
+          <a:prstGeom prst="flowChartProcess">
+            <a:avLst/>
+          </a:prstGeom>
+          <a:noFill/>
+          <a:ln w="25400">
+            <a:solidFill>
+              <a:schemeClr val="accent3"/>
+            </a:solidFill>
+          </a:ln>
+        </p:spPr>
+        <p:style>
+          <a:lnRef idx="2">
+            <a:schemeClr val="accent1">
+              <a:shade val="20000"/>
+            </a:schemeClr>
+          </a:lnRef>
+          <a:fillRef idx="1">
+            <a:schemeClr val="accent1"/>
+          </a:fillRef>
+          <a:effectRef idx="0">
+            <a:schemeClr val="accent1"/>
+          </a:effectRef>
+          <a:fontRef idx="minor">
+            <a:schemeClr val="lt1"/>
+          </a:fontRef>
+        </p:style>
+        <p:txBody>
+          <a:bodyPr anchor="ctr"/>
+          <a:lstStyle/>
+          <a:p>
+            <a:pPr algn="ctr">
+              <a:defRPr/>
+            </a:pPr>
+            <a:endParaRPr lang="ko-KR" altLang="en-US">
+              <a:solidFill>
+                <a:schemeClr val="tx1"/>
+              </a:solidFill>
+            </a:endParaRPr>
+          </a:p>
+        </p:txBody>
+      </p:sp>
+      <p:sp>
+        <p:nvSpPr>
+          <p:cNvPr id="27" name=""/>
+          <p:cNvSpPr/>
+          <p:nvPr/>
+        </p:nvSpPr>
+        <p:spPr>
+          <a:xfrm>
+            <a:off x="4640703" y="3694137"/>
+            <a:ext cx="1614063" cy="485062"/>
+          </a:xfrm>
+          <a:prstGeom prst="flowChartProcess">
+            <a:avLst/>
+          </a:prstGeom>
+          <a:noFill/>
+          <a:ln w="25400">
+            <a:solidFill>
+              <a:schemeClr val="accent3"/>
+            </a:solidFill>
+          </a:ln>
+        </p:spPr>
+        <p:style>
+          <a:lnRef idx="2">
+            <a:schemeClr val="accent1">
+              <a:shade val="20000"/>
+            </a:schemeClr>
+          </a:lnRef>
+          <a:fillRef idx="1">
+            <a:schemeClr val="accent1"/>
+          </a:fillRef>
+          <a:effectRef idx="0">
+            <a:schemeClr val="accent1"/>
+          </a:effectRef>
+          <a:fontRef idx="minor">
+            <a:schemeClr val="lt1"/>
+          </a:fontRef>
+        </p:style>
+        <p:txBody>
+          <a:bodyPr anchor="ctr"/>
+          <a:lstStyle/>
+          <a:p>
+            <a:pPr algn="ctr">
+              <a:defRPr/>
+            </a:pPr>
+            <a:endParaRPr lang="ko-KR" altLang="en-US">
+              <a:solidFill>
+                <a:schemeClr val="tx1"/>
+              </a:solidFill>
+            </a:endParaRPr>
+          </a:p>
+        </p:txBody>
+      </p:sp>
+      <p:sp>
+        <p:nvSpPr>
+          <p:cNvPr id="28" name=""/>
+          <p:cNvSpPr/>
+          <p:nvPr/>
+        </p:nvSpPr>
+        <p:spPr>
+          <a:xfrm>
+            <a:off x="830703" y="3065193"/>
+            <a:ext cx="2920589" cy="1049860"/>
+          </a:xfrm>
+          <a:prstGeom prst="flowChartProcess">
+            <a:avLst/>
+          </a:prstGeom>
+          <a:noFill/>
+          <a:ln w="25400">
+            <a:solidFill>
+              <a:schemeClr val="accent3"/>
+            </a:solidFill>
+          </a:ln>
+        </p:spPr>
+        <p:style>
+          <a:lnRef idx="2">
+            <a:schemeClr val="accent1">
+              <a:shade val="20000"/>
+            </a:schemeClr>
+          </a:lnRef>
+          <a:fillRef idx="1">
+            <a:schemeClr val="accent1"/>
+          </a:fillRef>
+          <a:effectRef idx="0">
+            <a:schemeClr val="accent1"/>
+          </a:effectRef>
+          <a:fontRef idx="minor">
+            <a:schemeClr val="lt1"/>
+          </a:fontRef>
+        </p:style>
+        <p:txBody>
+          <a:bodyPr anchor="ctr"/>
+          <a:lstStyle/>
+          <a:p>
+            <a:pPr algn="ctr">
+              <a:defRPr/>
+            </a:pPr>
+            <a:endParaRPr lang="ko-KR" altLang="en-US">
+              <a:solidFill>
+                <a:schemeClr val="tx1"/>
+              </a:solidFill>
+            </a:endParaRPr>
+          </a:p>
+        </p:txBody>
+      </p:sp>
+      <p:sp>
+        <p:nvSpPr>
+          <p:cNvPr id="29" name=""/>
+          <p:cNvSpPr/>
+          <p:nvPr/>
+        </p:nvSpPr>
+        <p:spPr>
+          <a:xfrm>
+            <a:off x="1945248" y="4360046"/>
+            <a:ext cx="2469447" cy="610962"/>
+          </a:xfrm>
+          <a:prstGeom prst="flowChartProcess">
+            <a:avLst/>
+          </a:prstGeom>
+          <a:noFill/>
+          <a:ln>
+            <a:solidFill>
+              <a:schemeClr val="accent2"/>
+            </a:solidFill>
+          </a:ln>
+        </p:spPr>
+        <p:style>
+          <a:lnRef idx="2">
+            <a:schemeClr val="accent1">
+              <a:shade val="20000"/>
+            </a:schemeClr>
+          </a:lnRef>
+          <a:fillRef idx="1">
+            <a:schemeClr val="accent1"/>
+          </a:fillRef>
+          <a:effectRef idx="0">
+            <a:schemeClr val="accent1"/>
+          </a:effectRef>
+          <a:fontRef idx="minor">
+            <a:schemeClr val="lt1"/>
+          </a:fontRef>
+        </p:style>
+        <p:txBody>
+          <a:bodyPr anchor="ctr"/>
+          <a:lstStyle/>
+          <a:p>
+            <a:pPr algn="ctr">
+              <a:defRPr/>
+            </a:pPr>
+            <a:r>
+              <a:rPr lang="ko-KR" altLang="en-US" sz="1300">
+                <a:solidFill>
+                  <a:schemeClr val="tx1"/>
+                </a:solidFill>
+              </a:rPr>
+              <a:t>성공시 넘어온 </a:t>
+            </a:r>
+            <a:r>
+              <a:rPr lang="en-US" altLang="ko-KR" sz="1300">
+                <a:solidFill>
+                  <a:schemeClr val="tx1"/>
+                </a:solidFill>
+              </a:rPr>
+              <a:t>Gcnt, BcntCount</a:t>
+            </a:r>
+            <a:r>
+              <a:rPr lang="ko-KR" altLang="en-US" sz="1300">
+                <a:solidFill>
+                  <a:schemeClr val="tx1"/>
+                </a:solidFill>
+              </a:rPr>
+              <a:t>값으로 좋아요</a:t>
+            </a:r>
+            <a:r>
+              <a:rPr lang="en-US" altLang="ko-KR" sz="1300">
+                <a:solidFill>
+                  <a:schemeClr val="tx1"/>
+                </a:solidFill>
+              </a:rPr>
+              <a:t>/</a:t>
+            </a:r>
+            <a:r>
+              <a:rPr lang="ko-KR" altLang="en-US" sz="1300">
+                <a:solidFill>
+                  <a:schemeClr val="tx1"/>
+                </a:solidFill>
+              </a:rPr>
+              <a:t>싫어요 </a:t>
+            </a:r>
+            <a:endParaRPr lang="ko-KR" altLang="en-US" sz="1300">
+              <a:solidFill>
+                <a:schemeClr val="tx1"/>
+              </a:solidFill>
+            </a:endParaRPr>
+          </a:p>
+          <a:p>
+            <a:pPr algn="ctr">
+              <a:defRPr/>
+            </a:pPr>
+            <a:r>
+              <a:rPr lang="ko-KR" altLang="en-US" sz="1300">
+                <a:solidFill>
+                  <a:schemeClr val="tx1"/>
+                </a:solidFill>
+              </a:rPr>
+              <a:t>이미지 변경</a:t>
+            </a:r>
+            <a:endParaRPr lang="ko-KR" altLang="en-US" sz="1300">
+              <a:solidFill>
+                <a:schemeClr val="tx1"/>
+              </a:solidFill>
+            </a:endParaRPr>
+          </a:p>
+        </p:txBody>
+      </p:sp>
+      <p:pic>
+        <p:nvPicPr>
+          <p:cNvPr id="31" name=""/>
+          <p:cNvPicPr>
+            <a:picLocks noChangeAspect="1"/>
+          </p:cNvPicPr>
+          <p:nvPr/>
+        </p:nvPicPr>
+        <p:blipFill rotWithShape="1">
+          <a:blip r:embed="rId6"/>
+          <a:stretch>
+            <a:fillRect/>
+          </a:stretch>
+        </p:blipFill>
+        <p:spPr>
+          <a:xfrm>
+            <a:off x="1857460" y="5637572"/>
+            <a:ext cx="1295400" cy="657225"/>
+          </a:xfrm>
+          <a:prstGeom prst="rect">
+            <a:avLst/>
+          </a:prstGeom>
+        </p:spPr>
+      </p:pic>
+      <p:sp>
+        <p:nvSpPr>
+          <p:cNvPr id="33" name=""/>
+          <p:cNvSpPr/>
+          <p:nvPr/>
+        </p:nvSpPr>
+        <p:spPr>
+          <a:xfrm>
+            <a:off x="3404175" y="5675676"/>
+            <a:ext cx="2469447" cy="610962"/>
+          </a:xfrm>
+          <a:prstGeom prst="flowChartProcess">
+            <a:avLst/>
+          </a:prstGeom>
+          <a:noFill/>
+          <a:ln>
+            <a:solidFill>
+              <a:schemeClr val="dk1"/>
+            </a:solidFill>
+          </a:ln>
+        </p:spPr>
+        <p:style>
+          <a:lnRef idx="2">
+            <a:schemeClr val="accent1">
+              <a:shade val="20000"/>
+            </a:schemeClr>
+          </a:lnRef>
+          <a:fillRef idx="1">
+            <a:schemeClr val="accent1"/>
+          </a:fillRef>
+          <a:effectRef idx="0">
+            <a:schemeClr val="accent1"/>
+          </a:effectRef>
+          <a:fontRef idx="minor">
+            <a:schemeClr val="lt1"/>
+          </a:fontRef>
+        </p:style>
+        <p:txBody>
+          <a:bodyPr anchor="ctr"/>
+          <a:lstStyle/>
+          <a:p>
+            <a:pPr algn="ctr">
+              <a:defRPr/>
+            </a:pPr>
+            <a:r>
+              <a:rPr lang="ko-KR" altLang="en-US" sz="1300">
+                <a:solidFill>
+                  <a:schemeClr val="tx1"/>
+                </a:solidFill>
+              </a:rPr>
+              <a:t>버튼 클릭 유</a:t>
+            </a:r>
+            <a:r>
+              <a:rPr lang="en-US" altLang="ko-KR" sz="1300">
+                <a:solidFill>
+                  <a:schemeClr val="tx1"/>
+                </a:solidFill>
+              </a:rPr>
+              <a:t>/</a:t>
+            </a:r>
+            <a:r>
+              <a:rPr lang="ko-KR" altLang="en-US" sz="1300">
+                <a:solidFill>
+                  <a:schemeClr val="tx1"/>
+                </a:solidFill>
+              </a:rPr>
+              <a:t>무에 따라 빈이미지</a:t>
+            </a:r>
+            <a:r>
+              <a:rPr lang="en-US" altLang="ko-KR" sz="1300">
+                <a:solidFill>
+                  <a:schemeClr val="tx1"/>
+                </a:solidFill>
+              </a:rPr>
+              <a:t>/</a:t>
+            </a:r>
+            <a:r>
+              <a:rPr lang="ko-KR" altLang="en-US" sz="1300">
+                <a:solidFill>
+                  <a:schemeClr val="tx1"/>
+                </a:solidFill>
+              </a:rPr>
+              <a:t>채워진 이미지로 변경</a:t>
+            </a:r>
+            <a:endParaRPr lang="ko-KR" altLang="en-US" sz="1300">
+              <a:solidFill>
+                <a:schemeClr val="tx1"/>
+              </a:solidFill>
+            </a:endParaRPr>
+          </a:p>
+        </p:txBody>
+      </p:sp>
+      <p:cxnSp>
+        <p:nvCxnSpPr>
+          <p:cNvPr id="34" name=""/>
+          <p:cNvCxnSpPr>
+            <a:stCxn id="18" idx="3"/>
+            <a:endCxn id="16" idx="1"/>
+          </p:cNvCxnSpPr>
+          <p:nvPr/>
+        </p:nvCxnSpPr>
+        <p:spPr>
+          <a:xfrm>
+            <a:off x="2073207" y="2233253"/>
+            <a:ext cx="284399" cy="197860"/>
+          </a:xfrm>
+          <a:prstGeom prst="line">
+            <a:avLst/>
+          </a:prstGeom>
+          <a:ln>
+            <a:solidFill>
+              <a:srgbClr val="ff6600"/>
+            </a:solidFill>
+          </a:ln>
+        </p:spPr>
+        <p:style>
+          <a:lnRef idx="2">
+            <a:schemeClr val="accent3">
+              <a:shade val="20000"/>
+            </a:schemeClr>
+          </a:lnRef>
+          <a:fillRef idx="1">
+            <a:schemeClr val="accent3"/>
+          </a:fillRef>
+          <a:effectRef idx="0">
+            <a:schemeClr val="accent3"/>
+          </a:effectRef>
+          <a:fontRef idx="minor">
+            <a:schemeClr val="lt1"/>
+          </a:fontRef>
+        </p:style>
+      </p:cxnSp>
+      <p:cxnSp>
+        <p:nvCxnSpPr>
+          <p:cNvPr id="35" name=""/>
+          <p:cNvCxnSpPr>
+            <a:stCxn id="19" idx="3"/>
+            <a:endCxn id="16" idx="1"/>
+          </p:cNvCxnSpPr>
+          <p:nvPr/>
+        </p:nvCxnSpPr>
+        <p:spPr>
+          <a:xfrm flipV="1">
+            <a:off x="1830421" y="2431114"/>
+            <a:ext cx="527184" cy="334527"/>
+          </a:xfrm>
+          <a:prstGeom prst="line">
+            <a:avLst/>
+          </a:prstGeom>
+          <a:ln>
+            <a:solidFill>
+              <a:srgbClr val="ff6600"/>
+            </a:solidFill>
+          </a:ln>
+        </p:spPr>
+        <p:style>
+          <a:lnRef idx="2">
+            <a:schemeClr val="accent3">
+              <a:shade val="20000"/>
+            </a:schemeClr>
+          </a:lnRef>
+          <a:fillRef idx="1">
+            <a:schemeClr val="accent3"/>
+          </a:fillRef>
+          <a:effectRef idx="0">
+            <a:schemeClr val="accent3"/>
+          </a:effectRef>
+          <a:fontRef idx="minor">
+            <a:schemeClr val="lt1"/>
+          </a:fontRef>
+        </p:style>
+      </p:cxnSp>
+      <p:cxnSp>
+        <p:nvCxnSpPr>
+          <p:cNvPr id="36" name=""/>
+          <p:cNvCxnSpPr>
+            <a:stCxn id="28" idx="2"/>
+            <a:endCxn id="29" idx="0"/>
+          </p:cNvCxnSpPr>
+          <p:nvPr/>
+        </p:nvCxnSpPr>
+        <p:spPr>
+          <a:xfrm>
+            <a:off x="2290998" y="4115053"/>
+            <a:ext cx="888974" cy="244993"/>
+          </a:xfrm>
+          <a:prstGeom prst="line">
+            <a:avLst/>
+          </a:prstGeom>
+          <a:ln>
+            <a:solidFill>
+              <a:srgbClr val="ff6600"/>
+            </a:solidFill>
+          </a:ln>
+        </p:spPr>
+        <p:style>
+          <a:lnRef idx="2">
+            <a:schemeClr val="accent3">
+              <a:shade val="20000"/>
+            </a:schemeClr>
+          </a:lnRef>
+          <a:fillRef idx="1">
+            <a:schemeClr val="accent3"/>
+          </a:fillRef>
+          <a:effectRef idx="0">
+            <a:schemeClr val="accent3"/>
+          </a:effectRef>
+          <a:fontRef idx="minor">
+            <a:schemeClr val="lt1"/>
+          </a:fontRef>
+        </p:style>
+      </p:cxnSp>
+      <p:cxnSp>
+        <p:nvCxnSpPr>
+          <p:cNvPr id="37" name=""/>
+          <p:cNvCxnSpPr>
+            <a:stCxn id="27" idx="3"/>
+            <a:endCxn id="25" idx="1"/>
+          </p:cNvCxnSpPr>
+          <p:nvPr/>
+        </p:nvCxnSpPr>
+        <p:spPr>
+          <a:xfrm rot="16200000" flipH="1">
+            <a:off x="6174022" y="4017409"/>
+            <a:ext cx="377574" cy="216092"/>
+          </a:xfrm>
+          <a:prstGeom prst="line">
+            <a:avLst/>
+          </a:prstGeom>
+          <a:ln>
+            <a:solidFill>
+              <a:srgbClr val="ff6600"/>
+            </a:solidFill>
+          </a:ln>
+        </p:spPr>
+        <p:style>
+          <a:lnRef idx="2">
+            <a:schemeClr val="accent3">
+              <a:shade val="20000"/>
+            </a:schemeClr>
+          </a:lnRef>
+          <a:fillRef idx="1">
+            <a:schemeClr val="accent3"/>
+          </a:fillRef>
+          <a:effectRef idx="0">
+            <a:schemeClr val="accent3"/>
+          </a:effectRef>
+          <a:fontRef idx="minor">
+            <a:schemeClr val="lt1"/>
+          </a:fontRef>
+        </p:style>
+      </p:cxnSp>
+      <p:cxnSp>
+        <p:nvCxnSpPr>
+          <p:cNvPr id="38" name=""/>
+          <p:cNvCxnSpPr>
+            <a:stCxn id="26" idx="3"/>
+            <a:endCxn id="22" idx="2"/>
+          </p:cNvCxnSpPr>
+          <p:nvPr/>
+        </p:nvCxnSpPr>
+        <p:spPr>
+          <a:xfrm flipV="1">
+            <a:off x="6532931" y="1921701"/>
+            <a:ext cx="1484773" cy="834837"/>
+          </a:xfrm>
+          <a:prstGeom prst="line">
+            <a:avLst/>
+          </a:prstGeom>
+          <a:ln>
+            <a:solidFill>
+              <a:srgbClr val="ff6600"/>
+            </a:solidFill>
+          </a:ln>
+        </p:spPr>
+        <p:style>
+          <a:lnRef idx="2">
+            <a:schemeClr val="accent3">
+              <a:shade val="20000"/>
+            </a:schemeClr>
+          </a:lnRef>
+          <a:fillRef idx="1">
+            <a:schemeClr val="accent3"/>
+          </a:fillRef>
+          <a:effectRef idx="0">
+            <a:schemeClr val="accent3"/>
+          </a:effectRef>
+          <a:fontRef idx="minor">
+            <a:schemeClr val="lt1"/>
+          </a:fontRef>
+        </p:style>
+      </p:cxnSp>
+    </p:spTree>
+  </p:cSld>
+  <p:clrMapOvr>
+    <a:masterClrMapping/>
+  </p:clrMapOvr>
+  <mc:AlternateContent xmlns:mc="http://schemas.openxmlformats.org/markup-compatibility/2006">
+    <mc:Choice xmlns:p14="http://schemas.microsoft.com/office/powerpoint/2010/main" Requires="p14">
+      <p:transition xmlns:mc="http://schemas.openxmlformats.org/markup-compatibility/2006" xmlns:p14="http://schemas.microsoft.com/office/powerpoint/2010/main" mc:Ignorable="p14" p14:dur="500"/>
+    </mc:Choice>
+    <mc:Fallback>
+      <p:transition/>
+    </mc:Fallback>
+  </mc:AlternateContent>
+</p:sld>
+</file>
+
+<file path=ppt/slides/slide11.xml><?xml version="1.0" encoding="utf-8"?>
+<p:sld xmlns:r="http://schemas.openxmlformats.org/officeDocument/2006/relationships" xmlns:c="http://schemas.openxmlformats.org/drawingml/2006/chart" xmlns:a="http://schemas.openxmlformats.org/drawingml/2006/main" xmlns:dgm="http://schemas.openxmlformats.org/drawingml/2006/diagram" xmlns:dsp="http://schemas.microsoft.com/office/drawing/2008/diagram" xmlns:p="http://schemas.openxmlformats.org/presentationml/2006/main">
+  <p:cSld>
+    <p:spTree>
+      <p:nvGrpSpPr>
+        <p:cNvPr id="1" name=""/>
+        <p:cNvGrpSpPr/>
+        <p:nvPr/>
+      </p:nvGrpSpPr>
+      <p:grpSpPr>
+        <a:xfrm>
+          <a:off x="0" y="0"/>
+          <a:ext cx="0" cy="0"/>
+          <a:chOff x="0" y="0"/>
+          <a:chExt cx="0" cy="0"/>
+        </a:xfrm>
+      </p:grpSpPr>
+      <p:sp>
+        <p:nvSpPr>
+          <p:cNvPr id="2" name="Title 1"/>
+          <p:cNvSpPr>
+            <a:spLocks noGrp="1"/>
+          </p:cNvSpPr>
+          <p:nvPr>
+            <p:ph type="title" idx="0"/>
+          </p:nvPr>
+        </p:nvSpPr>
+        <p:spPr>
+          <a:xfrm>
+            <a:off x="432000" y="432000"/>
+            <a:ext cx="1623303" cy="432000"/>
+          </a:xfrm>
+        </p:spPr>
+        <p:txBody>
+          <a:bodyPr/>
+          <a:lstStyle/>
+          <a:p>
+            <a:pPr lvl="0">
+              <a:defRPr/>
+            </a:pPr>
+            <a:r>
+              <a:rPr lang="ko-KR" altLang="en-US"/>
+              <a:t>코드리뷰</a:t>
+            </a:r>
+            <a:endParaRPr lang="en-US"/>
+          </a:p>
+        </p:txBody>
+      </p:sp>
+      <p:sp>
+        <p:nvSpPr>
+          <p:cNvPr id="9" name="Slide Number Placeholder 8"/>
+          <p:cNvSpPr>
+            <a:spLocks noGrp="1"/>
+          </p:cNvSpPr>
+          <p:nvPr>
+            <p:ph type="sldNum" sz="quarter" idx="33"/>
+          </p:nvPr>
+        </p:nvSpPr>
+        <p:spPr>
+          <a:xfrm>
+            <a:off x="11447502" y="6401750"/>
+            <a:ext cx="278418" cy="274324"/>
+          </a:xfrm>
+        </p:spPr>
+        <p:txBody>
+          <a:bodyPr/>
+          <a:lstStyle/>
+          <a:p>
+            <a:pPr lvl="0">
+              <a:defRPr/>
+            </a:pPr>
+            <a:fld id="{19B51A1E-902D-48AF-9020-955120F399B6}" type="slidenum">
+              <a:rPr lang="en-US"/>
+              <a:pPr lvl="0">
+                <a:defRPr/>
+              </a:pPr>
+              <a:t>11</a:t>
+            </a:fld>
+            <a:endParaRPr lang="en-US"/>
+          </a:p>
+        </p:txBody>
+      </p:sp>
+      <p:pic>
+        <p:nvPicPr>
+          <p:cNvPr id="8" name="그림 7"/>
+          <p:cNvPicPr>
+            <a:picLocks noChangeAspect="1"/>
+          </p:cNvPicPr>
+          <p:nvPr/>
+        </p:nvPicPr>
+        <p:blipFill rotWithShape="1">
+          <a:blip r:embed="rId3"/>
+          <a:stretch>
+            <a:fillRect/>
+          </a:stretch>
+        </p:blipFill>
+        <p:spPr>
+          <a:xfrm>
+            <a:off x="9986365" y="0"/>
+            <a:ext cx="2205635" cy="6006518"/>
+          </a:xfrm>
+          <a:prstGeom prst="rect">
+            <a:avLst/>
+          </a:prstGeom>
+        </p:spPr>
+      </p:pic>
+      <p:sp>
+        <p:nvSpPr>
+          <p:cNvPr id="10" name="직사각형 9"/>
+          <p:cNvSpPr/>
+          <p:nvPr/>
+        </p:nvSpPr>
+        <p:spPr>
+          <a:xfrm>
+            <a:off x="10075178" y="6283354"/>
+            <a:ext cx="1283516" cy="478173"/>
+          </a:xfrm>
+          <a:prstGeom prst="rect">
+            <a:avLst/>
+          </a:prstGeom>
+          <a:solidFill>
+            <a:schemeClr val="bg1"/>
+          </a:solidFill>
+          <a:ln>
+            <a:solidFill>
+              <a:schemeClr val="bg1"/>
+            </a:solidFill>
+          </a:ln>
+        </p:spPr>
+        <p:style>
+          <a:lnRef idx="2">
+            <a:schemeClr val="accent1">
+              <a:shade val="50000"/>
+            </a:schemeClr>
+          </a:lnRef>
+          <a:fillRef idx="1">
+            <a:schemeClr val="accent1"/>
+          </a:fillRef>
+          <a:effectRef idx="0">
+            <a:schemeClr val="accent1"/>
+          </a:effectRef>
+          <a:fontRef idx="minor">
+            <a:schemeClr val="lt1"/>
+          </a:fontRef>
+        </p:style>
+        <p:txBody>
+          <a:bodyPr anchor="ctr"/>
+          <a:lstStyle/>
+          <a:p>
+            <a:pPr algn="ctr">
+              <a:defRPr/>
+            </a:pPr>
+            <a:endParaRPr lang="ko-KR" altLang="en-US">
+              <a:ln w="9525">
+                <a:solidFill>
+                  <a:schemeClr val="bg1"/>
+                </a:solidFill>
+              </a:ln>
+              <a:solidFill>
+                <a:schemeClr val="bg1"/>
+              </a:solidFill>
+            </a:endParaRPr>
+          </a:p>
+        </p:txBody>
+      </p:sp>
+      <p:sp>
+        <p:nvSpPr>
+          <p:cNvPr id="11" name="Title 1"/>
+          <p:cNvSpPr txBox="1"/>
+          <p:nvPr/>
+        </p:nvSpPr>
+        <p:spPr>
+          <a:xfrm>
+            <a:off x="2136363" y="429171"/>
+            <a:ext cx="4184916" cy="431999"/>
+          </a:xfrm>
+          <a:prstGeom prst="rect">
+            <a:avLst/>
+          </a:prstGeom>
+        </p:spPr>
+        <p:txBody>
+          <a:bodyPr vert="horz" lIns="0" tIns="0" rIns="0" bIns="0" anchor="ctr">
+            <a:noAutofit/>
+          </a:bodyPr>
+          <a:lstStyle>
+            <a:lvl1pPr algn="l" defTabSz="914400" rtl="0" eaLnBrk="1" latinLnBrk="1" hangingPunct="1">
+              <a:lnSpc>
+                <a:spcPct val="90000"/>
+              </a:lnSpc>
+              <a:spcBef>
+                <a:spcPct val="0"/>
+              </a:spcBef>
+              <a:buNone/>
+              <a:defRPr sz="3200" b="1" kern="1200" cap="all" spc="-150" baseline="0">
+                <a:solidFill>
+                  <a:schemeClr val="tx1"/>
+                </a:solidFill>
+                <a:latin typeface="+mj-lt"/>
+                <a:ea typeface="+mj-ea"/>
+                <a:cs typeface="+mj-cs"/>
+              </a:defRPr>
+            </a:lvl1pPr>
+          </a:lstStyle>
+          <a:p>
+            <a:pPr lvl="0">
+              <a:defRPr/>
+            </a:pPr>
+            <a:r>
+              <a:rPr lang="en-US" altLang="ko-KR">
+                <a:solidFill>
+                  <a:schemeClr val="tx1">
+                    <a:lumMod val="50000"/>
+                    <a:lumOff val="50000"/>
+                  </a:schemeClr>
+                </a:solidFill>
+              </a:rPr>
+              <a:t>(</a:t>
+            </a:r>
+            <a:r>
+              <a:rPr lang="ko-KR" altLang="en-US">
+                <a:solidFill>
+                  <a:schemeClr val="tx1">
+                    <a:lumMod val="50000"/>
+                    <a:lumOff val="50000"/>
+                  </a:schemeClr>
+                </a:solidFill>
+              </a:rPr>
+              <a:t>실시간 영화 순위</a:t>
+            </a:r>
+            <a:r>
+              <a:rPr lang="en-US" altLang="ko-KR">
+                <a:solidFill>
+                  <a:schemeClr val="tx1">
+                    <a:lumMod val="50000"/>
+                    <a:lumOff val="50000"/>
+                  </a:schemeClr>
+                </a:solidFill>
+              </a:rPr>
+              <a:t>)</a:t>
+            </a:r>
+            <a:endParaRPr lang="en-US" altLang="ko-KR">
+              <a:solidFill>
+                <a:schemeClr val="tx1">
+                  <a:lumMod val="50000"/>
+                  <a:lumOff val="50000"/>
+                </a:schemeClr>
+              </a:solidFill>
+            </a:endParaRPr>
+          </a:p>
+        </p:txBody>
+      </p:sp>
+      <p:sp>
+        <p:nvSpPr>
+          <p:cNvPr id="12" name="TextBox 11"/>
+          <p:cNvSpPr txBox="1"/>
+          <p:nvPr/>
+        </p:nvSpPr>
+        <p:spPr>
+          <a:xfrm>
+            <a:off x="10151470" y="6010406"/>
+            <a:ext cx="937712" cy="761868"/>
+          </a:xfrm>
+          <a:prstGeom prst="rect">
+            <a:avLst/>
+          </a:prstGeom>
+          <a:noFill/>
+        </p:spPr>
+        <p:txBody>
+          <a:bodyPr wrap="square" lIns="0" tIns="36000" rIns="0" bIns="0">
+            <a:spAutoFit/>
+          </a:bodyPr>
+          <a:lstStyle/>
+          <a:p>
+            <a:pPr algn="r">
+              <a:lnSpc>
+                <a:spcPct val="150000"/>
+              </a:lnSpc>
+              <a:defRPr/>
+            </a:pPr>
+            <a:r>
+              <a:rPr lang="en-US" sz="1600" b="1" spc="-100" baseline="0">
+                <a:solidFill>
+                  <a:schemeClr val="tx1"/>
+                </a:solidFill>
+                <a:latin typeface="Corbel"/>
+              </a:rPr>
+              <a:t>KOSMO </a:t>
+            </a:r>
+            <a:r>
+              <a:rPr lang="en-US" sz="1600" b="1" spc="-100">
+                <a:latin typeface="Corbel"/>
+              </a:rPr>
+              <a:t> 77</a:t>
+            </a:r>
+            <a:r>
+              <a:rPr lang="ko-KR" altLang="en-US" sz="1600" b="1" spc="-100">
+                <a:latin typeface="Corbel"/>
+              </a:rPr>
+              <a:t> </a:t>
+            </a:r>
+            <a:endParaRPr lang="ko-KR" altLang="en-US" sz="1600" b="1" spc="-100">
+              <a:latin typeface="Corbel"/>
+            </a:endParaRPr>
+          </a:p>
+          <a:p>
+            <a:pPr algn="r">
+              <a:lnSpc>
+                <a:spcPct val="150000"/>
+              </a:lnSpc>
+              <a:defRPr/>
+            </a:pPr>
+            <a:r>
+              <a:rPr lang="ko-KR" altLang="en-US" sz="1600" b="1" spc="-100">
+                <a:latin typeface="Corbel"/>
+              </a:rPr>
+              <a:t> 개발 </a:t>
+            </a:r>
+            <a:r>
+              <a:rPr lang="en-US" altLang="ko-KR" sz="1600" b="1" spc="-100">
+                <a:latin typeface="Corbel"/>
+              </a:rPr>
+              <a:t>5</a:t>
+            </a:r>
+            <a:r>
+              <a:rPr lang="ko-KR" altLang="en-US" sz="1600" b="1" spc="-100">
+                <a:latin typeface="Corbel"/>
+              </a:rPr>
+              <a:t>팀</a:t>
+            </a:r>
+            <a:endParaRPr lang="en-US" sz="1600" b="1" spc="-100" baseline="0">
+              <a:solidFill>
+                <a:schemeClr val="tx1"/>
+              </a:solidFill>
+              <a:latin typeface="Corbel"/>
+            </a:endParaRPr>
+          </a:p>
+        </p:txBody>
+      </p:sp>
+      <p:pic>
+        <p:nvPicPr>
+          <p:cNvPr id="39" name=""/>
+          <p:cNvPicPr>
+            <a:picLocks noChangeAspect="1"/>
+          </p:cNvPicPr>
+          <p:nvPr/>
+        </p:nvPicPr>
+        <p:blipFill rotWithShape="1">
+          <a:blip r:embed="rId4"/>
+          <a:stretch>
+            <a:fillRect/>
+          </a:stretch>
+        </p:blipFill>
+        <p:spPr>
+          <a:xfrm>
+            <a:off x="130993" y="3160594"/>
+            <a:ext cx="3661014" cy="3545069"/>
+          </a:xfrm>
+          <a:prstGeom prst="rect">
+            <a:avLst/>
+          </a:prstGeom>
+        </p:spPr>
+      </p:pic>
+      <p:pic>
+        <p:nvPicPr>
+          <p:cNvPr id="40" name=""/>
+          <p:cNvPicPr>
+            <a:picLocks noChangeAspect="1"/>
+          </p:cNvPicPr>
+          <p:nvPr/>
+        </p:nvPicPr>
+        <p:blipFill rotWithShape="1">
+          <a:blip r:embed="rId5"/>
+          <a:stretch>
+            <a:fillRect/>
+          </a:stretch>
+        </p:blipFill>
+        <p:spPr>
+          <a:xfrm>
+            <a:off x="4427089" y="3665459"/>
+            <a:ext cx="1030531" cy="1438359"/>
+          </a:xfrm>
+          <a:prstGeom prst="rect">
+            <a:avLst/>
+          </a:prstGeom>
+        </p:spPr>
+      </p:pic>
+      <p:sp>
+        <p:nvSpPr>
+          <p:cNvPr id="16" name=""/>
+          <p:cNvSpPr/>
+          <p:nvPr/>
+        </p:nvSpPr>
+        <p:spPr>
+          <a:xfrm>
+            <a:off x="4173293" y="2970033"/>
+            <a:ext cx="2756040" cy="610962"/>
+          </a:xfrm>
+          <a:prstGeom prst="flowChartProcess">
+            <a:avLst/>
+          </a:prstGeom>
+          <a:noFill/>
+          <a:ln>
+            <a:solidFill>
+              <a:schemeClr val="accent2"/>
+            </a:solidFill>
+          </a:ln>
+        </p:spPr>
+        <p:style>
+          <a:lnRef idx="2">
+            <a:schemeClr val="accent1">
+              <a:shade val="20000"/>
+            </a:schemeClr>
+          </a:lnRef>
+          <a:fillRef idx="1">
+            <a:schemeClr val="accent1"/>
+          </a:fillRef>
+          <a:effectRef idx="0">
+            <a:schemeClr val="accent1"/>
+          </a:effectRef>
+          <a:fontRef idx="minor">
+            <a:schemeClr val="lt1"/>
+          </a:fontRef>
+        </p:style>
+        <p:txBody>
+          <a:bodyPr anchor="ctr"/>
+          <a:lstStyle/>
+          <a:p>
+            <a:pPr algn="ctr">
+              <a:defRPr/>
+            </a:pPr>
+            <a:r>
+              <a:rPr lang="ko-KR" altLang="en-US" sz="1300">
+                <a:solidFill>
+                  <a:schemeClr val="tx1"/>
+                </a:solidFill>
+              </a:rPr>
+              <a:t>조회할 날짜를 계산하여 </a:t>
+            </a:r>
+            <a:endParaRPr lang="ko-KR" altLang="en-US" sz="1300">
+              <a:solidFill>
+                <a:schemeClr val="tx1"/>
+              </a:solidFill>
+            </a:endParaRPr>
+          </a:p>
+          <a:p>
+            <a:pPr algn="ctr">
+              <a:defRPr/>
+            </a:pPr>
+            <a:r>
+              <a:rPr lang="ko-KR" altLang="en-US" sz="1300">
+                <a:solidFill>
+                  <a:schemeClr val="tx1"/>
+                </a:solidFill>
+              </a:rPr>
+              <a:t>변수 </a:t>
+            </a:r>
+            <a:r>
+              <a:rPr lang="en-US" altLang="ko-KR" sz="1300">
+                <a:solidFill>
+                  <a:schemeClr val="tx1"/>
+                </a:solidFill>
+              </a:rPr>
+              <a:t>result</a:t>
+            </a:r>
+            <a:r>
+              <a:rPr lang="ko-KR" altLang="en-US" sz="1300">
+                <a:solidFill>
+                  <a:schemeClr val="tx1"/>
+                </a:solidFill>
+              </a:rPr>
+              <a:t>에 담고</a:t>
+            </a:r>
+            <a:r>
+              <a:rPr lang="en-US" altLang="ko-KR" sz="1300">
+                <a:solidFill>
+                  <a:schemeClr val="tx1"/>
+                </a:solidFill>
+              </a:rPr>
+              <a:t> targetDt</a:t>
+            </a:r>
+            <a:r>
+              <a:rPr lang="ko-KR" altLang="en-US" sz="1300">
+                <a:solidFill>
+                  <a:schemeClr val="tx1"/>
+                </a:solidFill>
+              </a:rPr>
+              <a:t>에 입력</a:t>
+            </a:r>
+            <a:endParaRPr lang="ko-KR" altLang="en-US" sz="1300">
+              <a:solidFill>
+                <a:schemeClr val="tx1"/>
+              </a:solidFill>
+            </a:endParaRPr>
+          </a:p>
+          <a:p>
+            <a:pPr algn="ctr">
+              <a:defRPr/>
+            </a:pPr>
+            <a:r>
+              <a:rPr lang="en-US" altLang="ko-KR" sz="1300">
+                <a:solidFill>
+                  <a:schemeClr val="tx1"/>
+                </a:solidFill>
+              </a:rPr>
+              <a:t>itemPerPage</a:t>
+            </a:r>
+            <a:r>
+              <a:rPr lang="ko-KR" altLang="en-US" sz="1300">
+                <a:solidFill>
+                  <a:schemeClr val="tx1"/>
+                </a:solidFill>
+              </a:rPr>
+              <a:t>는 결과 개수 지정</a:t>
+            </a:r>
+            <a:endParaRPr lang="ko-KR" altLang="en-US" sz="1300">
+              <a:solidFill>
+                <a:schemeClr val="tx1"/>
+              </a:solidFill>
+            </a:endParaRPr>
+          </a:p>
+        </p:txBody>
+      </p:sp>
+      <p:sp>
+        <p:nvSpPr>
+          <p:cNvPr id="18" name=""/>
+          <p:cNvSpPr/>
+          <p:nvPr/>
+        </p:nvSpPr>
+        <p:spPr>
+          <a:xfrm>
+            <a:off x="478783" y="3573854"/>
+            <a:ext cx="3181895" cy="257474"/>
+          </a:xfrm>
+          <a:prstGeom prst="flowChartProcess">
+            <a:avLst/>
+          </a:prstGeom>
+          <a:noFill/>
+          <a:ln w="25400">
+            <a:solidFill>
+              <a:schemeClr val="accent3"/>
+            </a:solidFill>
+          </a:ln>
+        </p:spPr>
+        <p:style>
+          <a:lnRef idx="2">
+            <a:schemeClr val="accent1">
+              <a:shade val="20000"/>
+            </a:schemeClr>
+          </a:lnRef>
+          <a:fillRef idx="1">
+            <a:schemeClr val="accent1"/>
+          </a:fillRef>
+          <a:effectRef idx="0">
+            <a:schemeClr val="accent1"/>
+          </a:effectRef>
+          <a:fontRef idx="minor">
+            <a:schemeClr val="lt1"/>
+          </a:fontRef>
+        </p:style>
+        <p:txBody>
+          <a:bodyPr anchor="ctr"/>
+          <a:lstStyle/>
+          <a:p>
+            <a:pPr algn="ctr">
+              <a:defRPr/>
+            </a:pPr>
+            <a:endParaRPr lang="ko-KR" altLang="en-US">
+              <a:solidFill>
+                <a:schemeClr val="tx1"/>
+              </a:solidFill>
+            </a:endParaRPr>
+          </a:p>
+        </p:txBody>
+      </p:sp>
+      <p:sp>
+        <p:nvSpPr>
+          <p:cNvPr id="41" name="Text Placeholder 2"/>
+          <p:cNvSpPr txBox="1"/>
+          <p:nvPr/>
+        </p:nvSpPr>
+        <p:spPr>
+          <a:xfrm>
+            <a:off x="5376694" y="506614"/>
+            <a:ext cx="4499753" cy="360000"/>
+          </a:xfrm>
+          <a:prstGeom prst="rect">
+            <a:avLst/>
+          </a:prstGeom>
+        </p:spPr>
+        <p:txBody>
+          <a:bodyPr vert="horz" lIns="0" tIns="0" rIns="0" bIns="0">
+            <a:noAutofit/>
+          </a:bodyPr>
+          <a:lstStyle/>
+          <a:p>
+            <a:pPr lvl="0">
+              <a:defRPr/>
+            </a:pPr>
+            <a:r>
+              <a:rPr lang="ko-KR" altLang="en-US">
+                <a:latin typeface="함초롬돋움"/>
+                <a:ea typeface="함초롬돋움"/>
+                <a:cs typeface="함초롬돋움"/>
+              </a:rPr>
+              <a:t>한국영화진흥위원회</a:t>
+            </a:r>
+            <a:r>
+              <a:rPr lang="en-US" altLang="ko-KR">
+                <a:latin typeface="함초롬돋움"/>
+                <a:ea typeface="함초롬돋움"/>
+                <a:cs typeface="함초롬돋움"/>
+              </a:rPr>
+              <a:t>API, </a:t>
+            </a:r>
+            <a:r>
+              <a:rPr lang="ko-KR" altLang="en-US">
+                <a:latin typeface="함초롬돋움"/>
+                <a:ea typeface="함초롬돋움"/>
+                <a:cs typeface="함초롬돋움"/>
+              </a:rPr>
+              <a:t>네이버검색</a:t>
+            </a:r>
+            <a:r>
+              <a:rPr lang="en-US" altLang="ko-KR">
+                <a:latin typeface="함초롬돋움"/>
+                <a:ea typeface="함초롬돋움"/>
+                <a:cs typeface="함초롬돋움"/>
+              </a:rPr>
+              <a:t>API</a:t>
+            </a:r>
+            <a:endParaRPr lang="en-US" altLang="ko-KR">
+              <a:latin typeface="함초롬돋움"/>
+              <a:ea typeface="함초롬돋움"/>
+              <a:cs typeface="함초롬돋움"/>
+            </a:endParaRPr>
+          </a:p>
+        </p:txBody>
+      </p:sp>
+      <p:sp>
+        <p:nvSpPr>
+          <p:cNvPr id="42" name=""/>
+          <p:cNvSpPr/>
+          <p:nvPr/>
+        </p:nvSpPr>
+        <p:spPr>
+          <a:xfrm>
+            <a:off x="3046103" y="5232670"/>
+            <a:ext cx="3049897" cy="985882"/>
+          </a:xfrm>
+          <a:prstGeom prst="flowChartProcess">
+            <a:avLst/>
+          </a:prstGeom>
+          <a:noFill/>
+          <a:ln>
+            <a:solidFill>
+              <a:schemeClr val="accent2"/>
+            </a:solidFill>
+          </a:ln>
+        </p:spPr>
+        <p:style>
+          <a:lnRef idx="2">
+            <a:schemeClr val="accent1">
+              <a:shade val="20000"/>
+            </a:schemeClr>
+          </a:lnRef>
+          <a:fillRef idx="1">
+            <a:schemeClr val="accent1"/>
+          </a:fillRef>
+          <a:effectRef idx="0">
+            <a:schemeClr val="accent1"/>
+          </a:effectRef>
+          <a:fontRef idx="minor">
+            <a:schemeClr val="lt1"/>
+          </a:fontRef>
+        </p:style>
+        <p:txBody>
+          <a:bodyPr anchor="ctr"/>
+          <a:lstStyle/>
+          <a:p>
+            <a:pPr algn="ctr">
+              <a:defRPr/>
+            </a:pPr>
+            <a:r>
+              <a:rPr lang="ko-KR" altLang="en-US" sz="1300">
+                <a:solidFill>
+                  <a:schemeClr val="tx1"/>
+                </a:solidFill>
+              </a:rPr>
+              <a:t>한국영화진흥위원회</a:t>
+            </a:r>
+            <a:r>
+              <a:rPr lang="en-US" altLang="ko-KR" sz="1300">
+                <a:solidFill>
+                  <a:schemeClr val="tx1"/>
+                </a:solidFill>
+              </a:rPr>
+              <a:t>API</a:t>
+            </a:r>
+            <a:r>
+              <a:rPr lang="ko-KR" altLang="en-US" sz="1300">
+                <a:solidFill>
+                  <a:schemeClr val="tx1"/>
+                </a:solidFill>
+              </a:rPr>
+              <a:t>에는 </a:t>
+            </a:r>
+            <a:endParaRPr lang="ko-KR" altLang="en-US" sz="1300">
+              <a:solidFill>
+                <a:schemeClr val="tx1"/>
+              </a:solidFill>
+            </a:endParaRPr>
+          </a:p>
+          <a:p>
+            <a:pPr algn="ctr">
+              <a:defRPr/>
+            </a:pPr>
+            <a:r>
+              <a:rPr lang="ko-KR" altLang="en-US" sz="1300">
+                <a:solidFill>
+                  <a:schemeClr val="tx1"/>
+                </a:solidFill>
+              </a:rPr>
+              <a:t>영화 포스터를 제공하지 않기 때문에</a:t>
+            </a:r>
+            <a:r>
+              <a:rPr lang="en-US" altLang="ko-KR" sz="1300">
+                <a:solidFill>
+                  <a:schemeClr val="tx1"/>
+                </a:solidFill>
+              </a:rPr>
+              <a:t>,</a:t>
+            </a:r>
+            <a:endParaRPr lang="en-US" altLang="ko-KR" sz="1300">
+              <a:solidFill>
+                <a:schemeClr val="tx1"/>
+              </a:solidFill>
+            </a:endParaRPr>
+          </a:p>
+          <a:p>
+            <a:pPr algn="ctr">
+              <a:defRPr/>
+            </a:pPr>
+            <a:r>
+              <a:rPr lang="ko-KR" altLang="en-US" sz="1300">
+                <a:solidFill>
+                  <a:schemeClr val="tx1"/>
+                </a:solidFill>
+              </a:rPr>
+              <a:t>위에서 얻은 순위별 영화이름을 </a:t>
+            </a:r>
+            <a:endParaRPr lang="ko-KR" altLang="en-US" sz="1300">
+              <a:solidFill>
+                <a:schemeClr val="tx1"/>
+              </a:solidFill>
+            </a:endParaRPr>
+          </a:p>
+          <a:p>
+            <a:pPr algn="ctr">
+              <a:defRPr/>
+            </a:pPr>
+            <a:r>
+              <a:rPr lang="ko-KR" altLang="en-US" sz="1300">
+                <a:solidFill>
+                  <a:schemeClr val="tx1"/>
+                </a:solidFill>
+              </a:rPr>
+              <a:t>네이버검색</a:t>
+            </a:r>
+            <a:r>
+              <a:rPr lang="en-US" altLang="ko-KR" sz="1300">
+                <a:solidFill>
+                  <a:schemeClr val="tx1"/>
+                </a:solidFill>
+              </a:rPr>
+              <a:t>API</a:t>
+            </a:r>
+            <a:r>
+              <a:rPr lang="ko-KR" altLang="en-US" sz="1300">
+                <a:solidFill>
+                  <a:schemeClr val="tx1"/>
+                </a:solidFill>
+              </a:rPr>
+              <a:t>에 입력하여 포스터 출력</a:t>
+            </a:r>
+            <a:endParaRPr lang="ko-KR" altLang="en-US" sz="1300">
+              <a:solidFill>
+                <a:schemeClr val="tx1"/>
+              </a:solidFill>
+            </a:endParaRPr>
+          </a:p>
+        </p:txBody>
+      </p:sp>
+      <p:sp>
+        <p:nvSpPr>
+          <p:cNvPr id="43" name=""/>
+          <p:cNvSpPr/>
+          <p:nvPr/>
+        </p:nvSpPr>
+        <p:spPr>
+          <a:xfrm>
+            <a:off x="621050" y="4871280"/>
+            <a:ext cx="2128065" cy="125745"/>
+          </a:xfrm>
+          <a:prstGeom prst="flowChartProcess">
+            <a:avLst/>
+          </a:prstGeom>
+          <a:noFill/>
+          <a:ln w="25400">
+            <a:solidFill>
+              <a:schemeClr val="accent3"/>
+            </a:solidFill>
+          </a:ln>
+        </p:spPr>
+        <p:style>
+          <a:lnRef idx="2">
+            <a:schemeClr val="accent1">
+              <a:shade val="20000"/>
+            </a:schemeClr>
+          </a:lnRef>
+          <a:fillRef idx="1">
+            <a:schemeClr val="accent1"/>
+          </a:fillRef>
+          <a:effectRef idx="0">
+            <a:schemeClr val="accent1"/>
+          </a:effectRef>
+          <a:fontRef idx="minor">
+            <a:schemeClr val="lt1"/>
+          </a:fontRef>
+        </p:style>
+        <p:txBody>
+          <a:bodyPr anchor="ctr"/>
+          <a:lstStyle/>
+          <a:p>
+            <a:pPr algn="ctr">
+              <a:defRPr/>
+            </a:pPr>
+            <a:endParaRPr lang="ko-KR" altLang="en-US">
+              <a:solidFill>
+                <a:schemeClr val="tx1"/>
+              </a:solidFill>
+            </a:endParaRPr>
+          </a:p>
+        </p:txBody>
+      </p:sp>
+      <p:sp>
+        <p:nvSpPr>
+          <p:cNvPr id="44" name=""/>
+          <p:cNvSpPr/>
+          <p:nvPr/>
+        </p:nvSpPr>
+        <p:spPr>
+          <a:xfrm>
+            <a:off x="732918" y="5277004"/>
+            <a:ext cx="922240" cy="85213"/>
+          </a:xfrm>
+          <a:prstGeom prst="flowChartProcess">
+            <a:avLst/>
+          </a:prstGeom>
+          <a:noFill/>
+          <a:ln w="25400">
+            <a:solidFill>
+              <a:schemeClr val="accent3"/>
+            </a:solidFill>
+          </a:ln>
+        </p:spPr>
+        <p:style>
+          <a:lnRef idx="2">
+            <a:schemeClr val="accent1">
+              <a:shade val="20000"/>
+            </a:schemeClr>
+          </a:lnRef>
+          <a:fillRef idx="1">
+            <a:schemeClr val="accent1"/>
+          </a:fillRef>
+          <a:effectRef idx="0">
+            <a:schemeClr val="accent1"/>
+          </a:effectRef>
+          <a:fontRef idx="minor">
+            <a:schemeClr val="lt1"/>
+          </a:fontRef>
+        </p:style>
+        <p:txBody>
+          <a:bodyPr anchor="ctr"/>
+          <a:lstStyle/>
+          <a:p>
+            <a:pPr algn="ctr">
+              <a:defRPr/>
+            </a:pPr>
+            <a:endParaRPr lang="ko-KR" altLang="en-US">
+              <a:solidFill>
+                <a:schemeClr val="tx1"/>
+              </a:solidFill>
+            </a:endParaRPr>
+          </a:p>
+        </p:txBody>
+      </p:sp>
+      <p:pic>
+        <p:nvPicPr>
+          <p:cNvPr id="45" name=""/>
+          <p:cNvPicPr>
+            <a:picLocks noChangeAspect="1"/>
+          </p:cNvPicPr>
+          <p:nvPr/>
+        </p:nvPicPr>
+        <p:blipFill rotWithShape="1">
+          <a:blip r:embed="rId6"/>
+          <a:stretch>
+            <a:fillRect/>
+          </a:stretch>
+        </p:blipFill>
+        <p:spPr>
+          <a:xfrm>
+            <a:off x="6207462" y="4379978"/>
+            <a:ext cx="3726504" cy="2128549"/>
+          </a:xfrm>
+          <a:prstGeom prst="rect">
+            <a:avLst/>
+          </a:prstGeom>
+        </p:spPr>
+      </p:pic>
+      <p:sp>
+        <p:nvSpPr>
+          <p:cNvPr id="46" name=""/>
+          <p:cNvSpPr/>
+          <p:nvPr/>
+        </p:nvSpPr>
+        <p:spPr>
+          <a:xfrm>
+            <a:off x="6397252" y="5292373"/>
+            <a:ext cx="3465618" cy="115611"/>
+          </a:xfrm>
+          <a:prstGeom prst="flowChartProcess">
+            <a:avLst/>
+          </a:prstGeom>
+          <a:noFill/>
+          <a:ln w="25400">
+            <a:solidFill>
+              <a:schemeClr val="accent3"/>
+            </a:solidFill>
+          </a:ln>
+        </p:spPr>
+        <p:style>
+          <a:lnRef idx="2">
+            <a:schemeClr val="accent1">
+              <a:shade val="20000"/>
+            </a:schemeClr>
+          </a:lnRef>
+          <a:fillRef idx="1">
+            <a:schemeClr val="accent1"/>
+          </a:fillRef>
+          <a:effectRef idx="0">
+            <a:schemeClr val="accent1"/>
+          </a:effectRef>
+          <a:fontRef idx="minor">
+            <a:schemeClr val="lt1"/>
+          </a:fontRef>
+        </p:style>
+        <p:txBody>
+          <a:bodyPr anchor="ctr"/>
+          <a:lstStyle/>
+          <a:p>
+            <a:pPr algn="ctr">
+              <a:defRPr/>
+            </a:pPr>
+            <a:endParaRPr lang="ko-KR" altLang="en-US">
+              <a:solidFill>
+                <a:schemeClr val="tx1"/>
+              </a:solidFill>
+            </a:endParaRPr>
+          </a:p>
+        </p:txBody>
+      </p:sp>
+      <p:pic>
+        <p:nvPicPr>
+          <p:cNvPr id="53" name=""/>
+          <p:cNvPicPr>
+            <a:picLocks noChangeAspect="1"/>
+          </p:cNvPicPr>
+          <p:nvPr/>
+        </p:nvPicPr>
+        <p:blipFill rotWithShape="1">
+          <a:blip r:embed="rId7"/>
+          <a:stretch>
+            <a:fillRect/>
+          </a:stretch>
+        </p:blipFill>
+        <p:spPr>
+          <a:xfrm>
+            <a:off x="1474550" y="918349"/>
+            <a:ext cx="2427756" cy="1940871"/>
+          </a:xfrm>
+          <a:prstGeom prst="rect">
+            <a:avLst/>
+          </a:prstGeom>
+        </p:spPr>
+      </p:pic>
+      <p:pic>
+        <p:nvPicPr>
+          <p:cNvPr id="54" name=""/>
+          <p:cNvPicPr>
+            <a:picLocks noChangeAspect="1"/>
+          </p:cNvPicPr>
+          <p:nvPr/>
+        </p:nvPicPr>
+        <p:blipFill rotWithShape="1">
+          <a:blip r:embed="rId8"/>
+          <a:stretch>
+            <a:fillRect/>
+          </a:stretch>
+        </p:blipFill>
+        <p:spPr>
+          <a:xfrm>
+            <a:off x="7191985" y="946622"/>
+            <a:ext cx="2587104" cy="3317335"/>
+          </a:xfrm>
+          <a:prstGeom prst="rect">
+            <a:avLst/>
+          </a:prstGeom>
+        </p:spPr>
+      </p:pic>
+      <p:cxnSp>
+        <p:nvCxnSpPr>
+          <p:cNvPr id="56" name=""/>
+          <p:cNvCxnSpPr>
+            <a:stCxn id="44" idx="3"/>
+            <a:endCxn id="42" idx="1"/>
+          </p:cNvCxnSpPr>
+          <p:nvPr/>
+        </p:nvCxnSpPr>
+        <p:spPr>
+          <a:xfrm>
+            <a:off x="1655159" y="5319611"/>
+            <a:ext cx="1390944" cy="406000"/>
+          </a:xfrm>
+          <a:prstGeom prst="line">
+            <a:avLst/>
+          </a:prstGeom>
+          <a:ln>
+            <a:solidFill>
+              <a:srgbClr val="ff6600"/>
+            </a:solidFill>
+          </a:ln>
+        </p:spPr>
+        <p:style>
+          <a:lnRef idx="1">
+            <a:schemeClr val="accent1"/>
+          </a:lnRef>
+          <a:fillRef idx="0">
+            <a:schemeClr val="accent1"/>
+          </a:fillRef>
+          <a:effectRef idx="0">
+            <a:schemeClr val="accent1"/>
+          </a:effectRef>
+          <a:fontRef idx="minor">
+            <a:schemeClr val="tx1"/>
+          </a:fontRef>
+        </p:style>
+      </p:cxnSp>
+      <p:cxnSp>
+        <p:nvCxnSpPr>
+          <p:cNvPr id="57" name=""/>
+          <p:cNvCxnSpPr>
+            <a:stCxn id="43" idx="3"/>
+            <a:endCxn id="42" idx="1"/>
+          </p:cNvCxnSpPr>
+          <p:nvPr/>
+        </p:nvCxnSpPr>
+        <p:spPr>
+          <a:xfrm rot="16200000" flipH="1">
+            <a:off x="2501880" y="5181388"/>
+            <a:ext cx="791458" cy="296987"/>
+          </a:xfrm>
+          <a:prstGeom prst="line">
+            <a:avLst/>
+          </a:prstGeom>
+          <a:ln>
+            <a:solidFill>
+              <a:srgbClr val="ff6600"/>
+            </a:solidFill>
+          </a:ln>
+        </p:spPr>
+        <p:style>
+          <a:lnRef idx="1">
+            <a:schemeClr val="accent1"/>
+          </a:lnRef>
+          <a:fillRef idx="0">
+            <a:schemeClr val="accent1"/>
+          </a:fillRef>
+          <a:effectRef idx="0">
+            <a:schemeClr val="accent1"/>
+          </a:effectRef>
+          <a:fontRef idx="minor">
+            <a:schemeClr val="tx1"/>
+          </a:fontRef>
+        </p:style>
+      </p:cxnSp>
+      <p:cxnSp>
+        <p:nvCxnSpPr>
+          <p:cNvPr id="58" name=""/>
+          <p:cNvCxnSpPr>
+            <a:stCxn id="46" idx="1"/>
+            <a:endCxn id="42" idx="3"/>
+          </p:cNvCxnSpPr>
+          <p:nvPr/>
+        </p:nvCxnSpPr>
+        <p:spPr>
+          <a:xfrm rot="5400000">
+            <a:off x="6058910" y="5387269"/>
+            <a:ext cx="375432" cy="301252"/>
+          </a:xfrm>
+          <a:prstGeom prst="line">
+            <a:avLst/>
+          </a:prstGeom>
+          <a:ln>
+            <a:solidFill>
+              <a:srgbClr val="ff6600"/>
+            </a:solidFill>
+          </a:ln>
+        </p:spPr>
+        <p:style>
+          <a:lnRef idx="1">
+            <a:schemeClr val="accent1"/>
+          </a:lnRef>
+          <a:fillRef idx="0">
+            <a:schemeClr val="accent1"/>
+          </a:fillRef>
+          <a:effectRef idx="0">
+            <a:schemeClr val="accent1"/>
+          </a:effectRef>
+          <a:fontRef idx="minor">
+            <a:schemeClr val="tx1"/>
+          </a:fontRef>
+        </p:style>
+      </p:cxnSp>
+      <p:cxnSp>
+        <p:nvCxnSpPr>
+          <p:cNvPr id="59" name=""/>
+          <p:cNvCxnSpPr>
+            <a:stCxn id="18" idx="3"/>
+            <a:endCxn id="40" idx="1"/>
+          </p:cNvCxnSpPr>
+          <p:nvPr/>
+        </p:nvCxnSpPr>
+        <p:spPr>
+          <a:xfrm>
+            <a:off x="3660678" y="3702591"/>
+            <a:ext cx="766411" cy="682047"/>
+          </a:xfrm>
+          <a:prstGeom prst="line">
+            <a:avLst/>
+          </a:prstGeom>
+          <a:ln>
+            <a:solidFill>
+              <a:srgbClr val="ff6600"/>
+            </a:solidFill>
+          </a:ln>
+        </p:spPr>
+        <p:style>
+          <a:lnRef idx="1">
+            <a:schemeClr val="accent1"/>
+          </a:lnRef>
+          <a:fillRef idx="0">
+            <a:schemeClr val="accent1"/>
+          </a:fillRef>
+          <a:effectRef idx="0">
+            <a:schemeClr val="accent1"/>
+          </a:effectRef>
+          <a:fontRef idx="minor">
+            <a:schemeClr val="tx1"/>
+          </a:fontRef>
+        </p:style>
+      </p:cxnSp>
+      <p:cxnSp>
+        <p:nvCxnSpPr>
+          <p:cNvPr id="60" name=""/>
+          <p:cNvCxnSpPr>
+            <a:stCxn id="18" idx="3"/>
+            <a:endCxn id="16" idx="1"/>
+          </p:cNvCxnSpPr>
+          <p:nvPr/>
+        </p:nvCxnSpPr>
+        <p:spPr>
+          <a:xfrm flipV="1">
+            <a:off x="3660678" y="3275515"/>
+            <a:ext cx="512615" cy="427076"/>
+          </a:xfrm>
+          <a:prstGeom prst="line">
+            <a:avLst/>
+          </a:prstGeom>
+          <a:ln>
+            <a:solidFill>
+              <a:srgbClr val="ff6600"/>
+            </a:solidFill>
+          </a:ln>
+        </p:spPr>
+        <p:style>
+          <a:lnRef idx="1">
+            <a:schemeClr val="accent1"/>
+          </a:lnRef>
+          <a:fillRef idx="0">
+            <a:schemeClr val="accent1"/>
+          </a:fillRef>
+          <a:effectRef idx="0">
+            <a:schemeClr val="accent1"/>
+          </a:effectRef>
+          <a:fontRef idx="minor">
+            <a:schemeClr val="tx1"/>
+          </a:fontRef>
+        </p:style>
+      </p:cxnSp>
+      <p:sp>
+        <p:nvSpPr>
+          <p:cNvPr id="61" name=""/>
+          <p:cNvSpPr/>
+          <p:nvPr/>
+        </p:nvSpPr>
+        <p:spPr>
+          <a:xfrm>
+            <a:off x="4121209" y="1480891"/>
+            <a:ext cx="2756040" cy="610962"/>
+          </a:xfrm>
+          <a:prstGeom prst="flowChartProcess">
+            <a:avLst/>
+          </a:prstGeom>
+          <a:noFill/>
+          <a:ln>
+            <a:solidFill>
+              <a:srgbClr val="000000"/>
+            </a:solidFill>
+          </a:ln>
+        </p:spPr>
+        <p:style>
+          <a:lnRef idx="2">
+            <a:schemeClr val="accent1">
+              <a:shade val="20000"/>
+            </a:schemeClr>
+          </a:lnRef>
+          <a:fillRef idx="1">
+            <a:schemeClr val="accent1"/>
+          </a:fillRef>
+          <a:effectRef idx="0">
+            <a:schemeClr val="accent1"/>
+          </a:effectRef>
+          <a:fontRef idx="minor">
+            <a:schemeClr val="lt1"/>
+          </a:fontRef>
+        </p:style>
+        <p:txBody>
+          <a:bodyPr anchor="ctr"/>
+          <a:lstStyle/>
+          <a:p>
+            <a:pPr algn="ctr">
+              <a:defRPr/>
+            </a:pPr>
+            <a:r>
+              <a:rPr lang="ko-KR" altLang="en-US" sz="1300">
+                <a:solidFill>
+                  <a:schemeClr val="tx1"/>
+                </a:solidFill>
+              </a:rPr>
+              <a:t>영화순위 출력 및 순위에있는 </a:t>
+            </a:r>
+            <a:endParaRPr lang="ko-KR" altLang="en-US" sz="1300">
+              <a:solidFill>
+                <a:schemeClr val="tx1"/>
+              </a:solidFill>
+            </a:endParaRPr>
+          </a:p>
+          <a:p>
+            <a:pPr algn="ctr">
+              <a:defRPr/>
+            </a:pPr>
+            <a:r>
+              <a:rPr lang="ko-KR" altLang="en-US" sz="1300">
+                <a:solidFill>
+                  <a:schemeClr val="tx1"/>
+                </a:solidFill>
+              </a:rPr>
+              <a:t>영화 포스터를 </a:t>
+            </a:r>
+            <a:r>
+              <a:rPr lang="en-US" altLang="ko-KR" sz="1300">
+                <a:solidFill>
+                  <a:schemeClr val="tx1"/>
+                </a:solidFill>
+              </a:rPr>
+              <a:t>bxSlider</a:t>
+            </a:r>
+            <a:r>
+              <a:rPr lang="ko-KR" altLang="en-US" sz="1300">
+                <a:solidFill>
+                  <a:schemeClr val="tx1"/>
+                </a:solidFill>
+              </a:rPr>
+              <a:t>사용하여</a:t>
+            </a:r>
+            <a:endParaRPr lang="ko-KR" altLang="en-US" sz="1300">
+              <a:solidFill>
+                <a:schemeClr val="tx1"/>
+              </a:solidFill>
+            </a:endParaRPr>
+          </a:p>
+          <a:p>
+            <a:pPr algn="ctr">
+              <a:defRPr/>
+            </a:pPr>
+            <a:r>
+              <a:rPr lang="ko-KR" altLang="en-US" sz="1300">
+                <a:solidFill>
+                  <a:schemeClr val="tx1"/>
+                </a:solidFill>
+              </a:rPr>
+              <a:t>자동으로 이미지 전환</a:t>
+            </a:r>
+            <a:endParaRPr lang="ko-KR" altLang="en-US" sz="1300">
+              <a:solidFill>
+                <a:schemeClr val="tx1"/>
+              </a:solidFill>
+            </a:endParaRPr>
+          </a:p>
+        </p:txBody>
+      </p:sp>
+    </p:spTree>
+  </p:cSld>
+  <p:clrMapOvr>
+    <a:masterClrMapping/>
+  </p:clrMapOvr>
+  <mc:AlternateContent xmlns:mc="http://schemas.openxmlformats.org/markup-compatibility/2006">
+    <mc:Choice xmlns:p14="http://schemas.microsoft.com/office/powerpoint/2010/main" Requires="p14">
+      <p:transition xmlns:mc="http://schemas.openxmlformats.org/markup-compatibility/2006" xmlns:p14="http://schemas.microsoft.com/office/powerpoint/2010/main" mc:Ignorable="p14" p14:dur="500"/>
+    </mc:Choice>
+    <mc:Fallback>
+      <p:transition/>
+    </mc:Fallback>
+  </mc:AlternateContent>
+</p:sld>
+</file>
+
+<file path=ppt/slides/slide12.xml><?xml version="1.0" encoding="utf-8"?>
 <p:sld xmlns:a="http://schemas.openxmlformats.org/drawingml/2006/main" xmlns:r="http://schemas.openxmlformats.org/officeDocument/2006/relationships" xmlns:p="http://schemas.openxmlformats.org/presentationml/2006/main">
   <p:cSld>
     <p:spTree>
@@ -9674,7 +12881,7 @@
 </p:sld>
 </file>
 
-<file path=ppt/slides/slide11.xml><?xml version="1.0" encoding="utf-8"?>
+<file path=ppt/slides/slide13.xml><?xml version="1.0" encoding="utf-8"?>
 <p:sld xmlns:a="http://schemas.openxmlformats.org/drawingml/2006/main" xmlns:r="http://schemas.openxmlformats.org/officeDocument/2006/relationships" xmlns:p="http://schemas.openxmlformats.org/presentationml/2006/main">
   <p:cSld>
     <p:spTree>
@@ -10245,7 +13452,323 @@
 </p:sld>
 </file>
 
-<file path=ppt/slides/slide12.xml><?xml version="1.0" encoding="utf-8"?>
+<file path=ppt/slides/slide14.xml><?xml version="1.0" encoding="utf-8"?>
+<p:sld xmlns:r="http://schemas.openxmlformats.org/officeDocument/2006/relationships" xmlns:c="http://schemas.openxmlformats.org/drawingml/2006/chart" xmlns:a="http://schemas.openxmlformats.org/drawingml/2006/main" xmlns:dgm="http://schemas.openxmlformats.org/drawingml/2006/diagram" xmlns:dsp="http://schemas.microsoft.com/office/drawing/2008/diagram" xmlns:p="http://schemas.openxmlformats.org/presentationml/2006/main">
+  <p:cSld>
+    <p:spTree>
+      <p:nvGrpSpPr>
+        <p:cNvPr id="1" name=""/>
+        <p:cNvGrpSpPr/>
+        <p:nvPr/>
+      </p:nvGrpSpPr>
+      <p:grpSpPr>
+        <a:xfrm>
+          <a:off x="0" y="0"/>
+          <a:ext cx="0" cy="0"/>
+          <a:chOff x="0" y="0"/>
+          <a:chExt cx="0" cy="0"/>
+        </a:xfrm>
+      </p:grpSpPr>
+      <p:sp>
+        <p:nvSpPr>
+          <p:cNvPr id="2" name="Title 1"/>
+          <p:cNvSpPr>
+            <a:spLocks noGrp="1"/>
+          </p:cNvSpPr>
+          <p:nvPr>
+            <p:ph type="title" idx="0"/>
+          </p:nvPr>
+        </p:nvSpPr>
+        <p:spPr>
+          <a:xfrm>
+            <a:off x="432000" y="432000"/>
+            <a:ext cx="1623303" cy="432000"/>
+          </a:xfrm>
+        </p:spPr>
+        <p:txBody>
+          <a:bodyPr/>
+          <a:lstStyle/>
+          <a:p>
+            <a:pPr lvl="0">
+              <a:defRPr/>
+            </a:pPr>
+            <a:r>
+              <a:rPr lang="ko-KR" altLang="en-US"/>
+              <a:t>형상관리</a:t>
+            </a:r>
+            <a:endParaRPr lang="ko-KR" altLang="en-US"/>
+          </a:p>
+        </p:txBody>
+      </p:sp>
+      <p:sp>
+        <p:nvSpPr>
+          <p:cNvPr id="9" name="Slide Number Placeholder 8"/>
+          <p:cNvSpPr>
+            <a:spLocks noGrp="1"/>
+          </p:cNvSpPr>
+          <p:nvPr>
+            <p:ph type="sldNum" sz="quarter" idx="33"/>
+          </p:nvPr>
+        </p:nvSpPr>
+        <p:spPr>
+          <a:xfrm>
+            <a:off x="11447502" y="6401750"/>
+            <a:ext cx="278418" cy="274324"/>
+          </a:xfrm>
+        </p:spPr>
+        <p:txBody>
+          <a:bodyPr/>
+          <a:lstStyle/>
+          <a:p>
+            <a:pPr lvl="0">
+              <a:defRPr/>
+            </a:pPr>
+            <a:fld id="{19B51A1E-902D-48AF-9020-955120F399B6}" type="slidenum">
+              <a:rPr lang="en-US"/>
+              <a:pPr lvl="0">
+                <a:defRPr/>
+              </a:pPr>
+              <a:t>14</a:t>
+            </a:fld>
+            <a:endParaRPr lang="en-US"/>
+          </a:p>
+        </p:txBody>
+      </p:sp>
+      <p:pic>
+        <p:nvPicPr>
+          <p:cNvPr id="8" name="그림 7"/>
+          <p:cNvPicPr>
+            <a:picLocks noChangeAspect="1"/>
+          </p:cNvPicPr>
+          <p:nvPr/>
+        </p:nvPicPr>
+        <p:blipFill rotWithShape="1">
+          <a:blip r:embed="rId3"/>
+          <a:stretch>
+            <a:fillRect/>
+          </a:stretch>
+        </p:blipFill>
+        <p:spPr>
+          <a:xfrm>
+            <a:off x="9986365" y="0"/>
+            <a:ext cx="2205635" cy="6006518"/>
+          </a:xfrm>
+          <a:prstGeom prst="rect">
+            <a:avLst/>
+          </a:prstGeom>
+        </p:spPr>
+      </p:pic>
+      <p:sp>
+        <p:nvSpPr>
+          <p:cNvPr id="10" name="직사각형 9"/>
+          <p:cNvSpPr/>
+          <p:nvPr/>
+        </p:nvSpPr>
+        <p:spPr>
+          <a:xfrm>
+            <a:off x="10075178" y="6283354"/>
+            <a:ext cx="1283516" cy="478173"/>
+          </a:xfrm>
+          <a:prstGeom prst="rect">
+            <a:avLst/>
+          </a:prstGeom>
+          <a:solidFill>
+            <a:schemeClr val="bg1"/>
+          </a:solidFill>
+          <a:ln>
+            <a:solidFill>
+              <a:schemeClr val="bg1"/>
+            </a:solidFill>
+          </a:ln>
+        </p:spPr>
+        <p:style>
+          <a:lnRef idx="2">
+            <a:schemeClr val="accent1">
+              <a:shade val="50000"/>
+            </a:schemeClr>
+          </a:lnRef>
+          <a:fillRef idx="1">
+            <a:schemeClr val="accent1"/>
+          </a:fillRef>
+          <a:effectRef idx="0">
+            <a:schemeClr val="accent1"/>
+          </a:effectRef>
+          <a:fontRef idx="minor">
+            <a:schemeClr val="lt1"/>
+          </a:fontRef>
+        </p:style>
+        <p:txBody>
+          <a:bodyPr anchor="ctr"/>
+          <a:lstStyle/>
+          <a:p>
+            <a:pPr algn="ctr">
+              <a:defRPr/>
+            </a:pPr>
+            <a:endParaRPr lang="ko-KR" altLang="en-US">
+              <a:ln w="9525">
+                <a:solidFill>
+                  <a:schemeClr val="bg1"/>
+                </a:solidFill>
+              </a:ln>
+              <a:solidFill>
+                <a:schemeClr val="bg1"/>
+              </a:solidFill>
+            </a:endParaRPr>
+          </a:p>
+        </p:txBody>
+      </p:sp>
+      <p:sp>
+        <p:nvSpPr>
+          <p:cNvPr id="13" name="TextBox 12"/>
+          <p:cNvSpPr txBox="1"/>
+          <p:nvPr/>
+        </p:nvSpPr>
+        <p:spPr>
+          <a:xfrm>
+            <a:off x="10151470" y="6010406"/>
+            <a:ext cx="937712" cy="761868"/>
+          </a:xfrm>
+          <a:prstGeom prst="rect">
+            <a:avLst/>
+          </a:prstGeom>
+          <a:noFill/>
+        </p:spPr>
+        <p:txBody>
+          <a:bodyPr wrap="square" lIns="0" tIns="36000" rIns="0" bIns="0">
+            <a:spAutoFit/>
+          </a:bodyPr>
+          <a:lstStyle/>
+          <a:p>
+            <a:pPr algn="r">
+              <a:lnSpc>
+                <a:spcPct val="150000"/>
+              </a:lnSpc>
+              <a:defRPr/>
+            </a:pPr>
+            <a:r>
+              <a:rPr lang="en-US" sz="1600" b="1" spc="-100" baseline="0">
+                <a:solidFill>
+                  <a:schemeClr val="tx1"/>
+                </a:solidFill>
+                <a:latin typeface="Corbel"/>
+              </a:rPr>
+              <a:t>KOSMO </a:t>
+            </a:r>
+            <a:r>
+              <a:rPr lang="en-US" sz="1600" b="1" spc="-100">
+                <a:latin typeface="Corbel"/>
+              </a:rPr>
+              <a:t> 77</a:t>
+            </a:r>
+            <a:r>
+              <a:rPr lang="ko-KR" altLang="en-US" sz="1600" b="1" spc="-100">
+                <a:latin typeface="Corbel"/>
+              </a:rPr>
+              <a:t> </a:t>
+            </a:r>
+            <a:endParaRPr lang="ko-KR" altLang="en-US" sz="1600" b="1" spc="-100">
+              <a:latin typeface="Corbel"/>
+            </a:endParaRPr>
+          </a:p>
+          <a:p>
+            <a:pPr algn="r">
+              <a:lnSpc>
+                <a:spcPct val="150000"/>
+              </a:lnSpc>
+              <a:defRPr/>
+            </a:pPr>
+            <a:r>
+              <a:rPr lang="ko-KR" altLang="en-US" sz="1600" b="1" spc="-100">
+                <a:latin typeface="Corbel"/>
+              </a:rPr>
+              <a:t> 개발 </a:t>
+            </a:r>
+            <a:r>
+              <a:rPr lang="en-US" altLang="ko-KR" sz="1600" b="1" spc="-100">
+                <a:latin typeface="Corbel"/>
+              </a:rPr>
+              <a:t>5</a:t>
+            </a:r>
+            <a:r>
+              <a:rPr lang="ko-KR" altLang="en-US" sz="1600" b="1" spc="-100">
+                <a:latin typeface="Corbel"/>
+              </a:rPr>
+              <a:t>팀</a:t>
+            </a:r>
+            <a:endParaRPr lang="en-US" sz="1600" b="1" spc="-100" baseline="0">
+              <a:solidFill>
+                <a:schemeClr val="tx1"/>
+              </a:solidFill>
+              <a:latin typeface="Corbel"/>
+            </a:endParaRPr>
+          </a:p>
+        </p:txBody>
+      </p:sp>
+      <p:pic>
+        <p:nvPicPr>
+          <p:cNvPr id="14" name=""/>
+          <p:cNvPicPr>
+            <a:picLocks noChangeAspect="1"/>
+          </p:cNvPicPr>
+          <p:nvPr/>
+        </p:nvPicPr>
+        <p:blipFill rotWithShape="1">
+          <a:blip r:embed="rId4"/>
+          <a:stretch>
+            <a:fillRect/>
+          </a:stretch>
+        </p:blipFill>
+        <p:spPr>
+          <a:xfrm>
+            <a:off x="374957" y="3429000"/>
+            <a:ext cx="9402724" cy="3054080"/>
+          </a:xfrm>
+          <a:prstGeom prst="rect">
+            <a:avLst/>
+          </a:prstGeom>
+        </p:spPr>
+      </p:pic>
+      <p:pic>
+        <p:nvPicPr>
+          <p:cNvPr id="15" name=""/>
+          <p:cNvPicPr>
+            <a:picLocks noChangeAspect="1"/>
+          </p:cNvPicPr>
+          <p:nvPr/>
+        </p:nvPicPr>
+        <p:blipFill rotWithShape="1">
+          <a:blip r:embed="rId5"/>
+          <a:stretch>
+            <a:fillRect/>
+          </a:stretch>
+        </p:blipFill>
+        <p:spPr>
+          <a:xfrm>
+            <a:off x="354655" y="965665"/>
+            <a:ext cx="9470849" cy="2281963"/>
+          </a:xfrm>
+          <a:prstGeom prst="rect">
+            <a:avLst/>
+          </a:prstGeom>
+        </p:spPr>
+      </p:pic>
+    </p:spTree>
+  </p:cSld>
+  <p:clrMapOvr>
+    <a:masterClrMapping/>
+  </p:clrMapOvr>
+  <mc:AlternateContent xmlns:mc="http://schemas.openxmlformats.org/markup-compatibility/2006">
+    <mc:Choice xmlns:p14="http://schemas.microsoft.com/office/powerpoint/2010/main" Requires="p14">
+      <p:transition xmlns:mc="http://schemas.openxmlformats.org/markup-compatibility/2006" xmlns:p14="http://schemas.microsoft.com/office/powerpoint/2010/main" mc:Ignorable="p14" p14:dur="500"/>
+    </mc:Choice>
+    <mc:Fallback>
+      <p:transition/>
+    </mc:Fallback>
+  </mc:AlternateContent>
+</p:sld>
+</file>
+
+<file path=ppt/slides/slide15.xml><?xml version="1.0" encoding="utf-8"?>
 <p:sld xmlns:a="http://schemas.openxmlformats.org/drawingml/2006/main" xmlns:r="http://schemas.openxmlformats.org/officeDocument/2006/relationships" xmlns:p="http://schemas.openxmlformats.org/presentationml/2006/main">
   <p:cSld>
     <p:spTree>
@@ -12346,7 +15869,7 @@
 </p:sld>
 </file>
 
-<file path=ppt/slides/slide13.xml><?xml version="1.0" encoding="utf-8"?>
+<file path=ppt/slides/slide16.xml><?xml version="1.0" encoding="utf-8"?>
 <p:sld xmlns:a="http://schemas.openxmlformats.org/drawingml/2006/main" xmlns:r="http://schemas.openxmlformats.org/officeDocument/2006/relationships" xmlns:p="http://schemas.openxmlformats.org/presentationml/2006/main">
   <p:cSld>
     <p:spTree>
@@ -20398,44 +23921,44 @@
 </file>
 
 <file path=ppt/theme/theme1.xml><?xml version="1.0" encoding="utf-8"?>
-<a:theme xmlns:a="http://schemas.openxmlformats.org/drawingml/2006/main" name="Office 테마">
+<a:theme xmlns:r="http://schemas.openxmlformats.org/officeDocument/2006/relationships" xmlns:c="http://schemas.openxmlformats.org/drawingml/2006/chart" xmlns:dgm="http://schemas.openxmlformats.org/drawingml/2006/diagram" xmlns:dsp="http://schemas.microsoft.com/office/drawing/2008/diagram" xmlns:a="http://schemas.openxmlformats.org/drawingml/2006/main" xmlns:pic="http://schemas.openxmlformats.org/drawingml/2006/picture" xmlns:wp="http://schemas.openxmlformats.org/drawingml/2006/wordprocessingDrawing" xmlns:xdr="http://schemas.openxmlformats.org/drawingml/2006/spreadsheetDrawing" xmlns:p="http://schemas.openxmlformats.org/presentationml/2006/main" name="Office 테마">
   <a:themeElements>
     <a:clrScheme name="Custom 134">
       <a:dk1>
         <a:srgbClr val="000000"/>
       </a:dk1>
       <a:lt1>
-        <a:srgbClr val="FFFFFF"/>
+        <a:srgbClr val="ffffff"/>
       </a:lt1>
       <a:dk2>
         <a:srgbClr val="000000"/>
       </a:dk2>
       <a:lt2>
-        <a:srgbClr val="FFFFFF"/>
+        <a:srgbClr val="ffffff"/>
       </a:lt2>
       <a:accent1>
-        <a:srgbClr val="5CB8B3"/>
+        <a:srgbClr val="5cb8b3"/>
       </a:accent1>
       <a:accent2>
-        <a:srgbClr val="F5D66E"/>
+        <a:srgbClr val="f5d66e"/>
       </a:accent2>
       <a:accent3>
-        <a:srgbClr val="D78189"/>
+        <a:srgbClr val="d78189"/>
       </a:accent3>
       <a:accent4>
-        <a:srgbClr val="7030A0"/>
+        <a:srgbClr val="7030a0"/>
       </a:accent4>
       <a:accent5>
-        <a:srgbClr val="0070C0"/>
+        <a:srgbClr val="0070c0"/>
       </a:accent5>
       <a:accent6>
-        <a:srgbClr val="C4D36D"/>
+        <a:srgbClr val="c4d36d"/>
       </a:accent6>
       <a:hlink>
-        <a:srgbClr val="54C3BD"/>
+        <a:srgbClr val="54c3bd"/>
       </a:hlink>
       <a:folHlink>
-        <a:srgbClr val="54C3BD"/>
+        <a:srgbClr val="54c3bd"/>
       </a:folHlink>
     </a:clrScheme>
     <a:fontScheme name="Custom 154">
@@ -20646,54 +24169,53 @@
       <a:lstStyle/>
     </a:txDef>
   </a:objectDefaults>
-  <a:extraClrSchemeLst/>
 </a:theme>
 </file>
 
 <file path=ppt/theme/theme2.xml><?xml version="1.0" encoding="utf-8"?>
-<a:theme xmlns:a="http://schemas.openxmlformats.org/drawingml/2006/main" name="Office Theme">
+<a:theme xmlns:r="http://schemas.openxmlformats.org/officeDocument/2006/relationships" xmlns:c="http://schemas.openxmlformats.org/drawingml/2006/chart" xmlns:dgm="http://schemas.openxmlformats.org/drawingml/2006/diagram" xmlns:dsp="http://schemas.microsoft.com/office/drawing/2008/diagram" xmlns:a="http://schemas.openxmlformats.org/drawingml/2006/main" xmlns:pic="http://schemas.openxmlformats.org/drawingml/2006/picture" xmlns:wp="http://schemas.openxmlformats.org/drawingml/2006/wordprocessingDrawing" xmlns:xdr="http://schemas.openxmlformats.org/drawingml/2006/spreadsheetDrawing" xmlns:p="http://schemas.openxmlformats.org/presentationml/2006/main" name="Office Theme">
   <a:themeElements>
     <a:clrScheme name="Office">
       <a:dk1>
         <a:sysClr val="windowText" lastClr="000000"/>
       </a:dk1>
       <a:lt1>
-        <a:sysClr val="window" lastClr="FFFFFF"/>
+        <a:sysClr val="window" lastClr="ffffff"/>
       </a:lt1>
       <a:dk2>
-        <a:srgbClr val="44546A"/>
+        <a:srgbClr val="44546a"/>
       </a:dk2>
       <a:lt2>
-        <a:srgbClr val="E7E6E6"/>
+        <a:srgbClr val="e7e6e6"/>
       </a:lt2>
       <a:accent1>
-        <a:srgbClr val="4472C4"/>
+        <a:srgbClr val="4472c4"/>
       </a:accent1>
       <a:accent2>
-        <a:srgbClr val="ED7D31"/>
+        <a:srgbClr val="ed7d31"/>
       </a:accent2>
       <a:accent3>
-        <a:srgbClr val="A5A5A5"/>
+        <a:srgbClr val="a5a5a5"/>
       </a:accent3>
       <a:accent4>
-        <a:srgbClr val="FFC000"/>
+        <a:srgbClr val="ffc000"/>
       </a:accent4>
       <a:accent5>
-        <a:srgbClr val="5B9BD5"/>
+        <a:srgbClr val="5b9bd5"/>
       </a:accent5>
       <a:accent6>
-        <a:srgbClr val="70AD47"/>
+        <a:srgbClr val="70ad47"/>
       </a:accent6>
       <a:hlink>
-        <a:srgbClr val="0563C1"/>
+        <a:srgbClr val="0563c1"/>
       </a:hlink>
       <a:folHlink>
-        <a:srgbClr val="954F72"/>
+        <a:srgbClr val="954f72"/>
       </a:folHlink>
     </a:clrScheme>
     <a:fontScheme name="Office">
       <a:majorFont>
-        <a:latin typeface="Calibri Light" panose="20000000000000000000"/>
+        <a:latin typeface="Calibri Light" panose="2147483647"/>
         <a:ea typeface=""/>
         <a:cs typeface=""/>
         <a:font script="Jpan" typeface="Yu Gothic Light"/>
@@ -20745,7 +24267,7 @@
         <a:font script="Tfng" typeface="Ebrima"/>
       </a:majorFont>
       <a:minorFont>
-        <a:latin typeface="Calibri" panose="20000000000000000000"/>
+        <a:latin typeface="Calibri" panose="2147483647"/>
         <a:ea typeface=""/>
         <a:cs typeface=""/>
         <a:font script="Jpan" typeface="Yu Gothic"/>
@@ -20935,55 +24457,53 @@
       </a:bgFillStyleLst>
     </a:fmtScheme>
   </a:themeElements>
-  <a:objectDefaults/>
-  <a:extraClrSchemeLst/>
 </a:theme>
 </file>
 
 <file path=ppt/theme/theme3.xml><?xml version="1.0" encoding="utf-8"?>
-<a:theme xmlns:a="http://schemas.openxmlformats.org/drawingml/2006/main" name="Office Theme">
+<a:theme xmlns:r="http://schemas.openxmlformats.org/officeDocument/2006/relationships" xmlns:c="http://schemas.openxmlformats.org/drawingml/2006/chart" xmlns:dgm="http://schemas.openxmlformats.org/drawingml/2006/diagram" xmlns:dsp="http://schemas.microsoft.com/office/drawing/2008/diagram" xmlns:a="http://schemas.openxmlformats.org/drawingml/2006/main" xmlns:pic="http://schemas.openxmlformats.org/drawingml/2006/picture" xmlns:wp="http://schemas.openxmlformats.org/drawingml/2006/wordprocessingDrawing" xmlns:xdr="http://schemas.openxmlformats.org/drawingml/2006/spreadsheetDrawing" xmlns:p="http://schemas.openxmlformats.org/presentationml/2006/main" name="Office Theme">
   <a:themeElements>
     <a:clrScheme name="Office">
       <a:dk1>
         <a:sysClr val="windowText" lastClr="000000"/>
       </a:dk1>
       <a:lt1>
-        <a:sysClr val="window" lastClr="FFFFFF"/>
+        <a:sysClr val="window" lastClr="ffffff"/>
       </a:lt1>
       <a:dk2>
-        <a:srgbClr val="44546A"/>
+        <a:srgbClr val="44546a"/>
       </a:dk2>
       <a:lt2>
-        <a:srgbClr val="E7E6E6"/>
+        <a:srgbClr val="e7e6e6"/>
       </a:lt2>
       <a:accent1>
-        <a:srgbClr val="4472C4"/>
+        <a:srgbClr val="4472c4"/>
       </a:accent1>
       <a:accent2>
-        <a:srgbClr val="ED7D31"/>
+        <a:srgbClr val="ed7d31"/>
       </a:accent2>
       <a:accent3>
-        <a:srgbClr val="A5A5A5"/>
+        <a:srgbClr val="a5a5a5"/>
       </a:accent3>
       <a:accent4>
-        <a:srgbClr val="FFC000"/>
+        <a:srgbClr val="ffc000"/>
       </a:accent4>
       <a:accent5>
-        <a:srgbClr val="5B9BD5"/>
+        <a:srgbClr val="5b9bd5"/>
       </a:accent5>
       <a:accent6>
-        <a:srgbClr val="70AD47"/>
+        <a:srgbClr val="70ad47"/>
       </a:accent6>
       <a:hlink>
-        <a:srgbClr val="0563C1"/>
+        <a:srgbClr val="0563c1"/>
       </a:hlink>
       <a:folHlink>
-        <a:srgbClr val="954F72"/>
+        <a:srgbClr val="954f72"/>
       </a:folHlink>
     </a:clrScheme>
     <a:fontScheme name="Office">
       <a:majorFont>
-        <a:latin typeface="Calibri Light" panose="20000000000000000000"/>
+        <a:latin typeface="Calibri Light" panose="2147483647"/>
         <a:ea typeface=""/>
         <a:cs typeface=""/>
         <a:font script="Jpan" typeface="Yu Gothic Light"/>
@@ -21035,7 +24555,7 @@
         <a:font script="Tfng" typeface="Ebrima"/>
       </a:majorFont>
       <a:minorFont>
-        <a:latin typeface="Calibri" panose="20000000000000000000"/>
+        <a:latin typeface="Calibri" panose="2147483647"/>
         <a:ea typeface=""/>
         <a:cs typeface=""/>
         <a:font script="Jpan" typeface="Yu Gothic"/>
@@ -21225,7 +24745,5 @@
       </a:bgFillStyleLst>
     </a:fmtScheme>
   </a:themeElements>
-  <a:objectDefaults/>
-  <a:extraClrSchemeLst/>
 </a:theme>
 </file>